--- a/Crash_Dectectives.pptx
+++ b/Crash_Dectectives.pptx
@@ -5,7 +5,7 @@
     <p:sldMasterId id="2147483672" r:id="rId1"/>
   </p:sldMasterIdLst>
   <p:notesMasterIdLst>
-    <p:notesMasterId r:id="rId8"/>
+    <p:notesMasterId r:id="rId9"/>
   </p:notesMasterIdLst>
   <p:sldIdLst>
     <p:sldId id="256" r:id="rId2"/>
@@ -13,7 +13,8 @@
     <p:sldId id="258" r:id="rId4"/>
     <p:sldId id="261" r:id="rId5"/>
     <p:sldId id="260" r:id="rId6"/>
-    <p:sldId id="259" r:id="rId7"/>
+    <p:sldId id="262" r:id="rId7"/>
+    <p:sldId id="259" r:id="rId8"/>
   </p:sldIdLst>
   <p:sldSz cx="12192000" cy="6858000"/>
   <p:notesSz cx="6858000" cy="9144000"/>
@@ -112,6 +113,11 @@
       </a:defRPr>
     </a:lvl9pPr>
   </p:defaultTextStyle>
+  <p:extLst>
+    <p:ext uri="{EFAFB233-063F-42B5-8137-9DF3F51BA10A}">
+      <p15:sldGuideLst xmlns:p15="http://schemas.microsoft.com/office/powerpoint/2012/main"/>
+    </p:ext>
+  </p:extLst>
 </p:presentation>
 </file>
 
@@ -119,6 +125,7 @@
 <p1510:revInfo xmlns:a="http://schemas.openxmlformats.org/drawingml/2006/main" xmlns:r="http://schemas.openxmlformats.org/officeDocument/2006/relationships" xmlns:p1510="http://schemas.microsoft.com/office/powerpoint/2015/10/main">
   <p1510:revLst>
     <p1510:client id="{20854ADB-59A1-493D-9435-9219F24ADA32}" v="15" dt="2022-05-13T14:45:59.139"/>
+    <p1510:client id="{2CE6346F-8B59-4A71-AFEE-C619A1FF23EF}" v="843" dt="2022-05-13T21:06:25.378"/>
   </p1510:revLst>
 </p1510:revInfo>
 </file>
@@ -868,7 +875,5011 @@
       </pc:sldChg>
     </pc:docChg>
   </pc:docChgLst>
+  <pc:docChgLst>
+    <pc:chgData name="16479132604" userId="2b8b334a7726c1f8" providerId="LiveId" clId="{2CE6346F-8B59-4A71-AFEE-C619A1FF23EF}"/>
+    <pc:docChg chg="undo custSel addSld delSld modSld sldOrd">
+      <pc:chgData name="16479132604" userId="2b8b334a7726c1f8" providerId="LiveId" clId="{2CE6346F-8B59-4A71-AFEE-C619A1FF23EF}" dt="2022-05-14T02:52:53.974" v="1335" actId="1076"/>
+      <pc:docMkLst>
+        <pc:docMk/>
+      </pc:docMkLst>
+      <pc:sldChg chg="modAnim">
+        <pc:chgData name="16479132604" userId="2b8b334a7726c1f8" providerId="LiveId" clId="{2CE6346F-8B59-4A71-AFEE-C619A1FF23EF}" dt="2022-05-13T15:48:57.542" v="148"/>
+        <pc:sldMkLst>
+          <pc:docMk/>
+          <pc:sldMk cId="2463205556" sldId="256"/>
+        </pc:sldMkLst>
+      </pc:sldChg>
+      <pc:sldChg chg="addSp delSp modSp add del mod delAnim modAnim">
+        <pc:chgData name="16479132604" userId="2b8b334a7726c1f8" providerId="LiveId" clId="{2CE6346F-8B59-4A71-AFEE-C619A1FF23EF}" dt="2022-05-13T15:47:41.846" v="144"/>
+        <pc:sldMkLst>
+          <pc:docMk/>
+          <pc:sldMk cId="820886365" sldId="257"/>
+        </pc:sldMkLst>
+        <pc:spChg chg="mod">
+          <ac:chgData name="16479132604" userId="2b8b334a7726c1f8" providerId="LiveId" clId="{2CE6346F-8B59-4A71-AFEE-C619A1FF23EF}" dt="2022-05-13T15:45:02.112" v="129" actId="20577"/>
+          <ac:spMkLst>
+            <pc:docMk/>
+            <pc:sldMk cId="820886365" sldId="257"/>
+            <ac:spMk id="3" creationId="{4ACF4A0A-B0AD-526F-2C48-B85917BF45E4}"/>
+          </ac:spMkLst>
+        </pc:spChg>
+        <pc:picChg chg="add del mod">
+          <ac:chgData name="16479132604" userId="2b8b334a7726c1f8" providerId="LiveId" clId="{2CE6346F-8B59-4A71-AFEE-C619A1FF23EF}" dt="2022-05-13T15:42:36.942" v="107" actId="478"/>
+          <ac:picMkLst>
+            <pc:docMk/>
+            <pc:sldMk cId="820886365" sldId="257"/>
+            <ac:picMk id="5" creationId="{341D48C0-7A2B-B6EA-3CA0-C71B4FE56706}"/>
+          </ac:picMkLst>
+        </pc:picChg>
+        <pc:picChg chg="mod">
+          <ac:chgData name="16479132604" userId="2b8b334a7726c1f8" providerId="LiveId" clId="{2CE6346F-8B59-4A71-AFEE-C619A1FF23EF}" dt="2022-05-13T15:38:00.134" v="79" actId="27349"/>
+          <ac:picMkLst>
+            <pc:docMk/>
+            <pc:sldMk cId="820886365" sldId="257"/>
+            <ac:picMk id="6" creationId="{33519307-652A-D2E2-02E1-CAAFFCF28F4D}"/>
+          </ac:picMkLst>
+        </pc:picChg>
+        <pc:picChg chg="add del mod">
+          <ac:chgData name="16479132604" userId="2b8b334a7726c1f8" providerId="LiveId" clId="{2CE6346F-8B59-4A71-AFEE-C619A1FF23EF}" dt="2022-05-13T15:41:52.850" v="103" actId="478"/>
+          <ac:picMkLst>
+            <pc:docMk/>
+            <pc:sldMk cId="820886365" sldId="257"/>
+            <ac:picMk id="8" creationId="{508166C1-E9CB-2423-393B-9F2D99978A5B}"/>
+          </ac:picMkLst>
+        </pc:picChg>
+        <pc:picChg chg="add mod">
+          <ac:chgData name="16479132604" userId="2b8b334a7726c1f8" providerId="LiveId" clId="{2CE6346F-8B59-4A71-AFEE-C619A1FF23EF}" dt="2022-05-13T15:45:00.388" v="128" actId="1076"/>
+          <ac:picMkLst>
+            <pc:docMk/>
+            <pc:sldMk cId="820886365" sldId="257"/>
+            <ac:picMk id="10" creationId="{96405B42-9587-B82C-E0B4-AB7BE24CAEAF}"/>
+          </ac:picMkLst>
+        </pc:picChg>
+      </pc:sldChg>
+      <pc:sldChg chg="addSp modSp mod modAnim">
+        <pc:chgData name="16479132604" userId="2b8b334a7726c1f8" providerId="LiveId" clId="{2CE6346F-8B59-4A71-AFEE-C619A1FF23EF}" dt="2022-05-13T16:11:36.633" v="198" actId="20577"/>
+        <pc:sldMkLst>
+          <pc:docMk/>
+          <pc:sldMk cId="4123482106" sldId="258"/>
+        </pc:sldMkLst>
+        <pc:spChg chg="mod">
+          <ac:chgData name="16479132604" userId="2b8b334a7726c1f8" providerId="LiveId" clId="{2CE6346F-8B59-4A71-AFEE-C619A1FF23EF}" dt="2022-05-13T16:11:36.633" v="198" actId="20577"/>
+          <ac:spMkLst>
+            <pc:docMk/>
+            <pc:sldMk cId="4123482106" sldId="258"/>
+            <ac:spMk id="3" creationId="{772B4667-689F-D198-AE27-FCE2E9F5314A}"/>
+          </ac:spMkLst>
+        </pc:spChg>
+        <pc:picChg chg="add mod">
+          <ac:chgData name="16479132604" userId="2b8b334a7726c1f8" providerId="LiveId" clId="{2CE6346F-8B59-4A71-AFEE-C619A1FF23EF}" dt="2022-05-13T16:11:35.150" v="197" actId="1076"/>
+          <ac:picMkLst>
+            <pc:docMk/>
+            <pc:sldMk cId="4123482106" sldId="258"/>
+            <ac:picMk id="5" creationId="{3FD9BF75-B970-A3B7-2F0D-3D4D90502DE9}"/>
+          </ac:picMkLst>
+        </pc:picChg>
+        <pc:picChg chg="mod">
+          <ac:chgData name="16479132604" userId="2b8b334a7726c1f8" providerId="LiveId" clId="{2CE6346F-8B59-4A71-AFEE-C619A1FF23EF}" dt="2022-05-13T16:10:04.983" v="171" actId="14100"/>
+          <ac:picMkLst>
+            <pc:docMk/>
+            <pc:sldMk cId="4123482106" sldId="258"/>
+            <ac:picMk id="6" creationId="{921BACEC-DC60-870C-1DFF-788304394534}"/>
+          </ac:picMkLst>
+        </pc:picChg>
+        <pc:picChg chg="add mod">
+          <ac:chgData name="16479132604" userId="2b8b334a7726c1f8" providerId="LiveId" clId="{2CE6346F-8B59-4A71-AFEE-C619A1FF23EF}" dt="2022-05-13T16:01:42.776" v="160" actId="1076"/>
+          <ac:picMkLst>
+            <pc:docMk/>
+            <pc:sldMk cId="4123482106" sldId="258"/>
+            <ac:picMk id="9" creationId="{2922D2AF-4F6B-B9B9-B515-ADD91BF21F38}"/>
+          </ac:picMkLst>
+        </pc:picChg>
+      </pc:sldChg>
+      <pc:sldChg chg="addSp delSp modSp mod ord">
+        <pc:chgData name="16479132604" userId="2b8b334a7726c1f8" providerId="LiveId" clId="{2CE6346F-8B59-4A71-AFEE-C619A1FF23EF}" dt="2022-05-14T02:52:53.974" v="1335" actId="1076"/>
+        <pc:sldMkLst>
+          <pc:docMk/>
+          <pc:sldMk cId="4147228436" sldId="260"/>
+        </pc:sldMkLst>
+        <pc:spChg chg="mod">
+          <ac:chgData name="16479132604" userId="2b8b334a7726c1f8" providerId="LiveId" clId="{2CE6346F-8B59-4A71-AFEE-C619A1FF23EF}" dt="2022-05-13T18:08:21.154" v="583" actId="1076"/>
+          <ac:spMkLst>
+            <pc:docMk/>
+            <pc:sldMk cId="4147228436" sldId="260"/>
+            <ac:spMk id="2" creationId="{DF0A7571-2208-7097-6E07-3B02D973A166}"/>
+          </ac:spMkLst>
+        </pc:spChg>
+        <pc:spChg chg="del">
+          <ac:chgData name="16479132604" userId="2b8b334a7726c1f8" providerId="LiveId" clId="{2CE6346F-8B59-4A71-AFEE-C619A1FF23EF}" dt="2022-05-13T17:28:48.543" v="523"/>
+          <ac:spMkLst>
+            <pc:docMk/>
+            <pc:sldMk cId="4147228436" sldId="260"/>
+            <ac:spMk id="3" creationId="{73EE0278-CB52-296A-7566-2005D389BEE0}"/>
+          </ac:spMkLst>
+        </pc:spChg>
+        <pc:spChg chg="add del mod">
+          <ac:chgData name="16479132604" userId="2b8b334a7726c1f8" providerId="LiveId" clId="{2CE6346F-8B59-4A71-AFEE-C619A1FF23EF}" dt="2022-05-13T18:08:02.399" v="580" actId="478"/>
+          <ac:spMkLst>
+            <pc:docMk/>
+            <pc:sldMk cId="4147228436" sldId="260"/>
+            <ac:spMk id="13" creationId="{6BFECC51-375D-CE2C-4651-22352AECB6BC}"/>
+          </ac:spMkLst>
+        </pc:spChg>
+        <pc:graphicFrameChg chg="add del modGraphic">
+          <ac:chgData name="16479132604" userId="2b8b334a7726c1f8" providerId="LiveId" clId="{2CE6346F-8B59-4A71-AFEE-C619A1FF23EF}" dt="2022-05-13T18:08:00.085" v="579" actId="478"/>
+          <ac:graphicFrameMkLst>
+            <pc:docMk/>
+            <pc:sldMk cId="4147228436" sldId="260"/>
+            <ac:graphicFrameMk id="6" creationId="{E576B5E7-D438-EEA3-ED33-38ADAF509ADE}"/>
+          </ac:graphicFrameMkLst>
+        </pc:graphicFrameChg>
+        <pc:graphicFrameChg chg="add del mod modGraphic">
+          <ac:chgData name="16479132604" userId="2b8b334a7726c1f8" providerId="LiveId" clId="{2CE6346F-8B59-4A71-AFEE-C619A1FF23EF}" dt="2022-05-13T18:06:16.996" v="544" actId="21"/>
+          <ac:graphicFrameMkLst>
+            <pc:docMk/>
+            <pc:sldMk cId="4147228436" sldId="260"/>
+            <ac:graphicFrameMk id="7" creationId="{1E00F732-81F1-E1FA-158A-FDFEECEBA564}"/>
+          </ac:graphicFrameMkLst>
+        </pc:graphicFrameChg>
+        <pc:graphicFrameChg chg="add del">
+          <ac:chgData name="16479132604" userId="2b8b334a7726c1f8" providerId="LiveId" clId="{2CE6346F-8B59-4A71-AFEE-C619A1FF23EF}" dt="2022-05-13T18:06:13.556" v="543" actId="21"/>
+          <ac:graphicFrameMkLst>
+            <pc:docMk/>
+            <pc:sldMk cId="4147228436" sldId="260"/>
+            <ac:graphicFrameMk id="10" creationId="{58FA1AD9-2867-FCF2-9588-50975B2772CB}"/>
+          </ac:graphicFrameMkLst>
+        </pc:graphicFrameChg>
+        <pc:graphicFrameChg chg="add del mod modGraphic">
+          <ac:chgData name="16479132604" userId="2b8b334a7726c1f8" providerId="LiveId" clId="{2CE6346F-8B59-4A71-AFEE-C619A1FF23EF}" dt="2022-05-13T18:09:15.693" v="594" actId="478"/>
+          <ac:graphicFrameMkLst>
+            <pc:docMk/>
+            <pc:sldMk cId="4147228436" sldId="260"/>
+            <ac:graphicFrameMk id="11" creationId="{996A0484-3F04-5129-82EC-D61BFC7ABF87}"/>
+          </ac:graphicFrameMkLst>
+        </pc:graphicFrameChg>
+        <pc:graphicFrameChg chg="add mod modGraphic">
+          <ac:chgData name="16479132604" userId="2b8b334a7726c1f8" providerId="LiveId" clId="{2CE6346F-8B59-4A71-AFEE-C619A1FF23EF}" dt="2022-05-14T02:52:53.974" v="1335" actId="1076"/>
+          <ac:graphicFrameMkLst>
+            <pc:docMk/>
+            <pc:sldMk cId="4147228436" sldId="260"/>
+            <ac:graphicFrameMk id="16" creationId="{36492A13-3319-FE3E-2250-23A6966BE6E9}"/>
+          </ac:graphicFrameMkLst>
+        </pc:graphicFrameChg>
+      </pc:sldChg>
+      <pc:sldChg chg="addSp modSp mod ord setBg setClrOvrMap">
+        <pc:chgData name="16479132604" userId="2b8b334a7726c1f8" providerId="LiveId" clId="{2CE6346F-8B59-4A71-AFEE-C619A1FF23EF}" dt="2022-05-13T20:58:17.405" v="1003"/>
+        <pc:sldMkLst>
+          <pc:docMk/>
+          <pc:sldMk cId="2715571263" sldId="261"/>
+        </pc:sldMkLst>
+        <pc:spChg chg="mod">
+          <ac:chgData name="16479132604" userId="2b8b334a7726c1f8" providerId="LiveId" clId="{2CE6346F-8B59-4A71-AFEE-C619A1FF23EF}" dt="2022-05-13T16:15:23.623" v="493" actId="26606"/>
+          <ac:spMkLst>
+            <pc:docMk/>
+            <pc:sldMk cId="2715571263" sldId="261"/>
+            <ac:spMk id="2" creationId="{250A8615-F28E-2A2C-15C9-39C945315536}"/>
+          </ac:spMkLst>
+        </pc:spChg>
+        <pc:spChg chg="mod">
+          <ac:chgData name="16479132604" userId="2b8b334a7726c1f8" providerId="LiveId" clId="{2CE6346F-8B59-4A71-AFEE-C619A1FF23EF}" dt="2022-05-13T16:17:18.134" v="522" actId="14100"/>
+          <ac:spMkLst>
+            <pc:docMk/>
+            <pc:sldMk cId="2715571263" sldId="261"/>
+            <ac:spMk id="3" creationId="{B92F6099-8B5F-B0A7-690C-E4FCA470C120}"/>
+          </ac:spMkLst>
+        </pc:spChg>
+        <pc:spChg chg="add">
+          <ac:chgData name="16479132604" userId="2b8b334a7726c1f8" providerId="LiveId" clId="{2CE6346F-8B59-4A71-AFEE-C619A1FF23EF}" dt="2022-05-13T16:15:23.623" v="493" actId="26606"/>
+          <ac:spMkLst>
+            <pc:docMk/>
+            <pc:sldMk cId="2715571263" sldId="261"/>
+            <ac:spMk id="9" creationId="{E192707B-B929-41A7-9B41-E959A1C689E4}"/>
+          </ac:spMkLst>
+        </pc:spChg>
+        <pc:spChg chg="add">
+          <ac:chgData name="16479132604" userId="2b8b334a7726c1f8" providerId="LiveId" clId="{2CE6346F-8B59-4A71-AFEE-C619A1FF23EF}" dt="2022-05-13T16:15:23.623" v="493" actId="26606"/>
+          <ac:spMkLst>
+            <pc:docMk/>
+            <pc:sldMk cId="2715571263" sldId="261"/>
+            <ac:spMk id="11" creationId="{8FB4235C-4505-46C7-AD8F-8769A1972FC1}"/>
+          </ac:spMkLst>
+        </pc:spChg>
+        <pc:picChg chg="add">
+          <ac:chgData name="16479132604" userId="2b8b334a7726c1f8" providerId="LiveId" clId="{2CE6346F-8B59-4A71-AFEE-C619A1FF23EF}" dt="2022-05-13T16:15:23.623" v="493" actId="26606"/>
+          <ac:picMkLst>
+            <pc:docMk/>
+            <pc:sldMk cId="2715571263" sldId="261"/>
+            <ac:picMk id="5" creationId="{DBDB8E54-560A-644C-AC29-6086CCD63A48}"/>
+          </ac:picMkLst>
+        </pc:picChg>
+      </pc:sldChg>
+      <pc:sldChg chg="new del">
+        <pc:chgData name="16479132604" userId="2b8b334a7726c1f8" providerId="LiveId" clId="{2CE6346F-8B59-4A71-AFEE-C619A1FF23EF}" dt="2022-05-13T20:58:09.666" v="1001" actId="680"/>
+        <pc:sldMkLst>
+          <pc:docMk/>
+          <pc:sldMk cId="2610151166" sldId="262"/>
+        </pc:sldMkLst>
+      </pc:sldChg>
+      <pc:sldChg chg="new">
+        <pc:chgData name="16479132604" userId="2b8b334a7726c1f8" providerId="LiveId" clId="{2CE6346F-8B59-4A71-AFEE-C619A1FF23EF}" dt="2022-05-13T20:58:21.306" v="1004" actId="680"/>
+        <pc:sldMkLst>
+          <pc:docMk/>
+          <pc:sldMk cId="3280580709" sldId="262"/>
+        </pc:sldMkLst>
+      </pc:sldChg>
+    </pc:docChg>
+  </pc:docChgLst>
 </pc:chgInfo>
+</file>
+
+<file path=ppt/diagrams/colors1.xml><?xml version="1.0" encoding="utf-8"?>
+<dgm:colorsDef xmlns:dgm="http://schemas.openxmlformats.org/drawingml/2006/diagram" xmlns:a="http://schemas.openxmlformats.org/drawingml/2006/main" uniqueId="urn:microsoft.com/office/officeart/2005/8/colors/accent2_1">
+  <dgm:title val=""/>
+  <dgm:desc val=""/>
+  <dgm:catLst>
+    <dgm:cat type="accent2" pri="11100"/>
+  </dgm:catLst>
+  <dgm:styleLbl name="node0">
+    <dgm:fillClrLst meth="repeat">
+      <a:schemeClr val="lt1"/>
+    </dgm:fillClrLst>
+    <dgm:linClrLst meth="repeat">
+      <a:schemeClr val="accent2">
+        <a:shade val="80000"/>
+      </a:schemeClr>
+    </dgm:linClrLst>
+    <dgm:effectClrLst/>
+    <dgm:txLinClrLst/>
+    <dgm:txFillClrLst meth="repeat">
+      <a:schemeClr val="dk1"/>
+    </dgm:txFillClrLst>
+    <dgm:txEffectClrLst/>
+  </dgm:styleLbl>
+  <dgm:styleLbl name="node1">
+    <dgm:fillClrLst meth="repeat">
+      <a:schemeClr val="lt1"/>
+    </dgm:fillClrLst>
+    <dgm:linClrLst meth="repeat">
+      <a:schemeClr val="accent2">
+        <a:shade val="80000"/>
+      </a:schemeClr>
+    </dgm:linClrLst>
+    <dgm:effectClrLst/>
+    <dgm:txLinClrLst/>
+    <dgm:txFillClrLst meth="repeat">
+      <a:schemeClr val="dk1"/>
+    </dgm:txFillClrLst>
+    <dgm:txEffectClrLst/>
+  </dgm:styleLbl>
+  <dgm:styleLbl name="alignNode1">
+    <dgm:fillClrLst meth="repeat">
+      <a:schemeClr val="lt1"/>
+    </dgm:fillClrLst>
+    <dgm:linClrLst meth="repeat">
+      <a:schemeClr val="accent2">
+        <a:shade val="80000"/>
+      </a:schemeClr>
+    </dgm:linClrLst>
+    <dgm:effectClrLst/>
+    <dgm:txLinClrLst/>
+    <dgm:txFillClrLst meth="repeat">
+      <a:schemeClr val="dk1"/>
+    </dgm:txFillClrLst>
+    <dgm:txEffectClrLst/>
+  </dgm:styleLbl>
+  <dgm:styleLbl name="lnNode1">
+    <dgm:fillClrLst meth="repeat">
+      <a:schemeClr val="lt1"/>
+    </dgm:fillClrLst>
+    <dgm:linClrLst meth="repeat">
+      <a:schemeClr val="accent2">
+        <a:shade val="80000"/>
+      </a:schemeClr>
+    </dgm:linClrLst>
+    <dgm:effectClrLst/>
+    <dgm:txLinClrLst/>
+    <dgm:txFillClrLst meth="repeat">
+      <a:schemeClr val="dk1"/>
+    </dgm:txFillClrLst>
+    <dgm:txEffectClrLst/>
+  </dgm:styleLbl>
+  <dgm:styleLbl name="vennNode1">
+    <dgm:fillClrLst meth="repeat">
+      <a:schemeClr val="lt1">
+        <a:alpha val="50000"/>
+      </a:schemeClr>
+    </dgm:fillClrLst>
+    <dgm:linClrLst meth="repeat">
+      <a:schemeClr val="accent2">
+        <a:shade val="80000"/>
+      </a:schemeClr>
+    </dgm:linClrLst>
+    <dgm:effectClrLst/>
+    <dgm:txLinClrLst/>
+    <dgm:txFillClrLst/>
+    <dgm:txEffectClrLst/>
+  </dgm:styleLbl>
+  <dgm:styleLbl name="node2">
+    <dgm:fillClrLst meth="repeat">
+      <a:schemeClr val="lt1"/>
+    </dgm:fillClrLst>
+    <dgm:linClrLst meth="repeat">
+      <a:schemeClr val="accent2">
+        <a:shade val="80000"/>
+      </a:schemeClr>
+    </dgm:linClrLst>
+    <dgm:effectClrLst/>
+    <dgm:txLinClrLst/>
+    <dgm:txFillClrLst meth="repeat">
+      <a:schemeClr val="dk1"/>
+    </dgm:txFillClrLst>
+    <dgm:txEffectClrLst/>
+  </dgm:styleLbl>
+  <dgm:styleLbl name="node3">
+    <dgm:fillClrLst meth="repeat">
+      <a:schemeClr val="lt1"/>
+    </dgm:fillClrLst>
+    <dgm:linClrLst meth="repeat">
+      <a:schemeClr val="accent2">
+        <a:shade val="80000"/>
+      </a:schemeClr>
+    </dgm:linClrLst>
+    <dgm:effectClrLst/>
+    <dgm:txLinClrLst/>
+    <dgm:txFillClrLst meth="repeat">
+      <a:schemeClr val="dk1"/>
+    </dgm:txFillClrLst>
+    <dgm:txEffectClrLst/>
+  </dgm:styleLbl>
+  <dgm:styleLbl name="node4">
+    <dgm:fillClrLst meth="repeat">
+      <a:schemeClr val="lt1"/>
+    </dgm:fillClrLst>
+    <dgm:linClrLst meth="repeat">
+      <a:schemeClr val="accent2">
+        <a:shade val="80000"/>
+      </a:schemeClr>
+    </dgm:linClrLst>
+    <dgm:effectClrLst/>
+    <dgm:txLinClrLst/>
+    <dgm:txFillClrLst meth="repeat">
+      <a:schemeClr val="dk1"/>
+    </dgm:txFillClrLst>
+    <dgm:txEffectClrLst/>
+  </dgm:styleLbl>
+  <dgm:styleLbl name="fgImgPlace1">
+    <dgm:fillClrLst meth="repeat">
+      <a:schemeClr val="accent2">
+        <a:tint val="40000"/>
+      </a:schemeClr>
+    </dgm:fillClrLst>
+    <dgm:linClrLst meth="repeat">
+      <a:schemeClr val="accent2">
+        <a:shade val="80000"/>
+      </a:schemeClr>
+    </dgm:linClrLst>
+    <dgm:effectClrLst/>
+    <dgm:txLinClrLst/>
+    <dgm:txFillClrLst meth="repeat">
+      <a:schemeClr val="lt1"/>
+    </dgm:txFillClrLst>
+    <dgm:txEffectClrLst/>
+  </dgm:styleLbl>
+  <dgm:styleLbl name="alignImgPlace1">
+    <dgm:fillClrLst meth="repeat">
+      <a:schemeClr val="accent2">
+        <a:tint val="40000"/>
+      </a:schemeClr>
+    </dgm:fillClrLst>
+    <dgm:linClrLst meth="repeat">
+      <a:schemeClr val="accent2">
+        <a:shade val="80000"/>
+      </a:schemeClr>
+    </dgm:linClrLst>
+    <dgm:effectClrLst/>
+    <dgm:txLinClrLst/>
+    <dgm:txFillClrLst meth="repeat">
+      <a:schemeClr val="lt1"/>
+    </dgm:txFillClrLst>
+    <dgm:txEffectClrLst/>
+  </dgm:styleLbl>
+  <dgm:styleLbl name="bgImgPlace1">
+    <dgm:fillClrLst meth="repeat">
+      <a:schemeClr val="accent2">
+        <a:tint val="40000"/>
+      </a:schemeClr>
+    </dgm:fillClrLst>
+    <dgm:linClrLst meth="repeat">
+      <a:schemeClr val="accent2">
+        <a:shade val="80000"/>
+      </a:schemeClr>
+    </dgm:linClrLst>
+    <dgm:effectClrLst/>
+    <dgm:txLinClrLst/>
+    <dgm:txFillClrLst meth="repeat">
+      <a:schemeClr val="lt1"/>
+    </dgm:txFillClrLst>
+    <dgm:txEffectClrLst/>
+  </dgm:styleLbl>
+  <dgm:styleLbl name="sibTrans2D1">
+    <dgm:fillClrLst meth="repeat">
+      <a:schemeClr val="accent2">
+        <a:tint val="60000"/>
+      </a:schemeClr>
+    </dgm:fillClrLst>
+    <dgm:linClrLst meth="repeat">
+      <a:schemeClr val="accent2">
+        <a:tint val="60000"/>
+      </a:schemeClr>
+    </dgm:linClrLst>
+    <dgm:effectClrLst/>
+    <dgm:txLinClrLst/>
+    <dgm:txFillClrLst meth="repeat">
+      <a:schemeClr val="dk1"/>
+    </dgm:txFillClrLst>
+    <dgm:txEffectClrLst/>
+  </dgm:styleLbl>
+  <dgm:styleLbl name="fgSibTrans2D1">
+    <dgm:fillClrLst meth="repeat">
+      <a:schemeClr val="accent2">
+        <a:tint val="60000"/>
+      </a:schemeClr>
+    </dgm:fillClrLst>
+    <dgm:linClrLst meth="repeat">
+      <a:schemeClr val="accent2">
+        <a:tint val="60000"/>
+      </a:schemeClr>
+    </dgm:linClrLst>
+    <dgm:effectClrLst/>
+    <dgm:txLinClrLst/>
+    <dgm:txFillClrLst meth="repeat">
+      <a:schemeClr val="dk1"/>
+    </dgm:txFillClrLst>
+    <dgm:txEffectClrLst/>
+  </dgm:styleLbl>
+  <dgm:styleLbl name="bgSibTrans2D1">
+    <dgm:fillClrLst meth="repeat">
+      <a:schemeClr val="accent2">
+        <a:tint val="60000"/>
+      </a:schemeClr>
+    </dgm:fillClrLst>
+    <dgm:linClrLst meth="repeat">
+      <a:schemeClr val="accent2">
+        <a:tint val="60000"/>
+      </a:schemeClr>
+    </dgm:linClrLst>
+    <dgm:effectClrLst/>
+    <dgm:txLinClrLst/>
+    <dgm:txFillClrLst meth="repeat">
+      <a:schemeClr val="dk1"/>
+    </dgm:txFillClrLst>
+    <dgm:txEffectClrLst/>
+  </dgm:styleLbl>
+  <dgm:styleLbl name="sibTrans1D1">
+    <dgm:fillClrLst meth="repeat">
+      <a:schemeClr val="accent2"/>
+    </dgm:fillClrLst>
+    <dgm:linClrLst meth="repeat">
+      <a:schemeClr val="accent2"/>
+    </dgm:linClrLst>
+    <dgm:effectClrLst/>
+    <dgm:txLinClrLst/>
+    <dgm:txFillClrLst meth="repeat">
+      <a:schemeClr val="tx1"/>
+    </dgm:txFillClrLst>
+    <dgm:txEffectClrLst/>
+  </dgm:styleLbl>
+  <dgm:styleLbl name="callout">
+    <dgm:fillClrLst meth="repeat">
+      <a:schemeClr val="accent2"/>
+    </dgm:fillClrLst>
+    <dgm:linClrLst meth="repeat">
+      <a:schemeClr val="accent2"/>
+    </dgm:linClrLst>
+    <dgm:effectClrLst/>
+    <dgm:txLinClrLst/>
+    <dgm:txFillClrLst meth="repeat">
+      <a:schemeClr val="tx1"/>
+    </dgm:txFillClrLst>
+    <dgm:txEffectClrLst/>
+  </dgm:styleLbl>
+  <dgm:styleLbl name="asst0">
+    <dgm:fillClrLst meth="repeat">
+      <a:schemeClr val="lt1"/>
+    </dgm:fillClrLst>
+    <dgm:linClrLst meth="repeat">
+      <a:schemeClr val="accent2">
+        <a:shade val="80000"/>
+      </a:schemeClr>
+    </dgm:linClrLst>
+    <dgm:effectClrLst/>
+    <dgm:txLinClrLst/>
+    <dgm:txFillClrLst meth="repeat">
+      <a:schemeClr val="dk1"/>
+    </dgm:txFillClrLst>
+    <dgm:txEffectClrLst/>
+  </dgm:styleLbl>
+  <dgm:styleLbl name="asst1">
+    <dgm:fillClrLst meth="repeat">
+      <a:schemeClr val="lt1"/>
+    </dgm:fillClrLst>
+    <dgm:linClrLst meth="repeat">
+      <a:schemeClr val="accent2">
+        <a:shade val="80000"/>
+      </a:schemeClr>
+    </dgm:linClrLst>
+    <dgm:effectClrLst/>
+    <dgm:txLinClrLst/>
+    <dgm:txFillClrLst meth="repeat">
+      <a:schemeClr val="dk1"/>
+    </dgm:txFillClrLst>
+    <dgm:txEffectClrLst/>
+  </dgm:styleLbl>
+  <dgm:styleLbl name="asst2">
+    <dgm:fillClrLst meth="repeat">
+      <a:schemeClr val="lt1"/>
+    </dgm:fillClrLst>
+    <dgm:linClrLst meth="repeat">
+      <a:schemeClr val="accent2">
+        <a:shade val="80000"/>
+      </a:schemeClr>
+    </dgm:linClrLst>
+    <dgm:effectClrLst/>
+    <dgm:txLinClrLst/>
+    <dgm:txFillClrLst meth="repeat">
+      <a:schemeClr val="dk1"/>
+    </dgm:txFillClrLst>
+    <dgm:txEffectClrLst/>
+  </dgm:styleLbl>
+  <dgm:styleLbl name="asst3">
+    <dgm:fillClrLst meth="repeat">
+      <a:schemeClr val="lt1"/>
+    </dgm:fillClrLst>
+    <dgm:linClrLst meth="repeat">
+      <a:schemeClr val="accent2">
+        <a:shade val="80000"/>
+      </a:schemeClr>
+    </dgm:linClrLst>
+    <dgm:effectClrLst/>
+    <dgm:txLinClrLst/>
+    <dgm:txFillClrLst meth="repeat">
+      <a:schemeClr val="dk1"/>
+    </dgm:txFillClrLst>
+    <dgm:txEffectClrLst/>
+  </dgm:styleLbl>
+  <dgm:styleLbl name="asst4">
+    <dgm:fillClrLst meth="repeat">
+      <a:schemeClr val="lt1"/>
+    </dgm:fillClrLst>
+    <dgm:linClrLst meth="repeat">
+      <a:schemeClr val="accent2">
+        <a:shade val="80000"/>
+      </a:schemeClr>
+    </dgm:linClrLst>
+    <dgm:effectClrLst/>
+    <dgm:txLinClrLst/>
+    <dgm:txFillClrLst meth="repeat">
+      <a:schemeClr val="dk1"/>
+    </dgm:txFillClrLst>
+    <dgm:txEffectClrLst/>
+  </dgm:styleLbl>
+  <dgm:styleLbl name="parChTrans2D1">
+    <dgm:fillClrLst meth="repeat">
+      <a:schemeClr val="accent2">
+        <a:tint val="60000"/>
+      </a:schemeClr>
+    </dgm:fillClrLst>
+    <dgm:linClrLst meth="repeat">
+      <a:schemeClr val="accent2">
+        <a:tint val="60000"/>
+      </a:schemeClr>
+    </dgm:linClrLst>
+    <dgm:effectClrLst/>
+    <dgm:txLinClrLst/>
+    <dgm:txFillClrLst/>
+    <dgm:txEffectClrLst/>
+  </dgm:styleLbl>
+  <dgm:styleLbl name="parChTrans2D2">
+    <dgm:fillClrLst meth="repeat">
+      <a:schemeClr val="accent2"/>
+    </dgm:fillClrLst>
+    <dgm:linClrLst meth="repeat">
+      <a:schemeClr val="accent2"/>
+    </dgm:linClrLst>
+    <dgm:effectClrLst/>
+    <dgm:txLinClrLst/>
+    <dgm:txFillClrLst/>
+    <dgm:txEffectClrLst/>
+  </dgm:styleLbl>
+  <dgm:styleLbl name="parChTrans2D3">
+    <dgm:fillClrLst meth="repeat">
+      <a:schemeClr val="accent2"/>
+    </dgm:fillClrLst>
+    <dgm:linClrLst meth="repeat">
+      <a:schemeClr val="accent2"/>
+    </dgm:linClrLst>
+    <dgm:effectClrLst/>
+    <dgm:txLinClrLst/>
+    <dgm:txFillClrLst/>
+    <dgm:txEffectClrLst/>
+  </dgm:styleLbl>
+  <dgm:styleLbl name="parChTrans2D4">
+    <dgm:fillClrLst meth="repeat">
+      <a:schemeClr val="accent2"/>
+    </dgm:fillClrLst>
+    <dgm:linClrLst meth="repeat">
+      <a:schemeClr val="accent2"/>
+    </dgm:linClrLst>
+    <dgm:effectClrLst/>
+    <dgm:txLinClrLst/>
+    <dgm:txFillClrLst meth="repeat">
+      <a:schemeClr val="lt1"/>
+    </dgm:txFillClrLst>
+    <dgm:txEffectClrLst/>
+  </dgm:styleLbl>
+  <dgm:styleLbl name="parChTrans1D1">
+    <dgm:fillClrLst meth="repeat">
+      <a:schemeClr val="accent2"/>
+    </dgm:fillClrLst>
+    <dgm:linClrLst meth="repeat">
+      <a:schemeClr val="accent2">
+        <a:shade val="60000"/>
+      </a:schemeClr>
+    </dgm:linClrLst>
+    <dgm:effectClrLst/>
+    <dgm:txLinClrLst/>
+    <dgm:txFillClrLst meth="repeat">
+      <a:schemeClr val="tx1"/>
+    </dgm:txFillClrLst>
+    <dgm:txEffectClrLst/>
+  </dgm:styleLbl>
+  <dgm:styleLbl name="parChTrans1D2">
+    <dgm:fillClrLst meth="repeat">
+      <a:schemeClr val="accent2"/>
+    </dgm:fillClrLst>
+    <dgm:linClrLst meth="repeat">
+      <a:schemeClr val="accent2">
+        <a:shade val="60000"/>
+      </a:schemeClr>
+    </dgm:linClrLst>
+    <dgm:effectClrLst/>
+    <dgm:txLinClrLst/>
+    <dgm:txFillClrLst meth="repeat">
+      <a:schemeClr val="tx1"/>
+    </dgm:txFillClrLst>
+    <dgm:txEffectClrLst/>
+  </dgm:styleLbl>
+  <dgm:styleLbl name="parChTrans1D3">
+    <dgm:fillClrLst meth="repeat">
+      <a:schemeClr val="accent2"/>
+    </dgm:fillClrLst>
+    <dgm:linClrLst meth="repeat">
+      <a:schemeClr val="accent2">
+        <a:shade val="80000"/>
+      </a:schemeClr>
+    </dgm:linClrLst>
+    <dgm:effectClrLst/>
+    <dgm:txLinClrLst/>
+    <dgm:txFillClrLst meth="repeat">
+      <a:schemeClr val="tx1"/>
+    </dgm:txFillClrLst>
+    <dgm:txEffectClrLst/>
+  </dgm:styleLbl>
+  <dgm:styleLbl name="parChTrans1D4">
+    <dgm:fillClrLst meth="repeat">
+      <a:schemeClr val="accent2"/>
+    </dgm:fillClrLst>
+    <dgm:linClrLst meth="repeat">
+      <a:schemeClr val="accent2">
+        <a:shade val="80000"/>
+      </a:schemeClr>
+    </dgm:linClrLst>
+    <dgm:effectClrLst/>
+    <dgm:txLinClrLst/>
+    <dgm:txFillClrLst meth="repeat">
+      <a:schemeClr val="tx1"/>
+    </dgm:txFillClrLst>
+    <dgm:txEffectClrLst/>
+  </dgm:styleLbl>
+  <dgm:styleLbl name="fgAcc1">
+    <dgm:fillClrLst meth="repeat">
+      <a:schemeClr val="accent2">
+        <a:alpha val="90000"/>
+        <a:tint val="40000"/>
+      </a:schemeClr>
+    </dgm:fillClrLst>
+    <dgm:linClrLst meth="repeat">
+      <a:schemeClr val="accent2"/>
+    </dgm:linClrLst>
+    <dgm:effectClrLst/>
+    <dgm:txLinClrLst/>
+    <dgm:txFillClrLst meth="repeat">
+      <a:schemeClr val="dk1"/>
+    </dgm:txFillClrLst>
+    <dgm:txEffectClrLst/>
+  </dgm:styleLbl>
+  <dgm:styleLbl name="conFgAcc1">
+    <dgm:fillClrLst meth="repeat">
+      <a:schemeClr val="accent2">
+        <a:alpha val="90000"/>
+        <a:tint val="40000"/>
+      </a:schemeClr>
+    </dgm:fillClrLst>
+    <dgm:linClrLst meth="repeat">
+      <a:schemeClr val="accent2"/>
+    </dgm:linClrLst>
+    <dgm:effectClrLst/>
+    <dgm:txLinClrLst/>
+    <dgm:txFillClrLst meth="repeat">
+      <a:schemeClr val="dk1"/>
+    </dgm:txFillClrLst>
+    <dgm:txEffectClrLst/>
+  </dgm:styleLbl>
+  <dgm:styleLbl name="alignAcc1">
+    <dgm:fillClrLst meth="repeat">
+      <a:schemeClr val="accent2">
+        <a:alpha val="90000"/>
+        <a:tint val="40000"/>
+      </a:schemeClr>
+    </dgm:fillClrLst>
+    <dgm:linClrLst meth="repeat">
+      <a:schemeClr val="accent2"/>
+    </dgm:linClrLst>
+    <dgm:effectClrLst/>
+    <dgm:txLinClrLst/>
+    <dgm:txFillClrLst meth="repeat">
+      <a:schemeClr val="dk1"/>
+    </dgm:txFillClrLst>
+    <dgm:txEffectClrLst/>
+  </dgm:styleLbl>
+  <dgm:styleLbl name="trAlignAcc1">
+    <dgm:fillClrLst meth="repeat">
+      <a:schemeClr val="accent2">
+        <a:alpha val="40000"/>
+        <a:tint val="40000"/>
+      </a:schemeClr>
+    </dgm:fillClrLst>
+    <dgm:linClrLst meth="repeat">
+      <a:schemeClr val="accent2"/>
+    </dgm:linClrLst>
+    <dgm:effectClrLst/>
+    <dgm:txLinClrLst/>
+    <dgm:txFillClrLst meth="repeat">
+      <a:schemeClr val="dk1"/>
+    </dgm:txFillClrLst>
+    <dgm:txEffectClrLst/>
+  </dgm:styleLbl>
+  <dgm:styleLbl name="bgAcc1">
+    <dgm:fillClrLst meth="repeat">
+      <a:schemeClr val="accent2">
+        <a:alpha val="90000"/>
+        <a:tint val="40000"/>
+      </a:schemeClr>
+    </dgm:fillClrLst>
+    <dgm:linClrLst meth="repeat">
+      <a:schemeClr val="accent2"/>
+    </dgm:linClrLst>
+    <dgm:effectClrLst/>
+    <dgm:txLinClrLst/>
+    <dgm:txFillClrLst meth="repeat">
+      <a:schemeClr val="dk1"/>
+    </dgm:txFillClrLst>
+    <dgm:txEffectClrLst/>
+  </dgm:styleLbl>
+  <dgm:styleLbl name="solidFgAcc1">
+    <dgm:fillClrLst meth="repeat">
+      <a:schemeClr val="lt1"/>
+    </dgm:fillClrLst>
+    <dgm:linClrLst meth="repeat">
+      <a:schemeClr val="accent2"/>
+    </dgm:linClrLst>
+    <dgm:effectClrLst/>
+    <dgm:txLinClrLst/>
+    <dgm:txFillClrLst meth="repeat">
+      <a:schemeClr val="dk1"/>
+    </dgm:txFillClrLst>
+    <dgm:txEffectClrLst/>
+  </dgm:styleLbl>
+  <dgm:styleLbl name="solidAlignAcc1">
+    <dgm:fillClrLst meth="repeat">
+      <a:schemeClr val="lt1"/>
+    </dgm:fillClrLst>
+    <dgm:linClrLst meth="repeat">
+      <a:schemeClr val="accent2"/>
+    </dgm:linClrLst>
+    <dgm:effectClrLst/>
+    <dgm:txLinClrLst/>
+    <dgm:txFillClrLst meth="repeat">
+      <a:schemeClr val="dk1"/>
+    </dgm:txFillClrLst>
+    <dgm:txEffectClrLst/>
+  </dgm:styleLbl>
+  <dgm:styleLbl name="solidBgAcc1">
+    <dgm:fillClrLst meth="repeat">
+      <a:schemeClr val="lt1"/>
+    </dgm:fillClrLst>
+    <dgm:linClrLst meth="repeat">
+      <a:schemeClr val="accent2"/>
+    </dgm:linClrLst>
+    <dgm:effectClrLst/>
+    <dgm:txLinClrLst/>
+    <dgm:txFillClrLst meth="repeat">
+      <a:schemeClr val="dk1"/>
+    </dgm:txFillClrLst>
+    <dgm:txEffectClrLst/>
+  </dgm:styleLbl>
+  <dgm:styleLbl name="fgAccFollowNode1">
+    <dgm:fillClrLst meth="repeat">
+      <a:schemeClr val="lt1">
+        <a:alpha val="90000"/>
+        <a:tint val="40000"/>
+      </a:schemeClr>
+    </dgm:fillClrLst>
+    <dgm:linClrLst meth="repeat">
+      <a:schemeClr val="accent2">
+        <a:alpha val="90000"/>
+      </a:schemeClr>
+    </dgm:linClrLst>
+    <dgm:effectClrLst/>
+    <dgm:txLinClrLst/>
+    <dgm:txFillClrLst meth="repeat">
+      <a:schemeClr val="dk1"/>
+    </dgm:txFillClrLst>
+    <dgm:txEffectClrLst/>
+  </dgm:styleLbl>
+  <dgm:styleLbl name="alignAccFollowNode1">
+    <dgm:fillClrLst meth="repeat">
+      <a:schemeClr val="lt1">
+        <a:alpha val="90000"/>
+        <a:tint val="40000"/>
+      </a:schemeClr>
+    </dgm:fillClrLst>
+    <dgm:linClrLst meth="repeat">
+      <a:schemeClr val="accent2">
+        <a:alpha val="90000"/>
+      </a:schemeClr>
+    </dgm:linClrLst>
+    <dgm:effectClrLst/>
+    <dgm:txLinClrLst/>
+    <dgm:txFillClrLst meth="repeat">
+      <a:schemeClr val="dk1"/>
+    </dgm:txFillClrLst>
+    <dgm:txEffectClrLst/>
+  </dgm:styleLbl>
+  <dgm:styleLbl name="bgAccFollowNode1">
+    <dgm:fillClrLst meth="repeat">
+      <a:schemeClr val="lt1">
+        <a:alpha val="90000"/>
+        <a:tint val="40000"/>
+      </a:schemeClr>
+    </dgm:fillClrLst>
+    <dgm:linClrLst meth="repeat">
+      <a:schemeClr val="accent2">
+        <a:alpha val="90000"/>
+      </a:schemeClr>
+    </dgm:linClrLst>
+    <dgm:effectClrLst/>
+    <dgm:txLinClrLst/>
+    <dgm:txFillClrLst meth="repeat">
+      <a:schemeClr val="dk1"/>
+    </dgm:txFillClrLst>
+    <dgm:txEffectClrLst/>
+  </dgm:styleLbl>
+  <dgm:styleLbl name="fgAcc0">
+    <dgm:fillClrLst meth="repeat">
+      <a:schemeClr val="accent2">
+        <a:alpha val="90000"/>
+        <a:tint val="40000"/>
+      </a:schemeClr>
+    </dgm:fillClrLst>
+    <dgm:linClrLst meth="repeat">
+      <a:schemeClr val="accent2"/>
+    </dgm:linClrLst>
+    <dgm:effectClrLst/>
+    <dgm:txLinClrLst/>
+    <dgm:txFillClrLst meth="repeat">
+      <a:schemeClr val="dk1"/>
+    </dgm:txFillClrLst>
+    <dgm:txEffectClrLst/>
+  </dgm:styleLbl>
+  <dgm:styleLbl name="fgAcc2">
+    <dgm:fillClrLst meth="repeat">
+      <a:schemeClr val="accent2">
+        <a:alpha val="90000"/>
+        <a:tint val="40000"/>
+      </a:schemeClr>
+    </dgm:fillClrLst>
+    <dgm:linClrLst meth="repeat">
+      <a:schemeClr val="accent2"/>
+    </dgm:linClrLst>
+    <dgm:effectClrLst/>
+    <dgm:txLinClrLst/>
+    <dgm:txFillClrLst meth="repeat">
+      <a:schemeClr val="dk1"/>
+    </dgm:txFillClrLst>
+    <dgm:txEffectClrLst/>
+  </dgm:styleLbl>
+  <dgm:styleLbl name="fgAcc3">
+    <dgm:fillClrLst meth="repeat">
+      <a:schemeClr val="accent2">
+        <a:alpha val="90000"/>
+        <a:tint val="40000"/>
+      </a:schemeClr>
+    </dgm:fillClrLst>
+    <dgm:linClrLst meth="repeat">
+      <a:schemeClr val="accent2"/>
+    </dgm:linClrLst>
+    <dgm:effectClrLst/>
+    <dgm:txLinClrLst/>
+    <dgm:txFillClrLst meth="repeat">
+      <a:schemeClr val="dk1"/>
+    </dgm:txFillClrLst>
+    <dgm:txEffectClrLst/>
+  </dgm:styleLbl>
+  <dgm:styleLbl name="fgAcc4">
+    <dgm:fillClrLst meth="repeat">
+      <a:schemeClr val="accent2">
+        <a:alpha val="90000"/>
+        <a:tint val="40000"/>
+      </a:schemeClr>
+    </dgm:fillClrLst>
+    <dgm:linClrLst meth="repeat">
+      <a:schemeClr val="accent2"/>
+    </dgm:linClrLst>
+    <dgm:effectClrLst/>
+    <dgm:txLinClrLst/>
+    <dgm:txFillClrLst meth="repeat">
+      <a:schemeClr val="dk1"/>
+    </dgm:txFillClrLst>
+    <dgm:txEffectClrLst/>
+  </dgm:styleLbl>
+  <dgm:styleLbl name="bgShp">
+    <dgm:fillClrLst meth="repeat">
+      <a:schemeClr val="accent2">
+        <a:tint val="40000"/>
+      </a:schemeClr>
+    </dgm:fillClrLst>
+    <dgm:linClrLst meth="repeat">
+      <a:schemeClr val="accent2"/>
+    </dgm:linClrLst>
+    <dgm:effectClrLst/>
+    <dgm:txLinClrLst/>
+    <dgm:txFillClrLst meth="repeat">
+      <a:schemeClr val="dk1"/>
+    </dgm:txFillClrLst>
+    <dgm:txEffectClrLst/>
+  </dgm:styleLbl>
+  <dgm:styleLbl name="dkBgShp">
+    <dgm:fillClrLst meth="repeat">
+      <a:schemeClr val="accent2">
+        <a:shade val="80000"/>
+      </a:schemeClr>
+    </dgm:fillClrLst>
+    <dgm:linClrLst meth="repeat">
+      <a:schemeClr val="accent2"/>
+    </dgm:linClrLst>
+    <dgm:effectClrLst/>
+    <dgm:txLinClrLst/>
+    <dgm:txFillClrLst meth="repeat">
+      <a:schemeClr val="lt1"/>
+    </dgm:txFillClrLst>
+    <dgm:txEffectClrLst/>
+  </dgm:styleLbl>
+  <dgm:styleLbl name="trBgShp">
+    <dgm:fillClrLst meth="repeat">
+      <a:schemeClr val="accent2">
+        <a:tint val="50000"/>
+        <a:alpha val="40000"/>
+      </a:schemeClr>
+    </dgm:fillClrLst>
+    <dgm:linClrLst meth="repeat">
+      <a:schemeClr val="accent2"/>
+    </dgm:linClrLst>
+    <dgm:effectClrLst/>
+    <dgm:txLinClrLst/>
+    <dgm:txFillClrLst meth="repeat">
+      <a:schemeClr val="lt1"/>
+    </dgm:txFillClrLst>
+    <dgm:txEffectClrLst/>
+  </dgm:styleLbl>
+  <dgm:styleLbl name="fgShp">
+    <dgm:fillClrLst meth="repeat">
+      <a:schemeClr val="accent2">
+        <a:tint val="60000"/>
+      </a:schemeClr>
+    </dgm:fillClrLst>
+    <dgm:linClrLst meth="repeat">
+      <a:schemeClr val="lt1"/>
+    </dgm:linClrLst>
+    <dgm:effectClrLst/>
+    <dgm:txLinClrLst/>
+    <dgm:txFillClrLst meth="repeat">
+      <a:schemeClr val="dk1"/>
+    </dgm:txFillClrLst>
+    <dgm:txEffectClrLst/>
+  </dgm:styleLbl>
+  <dgm:styleLbl name="revTx">
+    <dgm:fillClrLst meth="repeat">
+      <a:schemeClr val="lt1">
+        <a:alpha val="0"/>
+      </a:schemeClr>
+    </dgm:fillClrLst>
+    <dgm:linClrLst meth="repeat">
+      <a:schemeClr val="dk1">
+        <a:alpha val="0"/>
+      </a:schemeClr>
+    </dgm:linClrLst>
+    <dgm:effectClrLst/>
+    <dgm:txLinClrLst/>
+    <dgm:txFillClrLst meth="repeat">
+      <a:schemeClr val="tx1"/>
+    </dgm:txFillClrLst>
+    <dgm:txEffectClrLst/>
+  </dgm:styleLbl>
+</dgm:colorsDef>
+</file>
+
+<file path=ppt/diagrams/data1.xml><?xml version="1.0" encoding="utf-8"?>
+<dgm:dataModel xmlns:dgm="http://schemas.openxmlformats.org/drawingml/2006/diagram" xmlns:a="http://schemas.openxmlformats.org/drawingml/2006/main">
+  <dgm:ptLst>
+    <dgm:pt modelId="{55B4A006-4C2A-480A-8CE3-4577E484865D}" type="doc">
+      <dgm:prSet loTypeId="urn:microsoft.com/office/officeart/2005/8/layout/default" loCatId="list" qsTypeId="urn:microsoft.com/office/officeart/2005/8/quickstyle/simple1" qsCatId="simple" csTypeId="urn:microsoft.com/office/officeart/2005/8/colors/accent2_1" csCatId="accent2" phldr="1"/>
+      <dgm:spPr/>
+      <dgm:t>
+        <a:bodyPr/>
+        <a:lstStyle/>
+        <a:p>
+          <a:endParaRPr lang="en-CA"/>
+        </a:p>
+      </dgm:t>
+    </dgm:pt>
+    <dgm:pt modelId="{D42A931D-F683-433C-8355-16137CCB7002}">
+      <dgm:prSet phldrT="[Text]"/>
+      <dgm:spPr>
+        <a:solidFill>
+          <a:schemeClr val="lt1">
+            <a:hueOff val="0"/>
+            <a:satOff val="0"/>
+            <a:lumOff val="0"/>
+            <a:alpha val="67000"/>
+          </a:schemeClr>
+        </a:solidFill>
+      </dgm:spPr>
+      <dgm:t>
+        <a:bodyPr/>
+        <a:lstStyle/>
+        <a:p>
+          <a:r>
+            <a:rPr lang="en-CA" dirty="0"/>
+            <a:t>Accident Number</a:t>
+          </a:r>
+        </a:p>
+      </dgm:t>
+    </dgm:pt>
+    <dgm:pt modelId="{AE51CB83-B8B0-4410-91B6-D72074CE2D98}" type="parTrans" cxnId="{ED607BF1-89CE-42DE-91CF-78131FA61225}">
+      <dgm:prSet/>
+      <dgm:spPr/>
+      <dgm:t>
+        <a:bodyPr/>
+        <a:lstStyle/>
+        <a:p>
+          <a:endParaRPr lang="en-CA"/>
+        </a:p>
+      </dgm:t>
+    </dgm:pt>
+    <dgm:pt modelId="{D59E9F43-F9D8-45BE-9417-A52E2CFB1E50}" type="sibTrans" cxnId="{ED607BF1-89CE-42DE-91CF-78131FA61225}">
+      <dgm:prSet/>
+      <dgm:spPr/>
+      <dgm:t>
+        <a:bodyPr/>
+        <a:lstStyle/>
+        <a:p>
+          <a:endParaRPr lang="en-CA"/>
+        </a:p>
+      </dgm:t>
+    </dgm:pt>
+    <dgm:pt modelId="{A8D31BE5-24C9-4111-9F28-E9E51CBCC484}">
+      <dgm:prSet phldrT="[Text]"/>
+      <dgm:spPr/>
+      <dgm:t>
+        <a:bodyPr/>
+        <a:lstStyle/>
+        <a:p>
+          <a:r>
+            <a:rPr lang="en-CA" dirty="0"/>
+            <a:t>Road Class</a:t>
+          </a:r>
+        </a:p>
+      </dgm:t>
+    </dgm:pt>
+    <dgm:pt modelId="{5352D5E8-E18F-42EE-B7F1-30FB5053A103}" type="parTrans" cxnId="{9BB27249-1C97-4DA7-B8E9-F3F5817396A6}">
+      <dgm:prSet/>
+      <dgm:spPr/>
+      <dgm:t>
+        <a:bodyPr/>
+        <a:lstStyle/>
+        <a:p>
+          <a:endParaRPr lang="en-CA"/>
+        </a:p>
+      </dgm:t>
+    </dgm:pt>
+    <dgm:pt modelId="{DF5CC70E-C573-4E8D-A2AA-0992F1E0648D}" type="sibTrans" cxnId="{9BB27249-1C97-4DA7-B8E9-F3F5817396A6}">
+      <dgm:prSet/>
+      <dgm:spPr/>
+      <dgm:t>
+        <a:bodyPr/>
+        <a:lstStyle/>
+        <a:p>
+          <a:endParaRPr lang="en-CA"/>
+        </a:p>
+      </dgm:t>
+    </dgm:pt>
+    <dgm:pt modelId="{831FE1B4-DF33-420A-A5F2-2EA9E8E40952}">
+      <dgm:prSet phldrT="[Text]"/>
+      <dgm:spPr/>
+      <dgm:t>
+        <a:bodyPr/>
+        <a:lstStyle/>
+        <a:p>
+          <a:r>
+            <a:rPr lang="en-CA" dirty="0"/>
+            <a:t>Collector</a:t>
+          </a:r>
+        </a:p>
+      </dgm:t>
+    </dgm:pt>
+    <dgm:pt modelId="{6917DEE1-53FE-40C8-B11A-5621122C96FE}" type="parTrans" cxnId="{CC6B4FBC-F1D0-46A3-B556-1D575143ECA2}">
+      <dgm:prSet/>
+      <dgm:spPr/>
+      <dgm:t>
+        <a:bodyPr/>
+        <a:lstStyle/>
+        <a:p>
+          <a:endParaRPr lang="en-CA"/>
+        </a:p>
+      </dgm:t>
+    </dgm:pt>
+    <dgm:pt modelId="{E68ACFD5-CB82-4C83-BC31-4E8923BF62C1}" type="sibTrans" cxnId="{CC6B4FBC-F1D0-46A3-B556-1D575143ECA2}">
+      <dgm:prSet/>
+      <dgm:spPr/>
+      <dgm:t>
+        <a:bodyPr/>
+        <a:lstStyle/>
+        <a:p>
+          <a:endParaRPr lang="en-CA"/>
+        </a:p>
+      </dgm:t>
+    </dgm:pt>
+    <dgm:pt modelId="{0584D85D-7730-426D-A5C4-68D6E762582F}">
+      <dgm:prSet phldrT="[Text]"/>
+      <dgm:spPr/>
+      <dgm:t>
+        <a:bodyPr/>
+        <a:lstStyle/>
+        <a:p>
+          <a:r>
+            <a:rPr lang="en-CA" dirty="0"/>
+            <a:t>Time stamp</a:t>
+          </a:r>
+        </a:p>
+      </dgm:t>
+    </dgm:pt>
+    <dgm:pt modelId="{A5C409E1-9F3D-48D5-9846-DC746238CB4D}" type="parTrans" cxnId="{92712E1C-934F-419C-812F-2F26CCD84E63}">
+      <dgm:prSet/>
+      <dgm:spPr/>
+      <dgm:t>
+        <a:bodyPr/>
+        <a:lstStyle/>
+        <a:p>
+          <a:endParaRPr lang="en-CA"/>
+        </a:p>
+      </dgm:t>
+    </dgm:pt>
+    <dgm:pt modelId="{E94210B0-8C09-44C6-A43F-E5E888FB4B48}" type="sibTrans" cxnId="{92712E1C-934F-419C-812F-2F26CCD84E63}">
+      <dgm:prSet/>
+      <dgm:spPr/>
+      <dgm:t>
+        <a:bodyPr/>
+        <a:lstStyle/>
+        <a:p>
+          <a:endParaRPr lang="en-CA"/>
+        </a:p>
+      </dgm:t>
+    </dgm:pt>
+    <dgm:pt modelId="{F30052BF-0F59-405D-98F4-5F91C82F2E24}">
+      <dgm:prSet phldrT="[Text]"/>
+      <dgm:spPr/>
+      <dgm:t>
+        <a:bodyPr/>
+        <a:lstStyle/>
+        <a:p>
+          <a:r>
+            <a:rPr lang="en-CA" dirty="0"/>
+            <a:t>Accident Location</a:t>
+          </a:r>
+        </a:p>
+      </dgm:t>
+    </dgm:pt>
+    <dgm:pt modelId="{418618CA-43C6-46C4-B59C-E0DB7CF93FE7}" type="parTrans" cxnId="{FD735B93-98DC-47CE-BA74-6CF0F3BAF978}">
+      <dgm:prSet/>
+      <dgm:spPr/>
+      <dgm:t>
+        <a:bodyPr/>
+        <a:lstStyle/>
+        <a:p>
+          <a:endParaRPr lang="en-CA"/>
+        </a:p>
+      </dgm:t>
+    </dgm:pt>
+    <dgm:pt modelId="{FF0D7328-3673-4020-98E6-BFE673DBBDB2}" type="sibTrans" cxnId="{FD735B93-98DC-47CE-BA74-6CF0F3BAF978}">
+      <dgm:prSet/>
+      <dgm:spPr/>
+      <dgm:t>
+        <a:bodyPr/>
+        <a:lstStyle/>
+        <a:p>
+          <a:endParaRPr lang="en-CA"/>
+        </a:p>
+      </dgm:t>
+    </dgm:pt>
+    <dgm:pt modelId="{B176A3FE-528D-4D61-B564-532E823DF6BB}">
+      <dgm:prSet phldrT="[Text]"/>
+      <dgm:spPr/>
+      <dgm:t>
+        <a:bodyPr/>
+        <a:lstStyle/>
+        <a:p>
+          <a:r>
+            <a:rPr lang="en-CA" dirty="0"/>
+            <a:t>Intersection</a:t>
+          </a:r>
+        </a:p>
+      </dgm:t>
+    </dgm:pt>
+    <dgm:pt modelId="{993DE640-38BB-45DF-A0A2-D111C34E07E1}" type="parTrans" cxnId="{9524EA04-ED5F-4C8D-81D0-7805970C3F5A}">
+      <dgm:prSet/>
+      <dgm:spPr/>
+      <dgm:t>
+        <a:bodyPr/>
+        <a:lstStyle/>
+        <a:p>
+          <a:endParaRPr lang="en-CA"/>
+        </a:p>
+      </dgm:t>
+    </dgm:pt>
+    <dgm:pt modelId="{1B6E5C2C-2208-4C34-92E8-965E0C6ABC3E}" type="sibTrans" cxnId="{9524EA04-ED5F-4C8D-81D0-7805970C3F5A}">
+      <dgm:prSet/>
+      <dgm:spPr/>
+      <dgm:t>
+        <a:bodyPr/>
+        <a:lstStyle/>
+        <a:p>
+          <a:endParaRPr lang="en-CA"/>
+        </a:p>
+      </dgm:t>
+    </dgm:pt>
+    <dgm:pt modelId="{EA17F625-1615-4C82-AF99-0779B0715941}">
+      <dgm:prSet phldrT="[Text]"/>
+      <dgm:spPr/>
+      <dgm:t>
+        <a:bodyPr/>
+        <a:lstStyle/>
+        <a:p>
+          <a:r>
+            <a:rPr lang="en-CA" dirty="0"/>
+            <a:t>Location</a:t>
+          </a:r>
+        </a:p>
+      </dgm:t>
+    </dgm:pt>
+    <dgm:pt modelId="{4733B4C3-6319-42EB-A665-F74958EE085F}" type="parTrans" cxnId="{45B32CD5-8824-4478-903D-F92F24298ECC}">
+      <dgm:prSet/>
+      <dgm:spPr/>
+      <dgm:t>
+        <a:bodyPr/>
+        <a:lstStyle/>
+        <a:p>
+          <a:endParaRPr lang="en-CA"/>
+        </a:p>
+      </dgm:t>
+    </dgm:pt>
+    <dgm:pt modelId="{163CF47D-818C-4FB2-8641-F5B0248F824E}" type="sibTrans" cxnId="{45B32CD5-8824-4478-903D-F92F24298ECC}">
+      <dgm:prSet/>
+      <dgm:spPr/>
+      <dgm:t>
+        <a:bodyPr/>
+        <a:lstStyle/>
+        <a:p>
+          <a:endParaRPr lang="en-CA"/>
+        </a:p>
+      </dgm:t>
+    </dgm:pt>
+    <dgm:pt modelId="{74325B70-3195-4E1D-9113-B37C24DEC5EA}">
+      <dgm:prSet phldrT="[Text]"/>
+      <dgm:spPr/>
+      <dgm:t>
+        <a:bodyPr/>
+        <a:lstStyle/>
+        <a:p>
+          <a:r>
+            <a:rPr lang="en-CA" dirty="0"/>
+            <a:t>Visibility</a:t>
+          </a:r>
+        </a:p>
+      </dgm:t>
+    </dgm:pt>
+    <dgm:pt modelId="{4703E23A-47C4-43AF-B280-CDBB9D9BB945}" type="parTrans" cxnId="{4DBCBB85-5B73-4A14-B5C6-0E83D72AA939}">
+      <dgm:prSet/>
+      <dgm:spPr/>
+      <dgm:t>
+        <a:bodyPr/>
+        <a:lstStyle/>
+        <a:p>
+          <a:endParaRPr lang="en-CA"/>
+        </a:p>
+      </dgm:t>
+    </dgm:pt>
+    <dgm:pt modelId="{1E7AA9E7-0B36-41E8-83BF-9269936EDA75}" type="sibTrans" cxnId="{4DBCBB85-5B73-4A14-B5C6-0E83D72AA939}">
+      <dgm:prSet/>
+      <dgm:spPr/>
+      <dgm:t>
+        <a:bodyPr/>
+        <a:lstStyle/>
+        <a:p>
+          <a:endParaRPr lang="en-CA"/>
+        </a:p>
+      </dgm:t>
+    </dgm:pt>
+    <dgm:pt modelId="{B3302CAE-BAC5-4EFF-B5C2-1C9681DB92D8}">
+      <dgm:prSet phldrT="[Text]"/>
+      <dgm:spPr/>
+      <dgm:t>
+        <a:bodyPr/>
+        <a:lstStyle/>
+        <a:p>
+          <a:r>
+            <a:rPr lang="en-CA" dirty="0"/>
+            <a:t>Expressway and ramps</a:t>
+          </a:r>
+        </a:p>
+      </dgm:t>
+    </dgm:pt>
+    <dgm:pt modelId="{A13E181A-112C-4AC9-A924-A17ACA0BD51E}" type="parTrans" cxnId="{66385BF3-D5C2-4941-ABDF-1ED94A044DDA}">
+      <dgm:prSet/>
+      <dgm:spPr/>
+      <dgm:t>
+        <a:bodyPr/>
+        <a:lstStyle/>
+        <a:p>
+          <a:endParaRPr lang="en-CA"/>
+        </a:p>
+      </dgm:t>
+    </dgm:pt>
+    <dgm:pt modelId="{82F61747-B580-45D1-B1BD-2DA147EE6FFB}" type="sibTrans" cxnId="{66385BF3-D5C2-4941-ABDF-1ED94A044DDA}">
+      <dgm:prSet/>
+      <dgm:spPr/>
+      <dgm:t>
+        <a:bodyPr/>
+        <a:lstStyle/>
+        <a:p>
+          <a:endParaRPr lang="en-CA"/>
+        </a:p>
+      </dgm:t>
+    </dgm:pt>
+    <dgm:pt modelId="{C240B9C4-86F7-4381-8844-E261EDE0930F}">
+      <dgm:prSet phldrT="[Text]"/>
+      <dgm:spPr/>
+      <dgm:t>
+        <a:bodyPr/>
+        <a:lstStyle/>
+        <a:p>
+          <a:r>
+            <a:rPr lang="en-CA" dirty="0"/>
+            <a:t>Lane</a:t>
+          </a:r>
+        </a:p>
+      </dgm:t>
+    </dgm:pt>
+    <dgm:pt modelId="{E7140E08-EA85-455A-8312-14E85207093C}" type="parTrans" cxnId="{98871FDB-3FAE-4771-ABB3-501512AC6A07}">
+      <dgm:prSet/>
+      <dgm:spPr/>
+      <dgm:t>
+        <a:bodyPr/>
+        <a:lstStyle/>
+        <a:p>
+          <a:endParaRPr lang="en-CA"/>
+        </a:p>
+      </dgm:t>
+    </dgm:pt>
+    <dgm:pt modelId="{24FAF472-4B14-491D-AE1C-AEE0150800C9}" type="sibTrans" cxnId="{98871FDB-3FAE-4771-ABB3-501512AC6A07}">
+      <dgm:prSet/>
+      <dgm:spPr/>
+      <dgm:t>
+        <a:bodyPr/>
+        <a:lstStyle/>
+        <a:p>
+          <a:endParaRPr lang="en-CA"/>
+        </a:p>
+      </dgm:t>
+    </dgm:pt>
+    <dgm:pt modelId="{9B4C638E-D2EF-47A4-AF9B-CCE0FA918104}">
+      <dgm:prSet phldrT="[Text]"/>
+      <dgm:spPr/>
+      <dgm:t>
+        <a:bodyPr/>
+        <a:lstStyle/>
+        <a:p>
+          <a:r>
+            <a:rPr lang="en-CA" dirty="0"/>
+            <a:t>Local</a:t>
+          </a:r>
+        </a:p>
+      </dgm:t>
+    </dgm:pt>
+    <dgm:pt modelId="{A4CBB504-3F3D-45EC-8713-6973F5CE028E}" type="parTrans" cxnId="{74461752-D682-4E61-B91F-161E19B62557}">
+      <dgm:prSet/>
+      <dgm:spPr/>
+      <dgm:t>
+        <a:bodyPr/>
+        <a:lstStyle/>
+        <a:p>
+          <a:endParaRPr lang="en-CA"/>
+        </a:p>
+      </dgm:t>
+    </dgm:pt>
+    <dgm:pt modelId="{1B90681F-34E4-4F72-85B0-2AC53C43BCBD}" type="sibTrans" cxnId="{74461752-D682-4E61-B91F-161E19B62557}">
+      <dgm:prSet/>
+      <dgm:spPr/>
+      <dgm:t>
+        <a:bodyPr/>
+        <a:lstStyle/>
+        <a:p>
+          <a:endParaRPr lang="en-CA"/>
+        </a:p>
+      </dgm:t>
+    </dgm:pt>
+    <dgm:pt modelId="{EBDC73DD-4585-43D3-8FE0-7DB0E58B6771}">
+      <dgm:prSet phldrT="[Text]"/>
+      <dgm:spPr/>
+      <dgm:t>
+        <a:bodyPr/>
+        <a:lstStyle/>
+        <a:p>
+          <a:r>
+            <a:rPr lang="en-CA" dirty="0"/>
+            <a:t>Major + minor arterials with ramps</a:t>
+          </a:r>
+        </a:p>
+      </dgm:t>
+    </dgm:pt>
+    <dgm:pt modelId="{1E7C17E5-01A3-49C1-9ABD-168EBEEE3870}" type="parTrans" cxnId="{87DB3B76-1693-48C4-A1BF-3678CDF6B0B0}">
+      <dgm:prSet/>
+      <dgm:spPr/>
+      <dgm:t>
+        <a:bodyPr/>
+        <a:lstStyle/>
+        <a:p>
+          <a:endParaRPr lang="en-CA"/>
+        </a:p>
+      </dgm:t>
+    </dgm:pt>
+    <dgm:pt modelId="{55FCB4A6-30B0-43CE-B2BF-A9244FFDC9CE}" type="sibTrans" cxnId="{87DB3B76-1693-48C4-A1BF-3678CDF6B0B0}">
+      <dgm:prSet/>
+      <dgm:spPr/>
+      <dgm:t>
+        <a:bodyPr/>
+        <a:lstStyle/>
+        <a:p>
+          <a:endParaRPr lang="en-CA"/>
+        </a:p>
+      </dgm:t>
+    </dgm:pt>
+    <dgm:pt modelId="{D359690F-CED9-4C1D-9398-24EA560EA22C}">
+      <dgm:prSet phldrT="[Text]"/>
+      <dgm:spPr/>
+      <dgm:t>
+        <a:bodyPr/>
+        <a:lstStyle/>
+        <a:p>
+          <a:r>
+            <a:rPr lang="en-CA" dirty="0"/>
+            <a:t>Latitude</a:t>
+          </a:r>
+        </a:p>
+      </dgm:t>
+    </dgm:pt>
+    <dgm:pt modelId="{BB7F41D3-327B-4BDF-AAE2-105FF08F7BE0}" type="parTrans" cxnId="{AAC5A492-C32A-40B0-B9FB-E33128101672}">
+      <dgm:prSet/>
+      <dgm:spPr/>
+      <dgm:t>
+        <a:bodyPr/>
+        <a:lstStyle/>
+        <a:p>
+          <a:endParaRPr lang="en-CA"/>
+        </a:p>
+      </dgm:t>
+    </dgm:pt>
+    <dgm:pt modelId="{E0F46910-2035-4CE1-991B-05A7F1626FDC}" type="sibTrans" cxnId="{AAC5A492-C32A-40B0-B9FB-E33128101672}">
+      <dgm:prSet/>
+      <dgm:spPr/>
+      <dgm:t>
+        <a:bodyPr/>
+        <a:lstStyle/>
+        <a:p>
+          <a:endParaRPr lang="en-CA"/>
+        </a:p>
+      </dgm:t>
+    </dgm:pt>
+    <dgm:pt modelId="{CCE4D37E-BA51-489A-ACB8-563013630FC7}">
+      <dgm:prSet phldrT="[Text]"/>
+      <dgm:spPr/>
+      <dgm:t>
+        <a:bodyPr/>
+        <a:lstStyle/>
+        <a:p>
+          <a:r>
+            <a:rPr lang="en-CA" dirty="0"/>
+            <a:t>Longitude</a:t>
+          </a:r>
+        </a:p>
+      </dgm:t>
+    </dgm:pt>
+    <dgm:pt modelId="{81F189AC-E0BB-4BC2-9AB9-DF0179D064CF}" type="parTrans" cxnId="{5935C466-CC49-4A94-83A2-EBBF0276EAE9}">
+      <dgm:prSet/>
+      <dgm:spPr/>
+      <dgm:t>
+        <a:bodyPr/>
+        <a:lstStyle/>
+        <a:p>
+          <a:endParaRPr lang="en-CA"/>
+        </a:p>
+      </dgm:t>
+    </dgm:pt>
+    <dgm:pt modelId="{3B61FFB4-E7A1-4264-A47D-598192CE1A48}" type="sibTrans" cxnId="{5935C466-CC49-4A94-83A2-EBBF0276EAE9}">
+      <dgm:prSet/>
+      <dgm:spPr/>
+      <dgm:t>
+        <a:bodyPr/>
+        <a:lstStyle/>
+        <a:p>
+          <a:endParaRPr lang="en-CA"/>
+        </a:p>
+      </dgm:t>
+    </dgm:pt>
+    <dgm:pt modelId="{05D7593C-9B96-4F23-ACF4-93327180E0F5}">
+      <dgm:prSet phldrT="[Text]"/>
+      <dgm:spPr/>
+      <dgm:t>
+        <a:bodyPr/>
+        <a:lstStyle/>
+        <a:p>
+          <a:r>
+            <a:rPr lang="en-CA" dirty="0"/>
+            <a:t>Driveway </a:t>
+          </a:r>
+        </a:p>
+      </dgm:t>
+    </dgm:pt>
+    <dgm:pt modelId="{8186917C-D897-495B-B801-361CBA0DA983}" type="parTrans" cxnId="{9684F69A-BE44-4F3F-ACD3-D76A62D0C232}">
+      <dgm:prSet/>
+      <dgm:spPr/>
+      <dgm:t>
+        <a:bodyPr/>
+        <a:lstStyle/>
+        <a:p>
+          <a:endParaRPr lang="en-CA"/>
+        </a:p>
+      </dgm:t>
+    </dgm:pt>
+    <dgm:pt modelId="{09EA911F-84F7-49A6-A1AA-B51435588DFC}" type="sibTrans" cxnId="{9684F69A-BE44-4F3F-ACD3-D76A62D0C232}">
+      <dgm:prSet/>
+      <dgm:spPr/>
+      <dgm:t>
+        <a:bodyPr/>
+        <a:lstStyle/>
+        <a:p>
+          <a:endParaRPr lang="en-CA"/>
+        </a:p>
+      </dgm:t>
+    </dgm:pt>
+    <dgm:pt modelId="{FB3D5A31-1E87-4D0D-BCC3-B333B2B6F011}">
+      <dgm:prSet phldrT="[Text]"/>
+      <dgm:spPr/>
+      <dgm:t>
+        <a:bodyPr/>
+        <a:lstStyle/>
+        <a:p>
+          <a:r>
+            <a:rPr lang="en-CA" dirty="0"/>
+            <a:t>Overpass or bridge</a:t>
+          </a:r>
+        </a:p>
+      </dgm:t>
+    </dgm:pt>
+    <dgm:pt modelId="{EA8F434B-61EA-42FC-AE78-0E4D9467CC77}" type="parTrans" cxnId="{1373DD14-AF04-438A-B505-54C75FEA7E13}">
+      <dgm:prSet/>
+      <dgm:spPr/>
+      <dgm:t>
+        <a:bodyPr/>
+        <a:lstStyle/>
+        <a:p>
+          <a:endParaRPr lang="en-CA"/>
+        </a:p>
+      </dgm:t>
+    </dgm:pt>
+    <dgm:pt modelId="{BFF70112-E663-495A-9796-B3AF9E1F581B}" type="sibTrans" cxnId="{1373DD14-AF04-438A-B505-54C75FEA7E13}">
+      <dgm:prSet/>
+      <dgm:spPr/>
+      <dgm:t>
+        <a:bodyPr/>
+        <a:lstStyle/>
+        <a:p>
+          <a:endParaRPr lang="en-CA"/>
+        </a:p>
+      </dgm:t>
+    </dgm:pt>
+    <dgm:pt modelId="{32B3E7DB-2167-4B35-A38B-450E3571DDAE}">
+      <dgm:prSet phldrT="[Text]"/>
+      <dgm:spPr/>
+      <dgm:t>
+        <a:bodyPr/>
+        <a:lstStyle/>
+        <a:p>
+          <a:r>
+            <a:rPr lang="en-CA" dirty="0"/>
+            <a:t>Underpass or tunnel</a:t>
+          </a:r>
+        </a:p>
+      </dgm:t>
+    </dgm:pt>
+    <dgm:pt modelId="{516DCB3C-CEDF-4629-B0AD-082A76BA3D00}" type="parTrans" cxnId="{15A3D5A5-2457-456B-A04E-2231EECE36EA}">
+      <dgm:prSet/>
+      <dgm:spPr/>
+      <dgm:t>
+        <a:bodyPr/>
+        <a:lstStyle/>
+        <a:p>
+          <a:endParaRPr lang="en-CA"/>
+        </a:p>
+      </dgm:t>
+    </dgm:pt>
+    <dgm:pt modelId="{86FC08C2-3CE8-4143-A910-2EB1F2CE1EB4}" type="sibTrans" cxnId="{15A3D5A5-2457-456B-A04E-2231EECE36EA}">
+      <dgm:prSet/>
+      <dgm:spPr/>
+      <dgm:t>
+        <a:bodyPr/>
+        <a:lstStyle/>
+        <a:p>
+          <a:endParaRPr lang="en-CA"/>
+        </a:p>
+      </dgm:t>
+    </dgm:pt>
+    <dgm:pt modelId="{9676F036-C5A3-4337-AE0E-4F155754B90E}">
+      <dgm:prSet phldrT="[Text]"/>
+      <dgm:spPr/>
+      <dgm:t>
+        <a:bodyPr/>
+        <a:lstStyle/>
+        <a:p>
+          <a:r>
+            <a:rPr lang="en-CA" dirty="0"/>
+            <a:t>Trail</a:t>
+          </a:r>
+        </a:p>
+      </dgm:t>
+    </dgm:pt>
+    <dgm:pt modelId="{C74DF5CD-ABA4-4527-809B-6F8B1351128C}" type="parTrans" cxnId="{B37B05A2-77BA-45E3-AA09-5D7C1A7A62A6}">
+      <dgm:prSet/>
+      <dgm:spPr/>
+      <dgm:t>
+        <a:bodyPr/>
+        <a:lstStyle/>
+        <a:p>
+          <a:endParaRPr lang="en-CA"/>
+        </a:p>
+      </dgm:t>
+    </dgm:pt>
+    <dgm:pt modelId="{9007F59B-51FE-4DB9-B569-F8ED49A22A1B}" type="sibTrans" cxnId="{B37B05A2-77BA-45E3-AA09-5D7C1A7A62A6}">
+      <dgm:prSet/>
+      <dgm:spPr/>
+      <dgm:t>
+        <a:bodyPr/>
+        <a:lstStyle/>
+        <a:p>
+          <a:endParaRPr lang="en-CA"/>
+        </a:p>
+      </dgm:t>
+    </dgm:pt>
+    <dgm:pt modelId="{B44FDDD3-0B13-41CE-B4B3-18429B03DFD2}">
+      <dgm:prSet phldrT="[Text]"/>
+      <dgm:spPr/>
+      <dgm:t>
+        <a:bodyPr/>
+        <a:lstStyle/>
+        <a:p>
+          <a:r>
+            <a:rPr lang="en-CA" dirty="0"/>
+            <a:t>Private driveway</a:t>
+          </a:r>
+        </a:p>
+      </dgm:t>
+    </dgm:pt>
+    <dgm:pt modelId="{878484B4-2F43-40F9-8117-EC379F9361E1}" type="parTrans" cxnId="{CE1D865F-AED7-4F5B-88A2-5F30E791F6FD}">
+      <dgm:prSet/>
+      <dgm:spPr/>
+      <dgm:t>
+        <a:bodyPr/>
+        <a:lstStyle/>
+        <a:p>
+          <a:endParaRPr lang="en-CA"/>
+        </a:p>
+      </dgm:t>
+    </dgm:pt>
+    <dgm:pt modelId="{D18F17C3-84B7-4960-963B-324E705E07EF}" type="sibTrans" cxnId="{CE1D865F-AED7-4F5B-88A2-5F30E791F6FD}">
+      <dgm:prSet/>
+      <dgm:spPr/>
+      <dgm:t>
+        <a:bodyPr/>
+        <a:lstStyle/>
+        <a:p>
+          <a:endParaRPr lang="en-CA"/>
+        </a:p>
+      </dgm:t>
+    </dgm:pt>
+    <dgm:pt modelId="{5056ABFD-8E94-433B-B3A5-7556F3F29AD7}">
+      <dgm:prSet phldrT="[Text]"/>
+      <dgm:spPr/>
+      <dgm:t>
+        <a:bodyPr/>
+        <a:lstStyle/>
+        <a:p>
+          <a:r>
+            <a:rPr lang="en-CA" dirty="0"/>
+            <a:t>Year </a:t>
+          </a:r>
+        </a:p>
+      </dgm:t>
+    </dgm:pt>
+    <dgm:pt modelId="{07A05609-36B6-4962-A43F-2B7A285EB7B3}" type="parTrans" cxnId="{9523867E-0ABB-4162-8455-B1B6AB424DDB}">
+      <dgm:prSet/>
+      <dgm:spPr/>
+      <dgm:t>
+        <a:bodyPr/>
+        <a:lstStyle/>
+        <a:p>
+          <a:endParaRPr lang="en-CA"/>
+        </a:p>
+      </dgm:t>
+    </dgm:pt>
+    <dgm:pt modelId="{71A5BA34-703F-46BF-A16B-220B15DC2923}" type="sibTrans" cxnId="{9523867E-0ABB-4162-8455-B1B6AB424DDB}">
+      <dgm:prSet/>
+      <dgm:spPr/>
+      <dgm:t>
+        <a:bodyPr/>
+        <a:lstStyle/>
+        <a:p>
+          <a:endParaRPr lang="en-CA"/>
+        </a:p>
+      </dgm:t>
+    </dgm:pt>
+    <dgm:pt modelId="{182CF7B9-E65B-4603-BA0B-12161A632874}">
+      <dgm:prSet phldrT="[Text]"/>
+      <dgm:spPr/>
+      <dgm:t>
+        <a:bodyPr/>
+        <a:lstStyle/>
+        <a:p>
+          <a:r>
+            <a:rPr lang="en-CA" dirty="0"/>
+            <a:t>Date</a:t>
+          </a:r>
+        </a:p>
+      </dgm:t>
+    </dgm:pt>
+    <dgm:pt modelId="{6926C7C4-C4B9-43EF-9309-6169D68759D3}" type="parTrans" cxnId="{459F7704-78D0-4174-8656-83755CADB499}">
+      <dgm:prSet/>
+      <dgm:spPr/>
+      <dgm:t>
+        <a:bodyPr/>
+        <a:lstStyle/>
+        <a:p>
+          <a:endParaRPr lang="en-CA"/>
+        </a:p>
+      </dgm:t>
+    </dgm:pt>
+    <dgm:pt modelId="{2B8E3B34-0CED-4D11-896D-49654E27D832}" type="sibTrans" cxnId="{459F7704-78D0-4174-8656-83755CADB499}">
+      <dgm:prSet/>
+      <dgm:spPr/>
+      <dgm:t>
+        <a:bodyPr/>
+        <a:lstStyle/>
+        <a:p>
+          <a:endParaRPr lang="en-CA"/>
+        </a:p>
+      </dgm:t>
+    </dgm:pt>
+    <dgm:pt modelId="{67157CE4-066F-49A5-B9D8-610F79E15ACB}">
+      <dgm:prSet phldrT="[Text]"/>
+      <dgm:spPr/>
+      <dgm:t>
+        <a:bodyPr/>
+        <a:lstStyle/>
+        <a:p>
+          <a:r>
+            <a:rPr lang="en-CA" dirty="0"/>
+            <a:t>Time</a:t>
+          </a:r>
+        </a:p>
+      </dgm:t>
+    </dgm:pt>
+    <dgm:pt modelId="{D7371C19-9B4A-4DDF-8FDA-0388679E8F87}" type="parTrans" cxnId="{3922472A-9293-4652-A293-65F0F5E7272E}">
+      <dgm:prSet/>
+      <dgm:spPr/>
+      <dgm:t>
+        <a:bodyPr/>
+        <a:lstStyle/>
+        <a:p>
+          <a:endParaRPr lang="en-CA"/>
+        </a:p>
+      </dgm:t>
+    </dgm:pt>
+    <dgm:pt modelId="{648BE58E-2D54-4013-A2AE-9B72E8E22DA7}" type="sibTrans" cxnId="{3922472A-9293-4652-A293-65F0F5E7272E}">
+      <dgm:prSet/>
+      <dgm:spPr/>
+      <dgm:t>
+        <a:bodyPr/>
+        <a:lstStyle/>
+        <a:p>
+          <a:endParaRPr lang="en-CA"/>
+        </a:p>
+      </dgm:t>
+    </dgm:pt>
+    <dgm:pt modelId="{052970A3-FCA2-4D39-8C2D-5A980594F9AC}">
+      <dgm:prSet phldrT="[Text]"/>
+      <dgm:spPr/>
+      <dgm:t>
+        <a:bodyPr/>
+        <a:lstStyle/>
+        <a:p>
+          <a:r>
+            <a:rPr lang="en-CA" dirty="0"/>
+            <a:t>Clear</a:t>
+          </a:r>
+        </a:p>
+      </dgm:t>
+    </dgm:pt>
+    <dgm:pt modelId="{07838844-DC68-40C7-AD2D-5FED07142DF5}" type="parTrans" cxnId="{10880E2C-D91C-45CC-A112-151262E4B2FF}">
+      <dgm:prSet/>
+      <dgm:spPr/>
+      <dgm:t>
+        <a:bodyPr/>
+        <a:lstStyle/>
+        <a:p>
+          <a:endParaRPr lang="en-CA"/>
+        </a:p>
+      </dgm:t>
+    </dgm:pt>
+    <dgm:pt modelId="{279471C4-35C6-4B93-B5E8-02D5C17E3181}" type="sibTrans" cxnId="{10880E2C-D91C-45CC-A112-151262E4B2FF}">
+      <dgm:prSet/>
+      <dgm:spPr/>
+      <dgm:t>
+        <a:bodyPr/>
+        <a:lstStyle/>
+        <a:p>
+          <a:endParaRPr lang="en-CA"/>
+        </a:p>
+      </dgm:t>
+    </dgm:pt>
+    <dgm:pt modelId="{E2476EB4-B905-49B8-9BA4-6369A1A00D55}">
+      <dgm:prSet phldrT="[Text]"/>
+      <dgm:spPr/>
+      <dgm:t>
+        <a:bodyPr/>
+        <a:lstStyle/>
+        <a:p>
+          <a:r>
+            <a:rPr lang="en-CA" dirty="0"/>
+            <a:t>Fog, mist, smoke and dust</a:t>
+          </a:r>
+        </a:p>
+      </dgm:t>
+    </dgm:pt>
+    <dgm:pt modelId="{2EC866A0-5185-4DEE-A889-89AA35DD69BA}" type="parTrans" cxnId="{47B2E511-96C9-4120-AFE8-47D9C263FA12}">
+      <dgm:prSet/>
+      <dgm:spPr/>
+      <dgm:t>
+        <a:bodyPr/>
+        <a:lstStyle/>
+        <a:p>
+          <a:endParaRPr lang="en-CA"/>
+        </a:p>
+      </dgm:t>
+    </dgm:pt>
+    <dgm:pt modelId="{6E42D39D-E05E-48E8-BB4F-1B06CE8ECF09}" type="sibTrans" cxnId="{47B2E511-96C9-4120-AFE8-47D9C263FA12}">
+      <dgm:prSet/>
+      <dgm:spPr/>
+      <dgm:t>
+        <a:bodyPr/>
+        <a:lstStyle/>
+        <a:p>
+          <a:endParaRPr lang="en-CA"/>
+        </a:p>
+      </dgm:t>
+    </dgm:pt>
+    <dgm:pt modelId="{3CE7DAA2-DEAA-4473-A646-E0489D9467E2}">
+      <dgm:prSet phldrT="[Text]"/>
+      <dgm:spPr/>
+      <dgm:t>
+        <a:bodyPr/>
+        <a:lstStyle/>
+        <a:p>
+          <a:r>
+            <a:rPr lang="en-CA" dirty="0"/>
+            <a:t>Freezing rain</a:t>
+          </a:r>
+        </a:p>
+      </dgm:t>
+    </dgm:pt>
+    <dgm:pt modelId="{54373E70-E728-4BDB-AB25-9E51ADC5F454}" type="parTrans" cxnId="{CF7FE91D-3D0A-4D01-9790-3A4125580765}">
+      <dgm:prSet/>
+      <dgm:spPr/>
+      <dgm:t>
+        <a:bodyPr/>
+        <a:lstStyle/>
+        <a:p>
+          <a:endParaRPr lang="en-CA"/>
+        </a:p>
+      </dgm:t>
+    </dgm:pt>
+    <dgm:pt modelId="{C01E528E-3AA5-4A85-B64F-C363ABC2A5F5}" type="sibTrans" cxnId="{CF7FE91D-3D0A-4D01-9790-3A4125580765}">
+      <dgm:prSet/>
+      <dgm:spPr/>
+      <dgm:t>
+        <a:bodyPr/>
+        <a:lstStyle/>
+        <a:p>
+          <a:endParaRPr lang="en-CA"/>
+        </a:p>
+      </dgm:t>
+    </dgm:pt>
+    <dgm:pt modelId="{D58DE89D-D371-4B71-9480-E2CCEF9F5521}">
+      <dgm:prSet phldrT="[Text]"/>
+      <dgm:spPr/>
+      <dgm:t>
+        <a:bodyPr/>
+        <a:lstStyle/>
+        <a:p>
+          <a:r>
+            <a:rPr lang="en-CA" dirty="0"/>
+            <a:t>Snow and Drifting snow</a:t>
+          </a:r>
+        </a:p>
+      </dgm:t>
+    </dgm:pt>
+    <dgm:pt modelId="{591B21E8-39C4-4374-B84D-2DC3BFA1F21E}" type="parTrans" cxnId="{A39AD799-A88D-495B-B771-5A369B273452}">
+      <dgm:prSet/>
+      <dgm:spPr/>
+      <dgm:t>
+        <a:bodyPr/>
+        <a:lstStyle/>
+        <a:p>
+          <a:endParaRPr lang="en-CA"/>
+        </a:p>
+      </dgm:t>
+    </dgm:pt>
+    <dgm:pt modelId="{8E68AF11-4372-4A5E-98EC-0409ED1F5DCE}" type="sibTrans" cxnId="{A39AD799-A88D-495B-B771-5A369B273452}">
+      <dgm:prSet/>
+      <dgm:spPr/>
+      <dgm:t>
+        <a:bodyPr/>
+        <a:lstStyle/>
+        <a:p>
+          <a:endParaRPr lang="en-CA"/>
+        </a:p>
+      </dgm:t>
+    </dgm:pt>
+    <dgm:pt modelId="{E1F06420-A5E9-4846-A412-B78F250448D1}">
+      <dgm:prSet phldrT="[Text]"/>
+      <dgm:spPr/>
+      <dgm:t>
+        <a:bodyPr/>
+        <a:lstStyle/>
+        <a:p>
+          <a:r>
+            <a:rPr lang="en-CA" dirty="0"/>
+            <a:t>Strong wind</a:t>
+          </a:r>
+        </a:p>
+      </dgm:t>
+    </dgm:pt>
+    <dgm:pt modelId="{E34624F5-A8D3-4D60-BB24-6C084D77C09E}" type="parTrans" cxnId="{9A4C9A96-E8C8-4100-9931-030CA2379835}">
+      <dgm:prSet/>
+      <dgm:spPr/>
+      <dgm:t>
+        <a:bodyPr/>
+        <a:lstStyle/>
+        <a:p>
+          <a:endParaRPr lang="en-CA"/>
+        </a:p>
+      </dgm:t>
+    </dgm:pt>
+    <dgm:pt modelId="{38E434CA-1F6C-4BBA-AEC7-30FDF560A9AA}" type="sibTrans" cxnId="{9A4C9A96-E8C8-4100-9931-030CA2379835}">
+      <dgm:prSet/>
+      <dgm:spPr/>
+      <dgm:t>
+        <a:bodyPr/>
+        <a:lstStyle/>
+        <a:p>
+          <a:endParaRPr lang="en-CA"/>
+        </a:p>
+      </dgm:t>
+    </dgm:pt>
+    <dgm:pt modelId="{CF7B5E39-927B-4309-BED4-22910BEF0265}">
+      <dgm:prSet phldrT="[Text]"/>
+      <dgm:spPr/>
+      <dgm:t>
+        <a:bodyPr/>
+        <a:lstStyle/>
+        <a:p>
+          <a:r>
+            <a:rPr lang="en-CA" dirty="0"/>
+            <a:t>Light</a:t>
+          </a:r>
+        </a:p>
+      </dgm:t>
+    </dgm:pt>
+    <dgm:pt modelId="{DE713A6C-87DA-4FB8-9A9F-A782B852CF4F}" type="parTrans" cxnId="{5052309C-A8EB-4DF3-ADF1-6DAD359720E9}">
+      <dgm:prSet/>
+      <dgm:spPr/>
+      <dgm:t>
+        <a:bodyPr/>
+        <a:lstStyle/>
+        <a:p>
+          <a:endParaRPr lang="en-CA"/>
+        </a:p>
+      </dgm:t>
+    </dgm:pt>
+    <dgm:pt modelId="{C968EAAF-B770-4D74-9F3A-3F2311785A6A}" type="sibTrans" cxnId="{5052309C-A8EB-4DF3-ADF1-6DAD359720E9}">
+      <dgm:prSet/>
+      <dgm:spPr/>
+      <dgm:t>
+        <a:bodyPr/>
+        <a:lstStyle/>
+        <a:p>
+          <a:endParaRPr lang="en-CA"/>
+        </a:p>
+      </dgm:t>
+    </dgm:pt>
+    <dgm:pt modelId="{6823C1DB-C25F-4B1C-8007-0E701CECF5DC}">
+      <dgm:prSet phldrT="[Text]"/>
+      <dgm:spPr/>
+      <dgm:t>
+        <a:bodyPr/>
+        <a:lstStyle/>
+        <a:p>
+          <a:r>
+            <a:rPr lang="en-CA" dirty="0"/>
+            <a:t>Daylight or dark</a:t>
+          </a:r>
+        </a:p>
+      </dgm:t>
+    </dgm:pt>
+    <dgm:pt modelId="{9C39CC82-66B7-4AC9-A394-18A467B6D9E4}" type="parTrans" cxnId="{8686CD22-975E-4E89-8380-1F0F7D13A4BF}">
+      <dgm:prSet/>
+      <dgm:spPr/>
+      <dgm:t>
+        <a:bodyPr/>
+        <a:lstStyle/>
+        <a:p>
+          <a:endParaRPr lang="en-CA"/>
+        </a:p>
+      </dgm:t>
+    </dgm:pt>
+    <dgm:pt modelId="{10A6D3B1-A321-4188-9301-C2DD87A552AA}" type="sibTrans" cxnId="{8686CD22-975E-4E89-8380-1F0F7D13A4BF}">
+      <dgm:prSet/>
+      <dgm:spPr/>
+      <dgm:t>
+        <a:bodyPr/>
+        <a:lstStyle/>
+        <a:p>
+          <a:endParaRPr lang="en-CA"/>
+        </a:p>
+      </dgm:t>
+    </dgm:pt>
+    <dgm:pt modelId="{3B34761D-955A-43CF-8EBF-5B4B9BFCFB68}">
+      <dgm:prSet phldrT="[Text]"/>
+      <dgm:spPr/>
+      <dgm:t>
+        <a:bodyPr/>
+        <a:lstStyle/>
+        <a:p>
+          <a:r>
+            <a:rPr lang="en-CA" dirty="0"/>
+            <a:t>Dawn or dusk </a:t>
+          </a:r>
+        </a:p>
+      </dgm:t>
+    </dgm:pt>
+    <dgm:pt modelId="{92E5CACC-BD51-4BBE-9C59-1F7D240BC542}" type="parTrans" cxnId="{5BFC7CB2-7A5A-4939-9095-6C30CD07EAC9}">
+      <dgm:prSet/>
+      <dgm:spPr/>
+      <dgm:t>
+        <a:bodyPr/>
+        <a:lstStyle/>
+        <a:p>
+          <a:endParaRPr lang="en-CA"/>
+        </a:p>
+      </dgm:t>
+    </dgm:pt>
+    <dgm:pt modelId="{2A9AAA0A-778F-48D9-8E20-FDB062ABDBBB}" type="sibTrans" cxnId="{5BFC7CB2-7A5A-4939-9095-6C30CD07EAC9}">
+      <dgm:prSet/>
+      <dgm:spPr/>
+      <dgm:t>
+        <a:bodyPr/>
+        <a:lstStyle/>
+        <a:p>
+          <a:endParaRPr lang="en-CA"/>
+        </a:p>
+      </dgm:t>
+    </dgm:pt>
+    <dgm:pt modelId="{9217015D-6437-45C8-B5FF-F97389A33718}">
+      <dgm:prSet phldrT="[Text]"/>
+      <dgm:spPr/>
+      <dgm:t>
+        <a:bodyPr/>
+        <a:lstStyle/>
+        <a:p>
+          <a:r>
+            <a:rPr lang="en-CA" dirty="0"/>
+            <a:t>Artificial lights</a:t>
+          </a:r>
+        </a:p>
+      </dgm:t>
+    </dgm:pt>
+    <dgm:pt modelId="{ACD0DE4C-5F78-45AC-895D-5FF57672192A}" type="parTrans" cxnId="{92DA0068-D633-4040-AFB6-B42431ED0842}">
+      <dgm:prSet/>
+      <dgm:spPr/>
+      <dgm:t>
+        <a:bodyPr/>
+        <a:lstStyle/>
+        <a:p>
+          <a:endParaRPr lang="en-CA"/>
+        </a:p>
+      </dgm:t>
+    </dgm:pt>
+    <dgm:pt modelId="{FBB38479-3DBE-4500-8ECF-BC09FE69B566}" type="sibTrans" cxnId="{92DA0068-D633-4040-AFB6-B42431ED0842}">
+      <dgm:prSet/>
+      <dgm:spPr/>
+      <dgm:t>
+        <a:bodyPr/>
+        <a:lstStyle/>
+        <a:p>
+          <a:endParaRPr lang="en-CA"/>
+        </a:p>
+      </dgm:t>
+    </dgm:pt>
+    <dgm:pt modelId="{7D524853-1614-4EEA-B5CE-55DB518F95AF}">
+      <dgm:prSet phldrT="[Text]"/>
+      <dgm:spPr/>
+      <dgm:t>
+        <a:bodyPr/>
+        <a:lstStyle/>
+        <a:p>
+          <a:r>
+            <a:rPr lang="en-CA" dirty="0"/>
+            <a:t>Accident class </a:t>
+          </a:r>
+        </a:p>
+      </dgm:t>
+    </dgm:pt>
+    <dgm:pt modelId="{5E7C84E5-CE72-4810-8F18-70072E06BF20}" type="parTrans" cxnId="{54B9CB54-B89D-432D-9C18-82D79D1D14BE}">
+      <dgm:prSet/>
+      <dgm:spPr/>
+      <dgm:t>
+        <a:bodyPr/>
+        <a:lstStyle/>
+        <a:p>
+          <a:endParaRPr lang="en-CA"/>
+        </a:p>
+      </dgm:t>
+    </dgm:pt>
+    <dgm:pt modelId="{7AA23426-017E-429D-9107-3A691256D1D2}" type="sibTrans" cxnId="{54B9CB54-B89D-432D-9C18-82D79D1D14BE}">
+      <dgm:prSet/>
+      <dgm:spPr/>
+      <dgm:t>
+        <a:bodyPr/>
+        <a:lstStyle/>
+        <a:p>
+          <a:endParaRPr lang="en-CA"/>
+        </a:p>
+      </dgm:t>
+    </dgm:pt>
+    <dgm:pt modelId="{BAD57C23-0925-4F72-ACFF-8EA24CB45592}">
+      <dgm:prSet phldrT="[Text]"/>
+      <dgm:spPr/>
+      <dgm:t>
+        <a:bodyPr/>
+        <a:lstStyle/>
+        <a:p>
+          <a:endParaRPr lang="en-CA" dirty="0"/>
+        </a:p>
+      </dgm:t>
+    </dgm:pt>
+    <dgm:pt modelId="{111223DD-3AA3-45B2-A7C4-3C5C08B35B37}" type="parTrans" cxnId="{E51647A6-6AC3-4CF8-8C11-D1BC5C59E0EE}">
+      <dgm:prSet/>
+      <dgm:spPr/>
+      <dgm:t>
+        <a:bodyPr/>
+        <a:lstStyle/>
+        <a:p>
+          <a:endParaRPr lang="en-CA"/>
+        </a:p>
+      </dgm:t>
+    </dgm:pt>
+    <dgm:pt modelId="{15752F54-F0BF-4C45-B541-4B6226C85E5A}" type="sibTrans" cxnId="{E51647A6-6AC3-4CF8-8C11-D1BC5C59E0EE}">
+      <dgm:prSet/>
+      <dgm:spPr/>
+      <dgm:t>
+        <a:bodyPr/>
+        <a:lstStyle/>
+        <a:p>
+          <a:endParaRPr lang="en-CA"/>
+        </a:p>
+      </dgm:t>
+    </dgm:pt>
+    <dgm:pt modelId="{DB0F644B-B895-44A6-8CF9-40B3B719B750}">
+      <dgm:prSet phldrT="[Text]"/>
+      <dgm:spPr/>
+      <dgm:t>
+        <a:bodyPr/>
+        <a:lstStyle/>
+        <a:p>
+          <a:r>
+            <a:rPr lang="en-CA" dirty="0"/>
+            <a:t>Fatal </a:t>
+          </a:r>
+        </a:p>
+      </dgm:t>
+    </dgm:pt>
+    <dgm:pt modelId="{8745628B-A31A-434A-85E7-B192F9E5D521}" type="parTrans" cxnId="{58DD37C3-F04A-4953-B134-7854EED35105}">
+      <dgm:prSet/>
+      <dgm:spPr/>
+      <dgm:t>
+        <a:bodyPr/>
+        <a:lstStyle/>
+        <a:p>
+          <a:endParaRPr lang="en-CA"/>
+        </a:p>
+      </dgm:t>
+    </dgm:pt>
+    <dgm:pt modelId="{B29993A0-E786-4ACD-90FE-7E42E1299E28}" type="sibTrans" cxnId="{58DD37C3-F04A-4953-B134-7854EED35105}">
+      <dgm:prSet/>
+      <dgm:spPr/>
+      <dgm:t>
+        <a:bodyPr/>
+        <a:lstStyle/>
+        <a:p>
+          <a:endParaRPr lang="en-CA"/>
+        </a:p>
+      </dgm:t>
+    </dgm:pt>
+    <dgm:pt modelId="{886C6E95-3425-410C-B29D-9875AE98C8CE}">
+      <dgm:prSet phldrT="[Text]"/>
+      <dgm:spPr/>
+      <dgm:t>
+        <a:bodyPr/>
+        <a:lstStyle/>
+        <a:p>
+          <a:r>
+            <a:rPr lang="en-CA" dirty="0"/>
+            <a:t>Non-fatal injury</a:t>
+          </a:r>
+        </a:p>
+      </dgm:t>
+    </dgm:pt>
+    <dgm:pt modelId="{D7DCE605-6738-47CD-AE49-53B182E7759F}" type="parTrans" cxnId="{2BE06443-F5B9-416B-B6FD-5FCCEA1346A8}">
+      <dgm:prSet/>
+      <dgm:spPr/>
+      <dgm:t>
+        <a:bodyPr/>
+        <a:lstStyle/>
+        <a:p>
+          <a:endParaRPr lang="en-CA"/>
+        </a:p>
+      </dgm:t>
+    </dgm:pt>
+    <dgm:pt modelId="{5C6AE5AF-ABA9-4173-A337-E79B934B6189}" type="sibTrans" cxnId="{2BE06443-F5B9-416B-B6FD-5FCCEA1346A8}">
+      <dgm:prSet/>
+      <dgm:spPr/>
+      <dgm:t>
+        <a:bodyPr/>
+        <a:lstStyle/>
+        <a:p>
+          <a:endParaRPr lang="en-CA"/>
+        </a:p>
+      </dgm:t>
+    </dgm:pt>
+    <dgm:pt modelId="{E127967C-92D8-468E-BE83-943EA912FDBA}">
+      <dgm:prSet phldrT="[Text]"/>
+      <dgm:spPr/>
+      <dgm:t>
+        <a:bodyPr/>
+        <a:lstStyle/>
+        <a:p>
+          <a:r>
+            <a:rPr lang="en-CA" dirty="0"/>
+            <a:t>Property damage</a:t>
+          </a:r>
+        </a:p>
+      </dgm:t>
+    </dgm:pt>
+    <dgm:pt modelId="{0D8FF88D-EBC0-41CD-9CF4-BA92B22FC9B1}" type="parTrans" cxnId="{AB11908D-4F30-4078-984F-A14D78D43069}">
+      <dgm:prSet/>
+      <dgm:spPr/>
+      <dgm:t>
+        <a:bodyPr/>
+        <a:lstStyle/>
+        <a:p>
+          <a:endParaRPr lang="en-CA"/>
+        </a:p>
+      </dgm:t>
+    </dgm:pt>
+    <dgm:pt modelId="{F9452C9B-262E-437E-BFE5-78493BD06686}" type="sibTrans" cxnId="{AB11908D-4F30-4078-984F-A14D78D43069}">
+      <dgm:prSet/>
+      <dgm:spPr/>
+      <dgm:t>
+        <a:bodyPr/>
+        <a:lstStyle/>
+        <a:p>
+          <a:endParaRPr lang="en-CA"/>
+        </a:p>
+      </dgm:t>
+    </dgm:pt>
+    <dgm:pt modelId="{D7C92F9C-746D-408C-A96D-B52919DFA119}">
+      <dgm:prSet phldrT="[Text]"/>
+      <dgm:spPr/>
+      <dgm:t>
+        <a:bodyPr/>
+        <a:lstStyle/>
+        <a:p>
+          <a:endParaRPr lang="en-CA" dirty="0"/>
+        </a:p>
+      </dgm:t>
+    </dgm:pt>
+    <dgm:pt modelId="{E27CBEE7-0535-4241-8A50-FDF9915E9A45}" type="parTrans" cxnId="{F8574226-3491-408C-9257-CDD951800361}">
+      <dgm:prSet/>
+      <dgm:spPr/>
+      <dgm:t>
+        <a:bodyPr/>
+        <a:lstStyle/>
+        <a:p>
+          <a:endParaRPr lang="en-CA"/>
+        </a:p>
+      </dgm:t>
+    </dgm:pt>
+    <dgm:pt modelId="{BC5EC0E3-3D4F-47D0-9C42-87529347CE10}" type="sibTrans" cxnId="{F8574226-3491-408C-9257-CDD951800361}">
+      <dgm:prSet/>
+      <dgm:spPr/>
+      <dgm:t>
+        <a:bodyPr/>
+        <a:lstStyle/>
+        <a:p>
+          <a:endParaRPr lang="en-CA"/>
+        </a:p>
+      </dgm:t>
+    </dgm:pt>
+    <dgm:pt modelId="{5C56A649-1C96-4903-B553-BA06C245F19A}" type="pres">
+      <dgm:prSet presAssocID="{55B4A006-4C2A-480A-8CE3-4577E484865D}" presName="diagram" presStyleCnt="0">
+        <dgm:presLayoutVars>
+          <dgm:dir/>
+          <dgm:resizeHandles val="exact"/>
+        </dgm:presLayoutVars>
+      </dgm:prSet>
+      <dgm:spPr/>
+    </dgm:pt>
+    <dgm:pt modelId="{378453CC-F8F3-4396-B854-7AFC3C5EA6E5}" type="pres">
+      <dgm:prSet presAssocID="{D42A931D-F683-433C-8355-16137CCB7002}" presName="node" presStyleLbl="node1" presStyleIdx="0" presStyleCnt="9">
+        <dgm:presLayoutVars>
+          <dgm:bulletEnabled val="1"/>
+        </dgm:presLayoutVars>
+      </dgm:prSet>
+      <dgm:spPr/>
+    </dgm:pt>
+    <dgm:pt modelId="{69A96E05-35A4-420D-8D7C-729F3E674003}" type="pres">
+      <dgm:prSet presAssocID="{D59E9F43-F9D8-45BE-9417-A52E2CFB1E50}" presName="sibTrans" presStyleCnt="0"/>
+      <dgm:spPr/>
+    </dgm:pt>
+    <dgm:pt modelId="{EE671701-410F-475A-87FC-29136C5EA5BD}" type="pres">
+      <dgm:prSet presAssocID="{A8D31BE5-24C9-4111-9F28-E9E51CBCC484}" presName="node" presStyleLbl="node1" presStyleIdx="1" presStyleCnt="9" custScaleX="105818">
+        <dgm:presLayoutVars>
+          <dgm:bulletEnabled val="1"/>
+        </dgm:presLayoutVars>
+      </dgm:prSet>
+      <dgm:spPr/>
+    </dgm:pt>
+    <dgm:pt modelId="{5960D171-AB12-46CE-8700-307C009405DB}" type="pres">
+      <dgm:prSet presAssocID="{DF5CC70E-C573-4E8D-A2AA-0992F1E0648D}" presName="sibTrans" presStyleCnt="0"/>
+      <dgm:spPr/>
+    </dgm:pt>
+    <dgm:pt modelId="{1CFA8E14-865F-4549-8B09-4C44677B50D3}" type="pres">
+      <dgm:prSet presAssocID="{0584D85D-7730-426D-A5C4-68D6E762582F}" presName="node" presStyleLbl="node1" presStyleIdx="2" presStyleCnt="9" custLinFactNeighborX="1545" custLinFactNeighborY="2027">
+        <dgm:presLayoutVars>
+          <dgm:bulletEnabled val="1"/>
+        </dgm:presLayoutVars>
+      </dgm:prSet>
+      <dgm:spPr/>
+    </dgm:pt>
+    <dgm:pt modelId="{63408817-4676-4B1D-B555-408B1C5C5129}" type="pres">
+      <dgm:prSet presAssocID="{E94210B0-8C09-44C6-A43F-E5E888FB4B48}" presName="sibTrans" presStyleCnt="0"/>
+      <dgm:spPr/>
+    </dgm:pt>
+    <dgm:pt modelId="{72CA5018-0E0F-409F-BF6F-5F8BB2BC2868}" type="pres">
+      <dgm:prSet presAssocID="{F30052BF-0F59-405D-98F4-5F91C82F2E24}" presName="node" presStyleLbl="node1" presStyleIdx="3" presStyleCnt="9">
+        <dgm:presLayoutVars>
+          <dgm:bulletEnabled val="1"/>
+        </dgm:presLayoutVars>
+      </dgm:prSet>
+      <dgm:spPr/>
+    </dgm:pt>
+    <dgm:pt modelId="{BC42CB55-E063-48C3-8287-C47E26210436}" type="pres">
+      <dgm:prSet presAssocID="{FF0D7328-3673-4020-98E6-BFE673DBBDB2}" presName="sibTrans" presStyleCnt="0"/>
+      <dgm:spPr/>
+    </dgm:pt>
+    <dgm:pt modelId="{F73D443F-A3C2-4EC1-B511-D679A25E422B}" type="pres">
+      <dgm:prSet presAssocID="{EA17F625-1615-4C82-AF99-0779B0715941}" presName="node" presStyleLbl="node1" presStyleIdx="4" presStyleCnt="9">
+        <dgm:presLayoutVars>
+          <dgm:bulletEnabled val="1"/>
+        </dgm:presLayoutVars>
+      </dgm:prSet>
+      <dgm:spPr/>
+    </dgm:pt>
+    <dgm:pt modelId="{86A7B678-E12E-4175-B338-333578FA1CD3}" type="pres">
+      <dgm:prSet presAssocID="{163CF47D-818C-4FB2-8641-F5B0248F824E}" presName="sibTrans" presStyleCnt="0"/>
+      <dgm:spPr/>
+    </dgm:pt>
+    <dgm:pt modelId="{3586E1C1-6DC8-4E85-8DDF-1DD7486074FA}" type="pres">
+      <dgm:prSet presAssocID="{74325B70-3195-4E1D-9113-B37C24DEC5EA}" presName="node" presStyleLbl="node1" presStyleIdx="5" presStyleCnt="9">
+        <dgm:presLayoutVars>
+          <dgm:bulletEnabled val="1"/>
+        </dgm:presLayoutVars>
+      </dgm:prSet>
+      <dgm:spPr/>
+    </dgm:pt>
+    <dgm:pt modelId="{D9CB99CC-C1B5-4036-A3DD-AFD10DCA05F7}" type="pres">
+      <dgm:prSet presAssocID="{1E7AA9E7-0B36-41E8-83BF-9269936EDA75}" presName="sibTrans" presStyleCnt="0"/>
+      <dgm:spPr/>
+    </dgm:pt>
+    <dgm:pt modelId="{6F98CF4E-AA48-4B94-9CFE-AB3FC9D91DA0}" type="pres">
+      <dgm:prSet presAssocID="{CF7B5E39-927B-4309-BED4-22910BEF0265}" presName="node" presStyleLbl="node1" presStyleIdx="6" presStyleCnt="9">
+        <dgm:presLayoutVars>
+          <dgm:bulletEnabled val="1"/>
+        </dgm:presLayoutVars>
+      </dgm:prSet>
+      <dgm:spPr/>
+    </dgm:pt>
+    <dgm:pt modelId="{D8C856C4-2A41-4C58-8273-B031B3AAF9A5}" type="pres">
+      <dgm:prSet presAssocID="{C968EAAF-B770-4D74-9F3A-3F2311785A6A}" presName="sibTrans" presStyleCnt="0"/>
+      <dgm:spPr/>
+    </dgm:pt>
+    <dgm:pt modelId="{86261968-46EF-40AD-AD3C-C6300E2397D6}" type="pres">
+      <dgm:prSet presAssocID="{BAD57C23-0925-4F72-ACFF-8EA24CB45592}" presName="node" presStyleLbl="node1" presStyleIdx="7" presStyleCnt="9">
+        <dgm:presLayoutVars>
+          <dgm:bulletEnabled val="1"/>
+        </dgm:presLayoutVars>
+      </dgm:prSet>
+      <dgm:spPr/>
+    </dgm:pt>
+    <dgm:pt modelId="{BBA3C4CC-2880-41BB-A322-004BD62F874D}" type="pres">
+      <dgm:prSet presAssocID="{15752F54-F0BF-4C45-B541-4B6226C85E5A}" presName="sibTrans" presStyleCnt="0"/>
+      <dgm:spPr/>
+    </dgm:pt>
+    <dgm:pt modelId="{97D9F168-A75C-47BC-ACF0-5A845B8D6DC0}" type="pres">
+      <dgm:prSet presAssocID="{7D524853-1614-4EEA-B5CE-55DB518F95AF}" presName="node" presStyleLbl="node1" presStyleIdx="8" presStyleCnt="9">
+        <dgm:presLayoutVars>
+          <dgm:bulletEnabled val="1"/>
+        </dgm:presLayoutVars>
+      </dgm:prSet>
+      <dgm:spPr/>
+    </dgm:pt>
+  </dgm:ptLst>
+  <dgm:cxnLst>
+    <dgm:cxn modelId="{7D8F4A03-D633-44C6-959B-482C89C88F37}" type="presOf" srcId="{FB3D5A31-1E87-4D0D-BCC3-B333B2B6F011}" destId="{72CA5018-0E0F-409F-BF6F-5F8BB2BC2868}" srcOrd="0" destOrd="3" presId="urn:microsoft.com/office/officeart/2005/8/layout/default"/>
+    <dgm:cxn modelId="{459F7704-78D0-4174-8656-83755CADB499}" srcId="{0584D85D-7730-426D-A5C4-68D6E762582F}" destId="{182CF7B9-E65B-4603-BA0B-12161A632874}" srcOrd="1" destOrd="0" parTransId="{6926C7C4-C4B9-43EF-9309-6169D68759D3}" sibTransId="{2B8E3B34-0CED-4D11-896D-49654E27D832}"/>
+    <dgm:cxn modelId="{9524EA04-ED5F-4C8D-81D0-7805970C3F5A}" srcId="{F30052BF-0F59-405D-98F4-5F91C82F2E24}" destId="{B176A3FE-528D-4D61-B564-532E823DF6BB}" srcOrd="0" destOrd="0" parTransId="{993DE640-38BB-45DF-A0A2-D111C34E07E1}" sibTransId="{1B6E5C2C-2208-4C34-92E8-965E0C6ABC3E}"/>
+    <dgm:cxn modelId="{348AA60E-08D6-4276-A1F5-87622D533899}" type="presOf" srcId="{182CF7B9-E65B-4603-BA0B-12161A632874}" destId="{1CFA8E14-865F-4549-8B09-4C44677B50D3}" srcOrd="0" destOrd="2" presId="urn:microsoft.com/office/officeart/2005/8/layout/default"/>
+    <dgm:cxn modelId="{1C8D7E10-C0C8-4724-A5DA-D432C667F68A}" type="presOf" srcId="{0584D85D-7730-426D-A5C4-68D6E762582F}" destId="{1CFA8E14-865F-4549-8B09-4C44677B50D3}" srcOrd="0" destOrd="0" presId="urn:microsoft.com/office/officeart/2005/8/layout/default"/>
+    <dgm:cxn modelId="{47B2E511-96C9-4120-AFE8-47D9C263FA12}" srcId="{74325B70-3195-4E1D-9113-B37C24DEC5EA}" destId="{E2476EB4-B905-49B8-9BA4-6369A1A00D55}" srcOrd="1" destOrd="0" parTransId="{2EC866A0-5185-4DEE-A889-89AA35DD69BA}" sibTransId="{6E42D39D-E05E-48E8-BB4F-1B06CE8ECF09}"/>
+    <dgm:cxn modelId="{1373DD14-AF04-438A-B505-54C75FEA7E13}" srcId="{F30052BF-0F59-405D-98F4-5F91C82F2E24}" destId="{FB3D5A31-1E87-4D0D-BCC3-B333B2B6F011}" srcOrd="2" destOrd="0" parTransId="{EA8F434B-61EA-42FC-AE78-0E4D9467CC77}" sibTransId="{BFF70112-E663-495A-9796-B3AF9E1F581B}"/>
+    <dgm:cxn modelId="{A8C2F114-3A49-4C7C-90D4-DA8BA4375237}" type="presOf" srcId="{CCE4D37E-BA51-489A-ACB8-563013630FC7}" destId="{F73D443F-A3C2-4EC1-B511-D679A25E422B}" srcOrd="0" destOrd="2" presId="urn:microsoft.com/office/officeart/2005/8/layout/default"/>
+    <dgm:cxn modelId="{27198A1A-9B61-4346-A921-3C50DFA8C063}" type="presOf" srcId="{D58DE89D-D371-4B71-9480-E2CCEF9F5521}" destId="{3586E1C1-6DC8-4E85-8DDF-1DD7486074FA}" srcOrd="0" destOrd="4" presId="urn:microsoft.com/office/officeart/2005/8/layout/default"/>
+    <dgm:cxn modelId="{92712E1C-934F-419C-812F-2F26CCD84E63}" srcId="{55B4A006-4C2A-480A-8CE3-4577E484865D}" destId="{0584D85D-7730-426D-A5C4-68D6E762582F}" srcOrd="2" destOrd="0" parTransId="{A5C409E1-9F3D-48D5-9846-DC746238CB4D}" sibTransId="{E94210B0-8C09-44C6-A43F-E5E888FB4B48}"/>
+    <dgm:cxn modelId="{CF7FE91D-3D0A-4D01-9790-3A4125580765}" srcId="{74325B70-3195-4E1D-9113-B37C24DEC5EA}" destId="{3CE7DAA2-DEAA-4473-A646-E0489D9467E2}" srcOrd="2" destOrd="0" parTransId="{54373E70-E728-4BDB-AB25-9E51ADC5F454}" sibTransId="{C01E528E-3AA5-4A85-B64F-C363ABC2A5F5}"/>
+    <dgm:cxn modelId="{8686CD22-975E-4E89-8380-1F0F7D13A4BF}" srcId="{CF7B5E39-927B-4309-BED4-22910BEF0265}" destId="{6823C1DB-C25F-4B1C-8007-0E701CECF5DC}" srcOrd="0" destOrd="0" parTransId="{9C39CC82-66B7-4AC9-A394-18A467B6D9E4}" sibTransId="{10A6D3B1-A321-4188-9301-C2DD87A552AA}"/>
+    <dgm:cxn modelId="{F8574226-3491-408C-9257-CDD951800361}" srcId="{7D524853-1614-4EEA-B5CE-55DB518F95AF}" destId="{D7C92F9C-746D-408C-A96D-B52919DFA119}" srcOrd="3" destOrd="0" parTransId="{E27CBEE7-0535-4241-8A50-FDF9915E9A45}" sibTransId="{BC5EC0E3-3D4F-47D0-9C42-87529347CE10}"/>
+    <dgm:cxn modelId="{3922472A-9293-4652-A293-65F0F5E7272E}" srcId="{0584D85D-7730-426D-A5C4-68D6E762582F}" destId="{67157CE4-066F-49A5-B9D8-610F79E15ACB}" srcOrd="2" destOrd="0" parTransId="{D7371C19-9B4A-4DDF-8FDA-0388679E8F87}" sibTransId="{648BE58E-2D54-4013-A2AE-9B72E8E22DA7}"/>
+    <dgm:cxn modelId="{10880E2C-D91C-45CC-A112-151262E4B2FF}" srcId="{74325B70-3195-4E1D-9113-B37C24DEC5EA}" destId="{052970A3-FCA2-4D39-8C2D-5A980594F9AC}" srcOrd="0" destOrd="0" parTransId="{07838844-DC68-40C7-AD2D-5FED07142DF5}" sibTransId="{279471C4-35C6-4B93-B5E8-02D5C17E3181}"/>
+    <dgm:cxn modelId="{FAE7E639-2BA9-407D-AAFD-33291D301523}" type="presOf" srcId="{EA17F625-1615-4C82-AF99-0779B0715941}" destId="{F73D443F-A3C2-4EC1-B511-D679A25E422B}" srcOrd="0" destOrd="0" presId="urn:microsoft.com/office/officeart/2005/8/layout/default"/>
+    <dgm:cxn modelId="{01052C3E-58A1-4348-8230-30FAC1189E5B}" type="presOf" srcId="{9217015D-6437-45C8-B5FF-F97389A33718}" destId="{6F98CF4E-AA48-4B94-9CFE-AB3FC9D91DA0}" srcOrd="0" destOrd="3" presId="urn:microsoft.com/office/officeart/2005/8/layout/default"/>
+    <dgm:cxn modelId="{CE1D865F-AED7-4F5B-88A2-5F30E791F6FD}" srcId="{F30052BF-0F59-405D-98F4-5F91C82F2E24}" destId="{B44FDDD3-0B13-41CE-B4B3-18429B03DFD2}" srcOrd="5" destOrd="0" parTransId="{878484B4-2F43-40F9-8117-EC379F9361E1}" sibTransId="{D18F17C3-84B7-4960-963B-324E705E07EF}"/>
+    <dgm:cxn modelId="{2BE06443-F5B9-416B-B6FD-5FCCEA1346A8}" srcId="{7D524853-1614-4EEA-B5CE-55DB518F95AF}" destId="{886C6E95-3425-410C-B29D-9875AE98C8CE}" srcOrd="1" destOrd="0" parTransId="{D7DCE605-6738-47CD-AE49-53B182E7759F}" sibTransId="{5C6AE5AF-ABA9-4173-A337-E79B934B6189}"/>
+    <dgm:cxn modelId="{79592B44-6DD9-44C3-9ECD-25C127392FCE}" type="presOf" srcId="{B176A3FE-528D-4D61-B564-532E823DF6BB}" destId="{72CA5018-0E0F-409F-BF6F-5F8BB2BC2868}" srcOrd="0" destOrd="1" presId="urn:microsoft.com/office/officeart/2005/8/layout/default"/>
+    <dgm:cxn modelId="{A6DA3765-190B-4AF5-8D8F-9473B3757DE7}" type="presOf" srcId="{6823C1DB-C25F-4B1C-8007-0E701CECF5DC}" destId="{6F98CF4E-AA48-4B94-9CFE-AB3FC9D91DA0}" srcOrd="0" destOrd="1" presId="urn:microsoft.com/office/officeart/2005/8/layout/default"/>
+    <dgm:cxn modelId="{B6050C46-4DEB-4B4E-AFDE-A14E3175DC94}" type="presOf" srcId="{D359690F-CED9-4C1D-9398-24EA560EA22C}" destId="{F73D443F-A3C2-4EC1-B511-D679A25E422B}" srcOrd="0" destOrd="1" presId="urn:microsoft.com/office/officeart/2005/8/layout/default"/>
+    <dgm:cxn modelId="{5935C466-CC49-4A94-83A2-EBBF0276EAE9}" srcId="{EA17F625-1615-4C82-AF99-0779B0715941}" destId="{CCE4D37E-BA51-489A-ACB8-563013630FC7}" srcOrd="1" destOrd="0" parTransId="{81F189AC-E0BB-4BC2-9AB9-DF0179D064CF}" sibTransId="{3B61FFB4-E7A1-4264-A47D-598192CE1A48}"/>
+    <dgm:cxn modelId="{8AEF7E47-29AE-4349-8A1E-5CF60A291871}" type="presOf" srcId="{052970A3-FCA2-4D39-8C2D-5A980594F9AC}" destId="{3586E1C1-6DC8-4E85-8DDF-1DD7486074FA}" srcOrd="0" destOrd="1" presId="urn:microsoft.com/office/officeart/2005/8/layout/default"/>
+    <dgm:cxn modelId="{4A11BE67-EC77-4B00-AA9D-1E770D43B570}" type="presOf" srcId="{E127967C-92D8-468E-BE83-943EA912FDBA}" destId="{97D9F168-A75C-47BC-ACF0-5A845B8D6DC0}" srcOrd="0" destOrd="3" presId="urn:microsoft.com/office/officeart/2005/8/layout/default"/>
+    <dgm:cxn modelId="{92DA0068-D633-4040-AFB6-B42431ED0842}" srcId="{CF7B5E39-927B-4309-BED4-22910BEF0265}" destId="{9217015D-6437-45C8-B5FF-F97389A33718}" srcOrd="2" destOrd="0" parTransId="{ACD0DE4C-5F78-45AC-895D-5FF57672192A}" sibTransId="{FBB38479-3DBE-4500-8ECF-BC09FE69B566}"/>
+    <dgm:cxn modelId="{28342068-5EB9-4A00-BF67-811FDCFAE1AE}" type="presOf" srcId="{D42A931D-F683-433C-8355-16137CCB7002}" destId="{378453CC-F8F3-4396-B854-7AFC3C5EA6E5}" srcOrd="0" destOrd="0" presId="urn:microsoft.com/office/officeart/2005/8/layout/default"/>
+    <dgm:cxn modelId="{09F5B368-8D6D-4C37-BF61-E788260CCF57}" type="presOf" srcId="{7D524853-1614-4EEA-B5CE-55DB518F95AF}" destId="{97D9F168-A75C-47BC-ACF0-5A845B8D6DC0}" srcOrd="0" destOrd="0" presId="urn:microsoft.com/office/officeart/2005/8/layout/default"/>
+    <dgm:cxn modelId="{9BB27249-1C97-4DA7-B8E9-F3F5817396A6}" srcId="{55B4A006-4C2A-480A-8CE3-4577E484865D}" destId="{A8D31BE5-24C9-4111-9F28-E9E51CBCC484}" srcOrd="1" destOrd="0" parTransId="{5352D5E8-E18F-42EE-B7F1-30FB5053A103}" sibTransId="{DF5CC70E-C573-4E8D-A2AA-0992F1E0648D}"/>
+    <dgm:cxn modelId="{4FFD6D50-FCA7-4870-B943-E38F1CA0507A}" type="presOf" srcId="{9B4C638E-D2EF-47A4-AF9B-CCE0FA918104}" destId="{EE671701-410F-475A-87FC-29136C5EA5BD}" srcOrd="0" destOrd="4" presId="urn:microsoft.com/office/officeart/2005/8/layout/default"/>
+    <dgm:cxn modelId="{74461752-D682-4E61-B91F-161E19B62557}" srcId="{A8D31BE5-24C9-4111-9F28-E9E51CBCC484}" destId="{9B4C638E-D2EF-47A4-AF9B-CCE0FA918104}" srcOrd="3" destOrd="0" parTransId="{A4CBB504-3F3D-45EC-8713-6973F5CE028E}" sibTransId="{1B90681F-34E4-4F72-85B0-2AC53C43BCBD}"/>
+    <dgm:cxn modelId="{8B51B872-BD8A-4024-A362-E49C066BE9E7}" type="presOf" srcId="{74325B70-3195-4E1D-9113-B37C24DEC5EA}" destId="{3586E1C1-6DC8-4E85-8DDF-1DD7486074FA}" srcOrd="0" destOrd="0" presId="urn:microsoft.com/office/officeart/2005/8/layout/default"/>
+    <dgm:cxn modelId="{8828B554-4114-4B7F-A1EB-17AD03D6AF25}" type="presOf" srcId="{C240B9C4-86F7-4381-8844-E261EDE0930F}" destId="{EE671701-410F-475A-87FC-29136C5EA5BD}" srcOrd="0" destOrd="3" presId="urn:microsoft.com/office/officeart/2005/8/layout/default"/>
+    <dgm:cxn modelId="{54B9CB54-B89D-432D-9C18-82D79D1D14BE}" srcId="{55B4A006-4C2A-480A-8CE3-4577E484865D}" destId="{7D524853-1614-4EEA-B5CE-55DB518F95AF}" srcOrd="8" destOrd="0" parTransId="{5E7C84E5-CE72-4810-8F18-70072E06BF20}" sibTransId="{7AA23426-017E-429D-9107-3A691256D1D2}"/>
+    <dgm:cxn modelId="{748EB355-7E60-4FB3-8883-38934D66FDCD}" type="presOf" srcId="{3CE7DAA2-DEAA-4473-A646-E0489D9467E2}" destId="{3586E1C1-6DC8-4E85-8DDF-1DD7486074FA}" srcOrd="0" destOrd="3" presId="urn:microsoft.com/office/officeart/2005/8/layout/default"/>
+    <dgm:cxn modelId="{87DB3B76-1693-48C4-A1BF-3678CDF6B0B0}" srcId="{A8D31BE5-24C9-4111-9F28-E9E51CBCC484}" destId="{EBDC73DD-4585-43D3-8FE0-7DB0E58B6771}" srcOrd="4" destOrd="0" parTransId="{1E7C17E5-01A3-49C1-9ABD-168EBEEE3870}" sibTransId="{55FCB4A6-30B0-43CE-B2BF-A9244FFDC9CE}"/>
+    <dgm:cxn modelId="{488B9177-ED0C-4543-87B4-24419B3A7A38}" type="presOf" srcId="{A8D31BE5-24C9-4111-9F28-E9E51CBCC484}" destId="{EE671701-410F-475A-87FC-29136C5EA5BD}" srcOrd="0" destOrd="0" presId="urn:microsoft.com/office/officeart/2005/8/layout/default"/>
+    <dgm:cxn modelId="{9523867E-0ABB-4162-8455-B1B6AB424DDB}" srcId="{0584D85D-7730-426D-A5C4-68D6E762582F}" destId="{5056ABFD-8E94-433B-B3A5-7556F3F29AD7}" srcOrd="0" destOrd="0" parTransId="{07A05609-36B6-4962-A43F-2B7A285EB7B3}" sibTransId="{71A5BA34-703F-46BF-A16B-220B15DC2923}"/>
+    <dgm:cxn modelId="{D964D982-8AE8-43E3-B1C5-C95386F0DB30}" type="presOf" srcId="{CF7B5E39-927B-4309-BED4-22910BEF0265}" destId="{6F98CF4E-AA48-4B94-9CFE-AB3FC9D91DA0}" srcOrd="0" destOrd="0" presId="urn:microsoft.com/office/officeart/2005/8/layout/default"/>
+    <dgm:cxn modelId="{4DBCBB85-5B73-4A14-B5C6-0E83D72AA939}" srcId="{55B4A006-4C2A-480A-8CE3-4577E484865D}" destId="{74325B70-3195-4E1D-9113-B37C24DEC5EA}" srcOrd="5" destOrd="0" parTransId="{4703E23A-47C4-43AF-B280-CDBB9D9BB945}" sibTransId="{1E7AA9E7-0B36-41E8-83BF-9269936EDA75}"/>
+    <dgm:cxn modelId="{0341CD87-D867-4A9E-AEC1-E96EBBA651BA}" type="presOf" srcId="{9676F036-C5A3-4337-AE0E-4F155754B90E}" destId="{72CA5018-0E0F-409F-BF6F-5F8BB2BC2868}" srcOrd="0" destOrd="5" presId="urn:microsoft.com/office/officeart/2005/8/layout/default"/>
+    <dgm:cxn modelId="{AB11908D-4F30-4078-984F-A14D78D43069}" srcId="{7D524853-1614-4EEA-B5CE-55DB518F95AF}" destId="{E127967C-92D8-468E-BE83-943EA912FDBA}" srcOrd="2" destOrd="0" parTransId="{0D8FF88D-EBC0-41CD-9CF4-BA92B22FC9B1}" sibTransId="{F9452C9B-262E-437E-BFE5-78493BD06686}"/>
+    <dgm:cxn modelId="{15956892-6600-4AA1-9560-12467C6CBCED}" type="presOf" srcId="{EBDC73DD-4585-43D3-8FE0-7DB0E58B6771}" destId="{EE671701-410F-475A-87FC-29136C5EA5BD}" srcOrd="0" destOrd="5" presId="urn:microsoft.com/office/officeart/2005/8/layout/default"/>
+    <dgm:cxn modelId="{AAC5A492-C32A-40B0-B9FB-E33128101672}" srcId="{EA17F625-1615-4C82-AF99-0779B0715941}" destId="{D359690F-CED9-4C1D-9398-24EA560EA22C}" srcOrd="0" destOrd="0" parTransId="{BB7F41D3-327B-4BDF-AAE2-105FF08F7BE0}" sibTransId="{E0F46910-2035-4CE1-991B-05A7F1626FDC}"/>
+    <dgm:cxn modelId="{FD735B93-98DC-47CE-BA74-6CF0F3BAF978}" srcId="{55B4A006-4C2A-480A-8CE3-4577E484865D}" destId="{F30052BF-0F59-405D-98F4-5F91C82F2E24}" srcOrd="3" destOrd="0" parTransId="{418618CA-43C6-46C4-B59C-E0DB7CF93FE7}" sibTransId="{FF0D7328-3673-4020-98E6-BFE673DBBDB2}"/>
+    <dgm:cxn modelId="{9A4C9A96-E8C8-4100-9931-030CA2379835}" srcId="{74325B70-3195-4E1D-9113-B37C24DEC5EA}" destId="{E1F06420-A5E9-4846-A412-B78F250448D1}" srcOrd="4" destOrd="0" parTransId="{E34624F5-A8D3-4D60-BB24-6C084D77C09E}" sibTransId="{38E434CA-1F6C-4BBA-AEC7-30FDF560A9AA}"/>
+    <dgm:cxn modelId="{A39AD799-A88D-495B-B771-5A369B273452}" srcId="{74325B70-3195-4E1D-9113-B37C24DEC5EA}" destId="{D58DE89D-D371-4B71-9480-E2CCEF9F5521}" srcOrd="3" destOrd="0" parTransId="{591B21E8-39C4-4374-B84D-2DC3BFA1F21E}" sibTransId="{8E68AF11-4372-4A5E-98EC-0409ED1F5DCE}"/>
+    <dgm:cxn modelId="{F00DEE99-8D73-4994-A75F-9CBFA57817DC}" type="presOf" srcId="{B3302CAE-BAC5-4EFF-B5C2-1C9681DB92D8}" destId="{EE671701-410F-475A-87FC-29136C5EA5BD}" srcOrd="0" destOrd="2" presId="urn:microsoft.com/office/officeart/2005/8/layout/default"/>
+    <dgm:cxn modelId="{877AE59A-39D2-4006-B367-A6622405C970}" type="presOf" srcId="{886C6E95-3425-410C-B29D-9875AE98C8CE}" destId="{97D9F168-A75C-47BC-ACF0-5A845B8D6DC0}" srcOrd="0" destOrd="2" presId="urn:microsoft.com/office/officeart/2005/8/layout/default"/>
+    <dgm:cxn modelId="{9684F69A-BE44-4F3F-ACD3-D76A62D0C232}" srcId="{F30052BF-0F59-405D-98F4-5F91C82F2E24}" destId="{05D7593C-9B96-4F23-ACF4-93327180E0F5}" srcOrd="1" destOrd="0" parTransId="{8186917C-D897-495B-B801-361CBA0DA983}" sibTransId="{09EA911F-84F7-49A6-A1AA-B51435588DFC}"/>
+    <dgm:cxn modelId="{5052309C-A8EB-4DF3-ADF1-6DAD359720E9}" srcId="{55B4A006-4C2A-480A-8CE3-4577E484865D}" destId="{CF7B5E39-927B-4309-BED4-22910BEF0265}" srcOrd="6" destOrd="0" parTransId="{DE713A6C-87DA-4FB8-9A9F-A782B852CF4F}" sibTransId="{C968EAAF-B770-4D74-9F3A-3F2311785A6A}"/>
+    <dgm:cxn modelId="{B507EB9D-706F-4045-AA98-1A2C51E86F8A}" type="presOf" srcId="{32B3E7DB-2167-4B35-A38B-450E3571DDAE}" destId="{72CA5018-0E0F-409F-BF6F-5F8BB2BC2868}" srcOrd="0" destOrd="4" presId="urn:microsoft.com/office/officeart/2005/8/layout/default"/>
+    <dgm:cxn modelId="{A710B0A0-2505-48A7-A97C-F9FB7253CCFB}" type="presOf" srcId="{E2476EB4-B905-49B8-9BA4-6369A1A00D55}" destId="{3586E1C1-6DC8-4E85-8DDF-1DD7486074FA}" srcOrd="0" destOrd="2" presId="urn:microsoft.com/office/officeart/2005/8/layout/default"/>
+    <dgm:cxn modelId="{B37B05A2-77BA-45E3-AA09-5D7C1A7A62A6}" srcId="{F30052BF-0F59-405D-98F4-5F91C82F2E24}" destId="{9676F036-C5A3-4337-AE0E-4F155754B90E}" srcOrd="4" destOrd="0" parTransId="{C74DF5CD-ABA4-4527-809B-6F8B1351128C}" sibTransId="{9007F59B-51FE-4DB9-B569-F8ED49A22A1B}"/>
+    <dgm:cxn modelId="{15A3D5A5-2457-456B-A04E-2231EECE36EA}" srcId="{F30052BF-0F59-405D-98F4-5F91C82F2E24}" destId="{32B3E7DB-2167-4B35-A38B-450E3571DDAE}" srcOrd="3" destOrd="0" parTransId="{516DCB3C-CEDF-4629-B0AD-082A76BA3D00}" sibTransId="{86FC08C2-3CE8-4143-A910-2EB1F2CE1EB4}"/>
+    <dgm:cxn modelId="{E51647A6-6AC3-4CF8-8C11-D1BC5C59E0EE}" srcId="{55B4A006-4C2A-480A-8CE3-4577E484865D}" destId="{BAD57C23-0925-4F72-ACFF-8EA24CB45592}" srcOrd="7" destOrd="0" parTransId="{111223DD-3AA3-45B2-A7C4-3C5C08B35B37}" sibTransId="{15752F54-F0BF-4C45-B541-4B6226C85E5A}"/>
+    <dgm:cxn modelId="{122794AA-C896-4E1C-854A-A6F20FF00FC2}" type="presOf" srcId="{5056ABFD-8E94-433B-B3A5-7556F3F29AD7}" destId="{1CFA8E14-865F-4549-8B09-4C44677B50D3}" srcOrd="0" destOrd="1" presId="urn:microsoft.com/office/officeart/2005/8/layout/default"/>
+    <dgm:cxn modelId="{63210FAE-2341-4D7B-B74A-217BB344AE09}" type="presOf" srcId="{F30052BF-0F59-405D-98F4-5F91C82F2E24}" destId="{72CA5018-0E0F-409F-BF6F-5F8BB2BC2868}" srcOrd="0" destOrd="0" presId="urn:microsoft.com/office/officeart/2005/8/layout/default"/>
+    <dgm:cxn modelId="{5BFC7CB2-7A5A-4939-9095-6C30CD07EAC9}" srcId="{CF7B5E39-927B-4309-BED4-22910BEF0265}" destId="{3B34761D-955A-43CF-8EBF-5B4B9BFCFB68}" srcOrd="1" destOrd="0" parTransId="{92E5CACC-BD51-4BBE-9C59-1F7D240BC542}" sibTransId="{2A9AAA0A-778F-48D9-8E20-FDB062ABDBBB}"/>
+    <dgm:cxn modelId="{BB9FBCB5-92D5-4536-9B2A-9D2406D7148A}" type="presOf" srcId="{831FE1B4-DF33-420A-A5F2-2EA9E8E40952}" destId="{EE671701-410F-475A-87FC-29136C5EA5BD}" srcOrd="0" destOrd="1" presId="urn:microsoft.com/office/officeart/2005/8/layout/default"/>
+    <dgm:cxn modelId="{90D8BAB6-3EF8-4FD3-B5EC-8B69A10E22D2}" type="presOf" srcId="{67157CE4-066F-49A5-B9D8-610F79E15ACB}" destId="{1CFA8E14-865F-4549-8B09-4C44677B50D3}" srcOrd="0" destOrd="3" presId="urn:microsoft.com/office/officeart/2005/8/layout/default"/>
+    <dgm:cxn modelId="{A5E13AB7-CD2E-4CAC-880F-CC3FF8AB07E8}" type="presOf" srcId="{05D7593C-9B96-4F23-ACF4-93327180E0F5}" destId="{72CA5018-0E0F-409F-BF6F-5F8BB2BC2868}" srcOrd="0" destOrd="2" presId="urn:microsoft.com/office/officeart/2005/8/layout/default"/>
+    <dgm:cxn modelId="{CC6B4FBC-F1D0-46A3-B556-1D575143ECA2}" srcId="{A8D31BE5-24C9-4111-9F28-E9E51CBCC484}" destId="{831FE1B4-DF33-420A-A5F2-2EA9E8E40952}" srcOrd="0" destOrd="0" parTransId="{6917DEE1-53FE-40C8-B11A-5621122C96FE}" sibTransId="{E68ACFD5-CB82-4C83-BC31-4E8923BF62C1}"/>
+    <dgm:cxn modelId="{543553BE-2004-4612-84FD-8262CB0C872B}" type="presOf" srcId="{B44FDDD3-0B13-41CE-B4B3-18429B03DFD2}" destId="{72CA5018-0E0F-409F-BF6F-5F8BB2BC2868}" srcOrd="0" destOrd="6" presId="urn:microsoft.com/office/officeart/2005/8/layout/default"/>
+    <dgm:cxn modelId="{58DD37C3-F04A-4953-B134-7854EED35105}" srcId="{7D524853-1614-4EEA-B5CE-55DB518F95AF}" destId="{DB0F644B-B895-44A6-8CF9-40B3B719B750}" srcOrd="0" destOrd="0" parTransId="{8745628B-A31A-434A-85E7-B192F9E5D521}" sibTransId="{B29993A0-E786-4ACD-90FE-7E42E1299E28}"/>
+    <dgm:cxn modelId="{45B32CD5-8824-4478-903D-F92F24298ECC}" srcId="{55B4A006-4C2A-480A-8CE3-4577E484865D}" destId="{EA17F625-1615-4C82-AF99-0779B0715941}" srcOrd="4" destOrd="0" parTransId="{4733B4C3-6319-42EB-A665-F74958EE085F}" sibTransId="{163CF47D-818C-4FB2-8641-F5B0248F824E}"/>
+    <dgm:cxn modelId="{98871FDB-3FAE-4771-ABB3-501512AC6A07}" srcId="{A8D31BE5-24C9-4111-9F28-E9E51CBCC484}" destId="{C240B9C4-86F7-4381-8844-E261EDE0930F}" srcOrd="2" destOrd="0" parTransId="{E7140E08-EA85-455A-8312-14E85207093C}" sibTransId="{24FAF472-4B14-491D-AE1C-AEE0150800C9}"/>
+    <dgm:cxn modelId="{343E24E2-6F9E-4CA5-850D-229C2F3B4061}" type="presOf" srcId="{BAD57C23-0925-4F72-ACFF-8EA24CB45592}" destId="{86261968-46EF-40AD-AD3C-C6300E2397D6}" srcOrd="0" destOrd="0" presId="urn:microsoft.com/office/officeart/2005/8/layout/default"/>
+    <dgm:cxn modelId="{2656A2E5-93E7-47A5-A2E5-016A39B52382}" type="presOf" srcId="{3B34761D-955A-43CF-8EBF-5B4B9BFCFB68}" destId="{6F98CF4E-AA48-4B94-9CFE-AB3FC9D91DA0}" srcOrd="0" destOrd="2" presId="urn:microsoft.com/office/officeart/2005/8/layout/default"/>
+    <dgm:cxn modelId="{059ABBE8-4009-438F-91CB-F7C54B827556}" type="presOf" srcId="{DB0F644B-B895-44A6-8CF9-40B3B719B750}" destId="{97D9F168-A75C-47BC-ACF0-5A845B8D6DC0}" srcOrd="0" destOrd="1" presId="urn:microsoft.com/office/officeart/2005/8/layout/default"/>
+    <dgm:cxn modelId="{7D77A8EB-B49B-4A2C-90D0-F6DE1D4A44F8}" type="presOf" srcId="{55B4A006-4C2A-480A-8CE3-4577E484865D}" destId="{5C56A649-1C96-4903-B553-BA06C245F19A}" srcOrd="0" destOrd="0" presId="urn:microsoft.com/office/officeart/2005/8/layout/default"/>
+    <dgm:cxn modelId="{FCC4CEED-5E2E-46DD-9FC3-22F8C8929760}" type="presOf" srcId="{D7C92F9C-746D-408C-A96D-B52919DFA119}" destId="{97D9F168-A75C-47BC-ACF0-5A845B8D6DC0}" srcOrd="0" destOrd="4" presId="urn:microsoft.com/office/officeart/2005/8/layout/default"/>
+    <dgm:cxn modelId="{ED607BF1-89CE-42DE-91CF-78131FA61225}" srcId="{55B4A006-4C2A-480A-8CE3-4577E484865D}" destId="{D42A931D-F683-433C-8355-16137CCB7002}" srcOrd="0" destOrd="0" parTransId="{AE51CB83-B8B0-4410-91B6-D72074CE2D98}" sibTransId="{D59E9F43-F9D8-45BE-9417-A52E2CFB1E50}"/>
+    <dgm:cxn modelId="{66385BF3-D5C2-4941-ABDF-1ED94A044DDA}" srcId="{A8D31BE5-24C9-4111-9F28-E9E51CBCC484}" destId="{B3302CAE-BAC5-4EFF-B5C2-1C9681DB92D8}" srcOrd="1" destOrd="0" parTransId="{A13E181A-112C-4AC9-A924-A17ACA0BD51E}" sibTransId="{82F61747-B580-45D1-B1BD-2DA147EE6FFB}"/>
+    <dgm:cxn modelId="{ACE187FD-3C39-4881-B87F-A12BC149DC87}" type="presOf" srcId="{E1F06420-A5E9-4846-A412-B78F250448D1}" destId="{3586E1C1-6DC8-4E85-8DDF-1DD7486074FA}" srcOrd="0" destOrd="5" presId="urn:microsoft.com/office/officeart/2005/8/layout/default"/>
+    <dgm:cxn modelId="{7219C830-7765-4C7F-B02C-9198E3E827D6}" type="presParOf" srcId="{5C56A649-1C96-4903-B553-BA06C245F19A}" destId="{378453CC-F8F3-4396-B854-7AFC3C5EA6E5}" srcOrd="0" destOrd="0" presId="urn:microsoft.com/office/officeart/2005/8/layout/default"/>
+    <dgm:cxn modelId="{078E56BF-5C4E-4C3E-8849-5D66C3B88312}" type="presParOf" srcId="{5C56A649-1C96-4903-B553-BA06C245F19A}" destId="{69A96E05-35A4-420D-8D7C-729F3E674003}" srcOrd="1" destOrd="0" presId="urn:microsoft.com/office/officeart/2005/8/layout/default"/>
+    <dgm:cxn modelId="{ED0B8076-1589-460E-87FC-E4A59304A365}" type="presParOf" srcId="{5C56A649-1C96-4903-B553-BA06C245F19A}" destId="{EE671701-410F-475A-87FC-29136C5EA5BD}" srcOrd="2" destOrd="0" presId="urn:microsoft.com/office/officeart/2005/8/layout/default"/>
+    <dgm:cxn modelId="{3AF7B9C2-7DFC-4185-97F0-8A154A6E1B0E}" type="presParOf" srcId="{5C56A649-1C96-4903-B553-BA06C245F19A}" destId="{5960D171-AB12-46CE-8700-307C009405DB}" srcOrd="3" destOrd="0" presId="urn:microsoft.com/office/officeart/2005/8/layout/default"/>
+    <dgm:cxn modelId="{B0CD8F47-2B7E-48E4-BFD0-50B2AC268862}" type="presParOf" srcId="{5C56A649-1C96-4903-B553-BA06C245F19A}" destId="{1CFA8E14-865F-4549-8B09-4C44677B50D3}" srcOrd="4" destOrd="0" presId="urn:microsoft.com/office/officeart/2005/8/layout/default"/>
+    <dgm:cxn modelId="{92C7CF76-C731-4B87-9666-7C2D81C90E76}" type="presParOf" srcId="{5C56A649-1C96-4903-B553-BA06C245F19A}" destId="{63408817-4676-4B1D-B555-408B1C5C5129}" srcOrd="5" destOrd="0" presId="urn:microsoft.com/office/officeart/2005/8/layout/default"/>
+    <dgm:cxn modelId="{A35A238D-A9AF-4B02-A924-F0FF010B169E}" type="presParOf" srcId="{5C56A649-1C96-4903-B553-BA06C245F19A}" destId="{72CA5018-0E0F-409F-BF6F-5F8BB2BC2868}" srcOrd="6" destOrd="0" presId="urn:microsoft.com/office/officeart/2005/8/layout/default"/>
+    <dgm:cxn modelId="{792AC364-677E-4E1D-983A-0712E15802A4}" type="presParOf" srcId="{5C56A649-1C96-4903-B553-BA06C245F19A}" destId="{BC42CB55-E063-48C3-8287-C47E26210436}" srcOrd="7" destOrd="0" presId="urn:microsoft.com/office/officeart/2005/8/layout/default"/>
+    <dgm:cxn modelId="{47FA7146-6E52-4E53-BFA6-C26C302E28B5}" type="presParOf" srcId="{5C56A649-1C96-4903-B553-BA06C245F19A}" destId="{F73D443F-A3C2-4EC1-B511-D679A25E422B}" srcOrd="8" destOrd="0" presId="urn:microsoft.com/office/officeart/2005/8/layout/default"/>
+    <dgm:cxn modelId="{CC2F1FF4-AD26-4786-BD3C-34DA7CACA65B}" type="presParOf" srcId="{5C56A649-1C96-4903-B553-BA06C245F19A}" destId="{86A7B678-E12E-4175-B338-333578FA1CD3}" srcOrd="9" destOrd="0" presId="urn:microsoft.com/office/officeart/2005/8/layout/default"/>
+    <dgm:cxn modelId="{EBCDD2CC-9C12-4ADB-BFE3-5190C6EDBAEE}" type="presParOf" srcId="{5C56A649-1C96-4903-B553-BA06C245F19A}" destId="{3586E1C1-6DC8-4E85-8DDF-1DD7486074FA}" srcOrd="10" destOrd="0" presId="urn:microsoft.com/office/officeart/2005/8/layout/default"/>
+    <dgm:cxn modelId="{A392EF8A-8467-4A1B-AA94-0F93F65CD2CB}" type="presParOf" srcId="{5C56A649-1C96-4903-B553-BA06C245F19A}" destId="{D9CB99CC-C1B5-4036-A3DD-AFD10DCA05F7}" srcOrd="11" destOrd="0" presId="urn:microsoft.com/office/officeart/2005/8/layout/default"/>
+    <dgm:cxn modelId="{B39C3D57-A62E-41D6-AB80-6488D94D3050}" type="presParOf" srcId="{5C56A649-1C96-4903-B553-BA06C245F19A}" destId="{6F98CF4E-AA48-4B94-9CFE-AB3FC9D91DA0}" srcOrd="12" destOrd="0" presId="urn:microsoft.com/office/officeart/2005/8/layout/default"/>
+    <dgm:cxn modelId="{B07B0C74-EFC0-4D98-9D8B-B6329E09A4F8}" type="presParOf" srcId="{5C56A649-1C96-4903-B553-BA06C245F19A}" destId="{D8C856C4-2A41-4C58-8273-B031B3AAF9A5}" srcOrd="13" destOrd="0" presId="urn:microsoft.com/office/officeart/2005/8/layout/default"/>
+    <dgm:cxn modelId="{CFFDA7E9-DDA9-4BCA-9CC3-7B9463B50F8D}" type="presParOf" srcId="{5C56A649-1C96-4903-B553-BA06C245F19A}" destId="{86261968-46EF-40AD-AD3C-C6300E2397D6}" srcOrd="14" destOrd="0" presId="urn:microsoft.com/office/officeart/2005/8/layout/default"/>
+    <dgm:cxn modelId="{7B7C9A2E-4F22-42F4-8098-25E1A3560034}" type="presParOf" srcId="{5C56A649-1C96-4903-B553-BA06C245F19A}" destId="{BBA3C4CC-2880-41BB-A322-004BD62F874D}" srcOrd="15" destOrd="0" presId="urn:microsoft.com/office/officeart/2005/8/layout/default"/>
+    <dgm:cxn modelId="{C28AB3B9-0541-4ADC-9021-281EF4301CE8}" type="presParOf" srcId="{5C56A649-1C96-4903-B553-BA06C245F19A}" destId="{97D9F168-A75C-47BC-ACF0-5A845B8D6DC0}" srcOrd="16" destOrd="0" presId="urn:microsoft.com/office/officeart/2005/8/layout/default"/>
+  </dgm:cxnLst>
+  <dgm:bg/>
+  <dgm:whole/>
+  <dgm:extLst>
+    <a:ext uri="http://schemas.microsoft.com/office/drawing/2008/diagram">
+      <dsp:dataModelExt xmlns:dsp="http://schemas.microsoft.com/office/drawing/2008/diagram" relId="rId7" minVer="http://schemas.openxmlformats.org/drawingml/2006/diagram"/>
+    </a:ext>
+    <a:ext uri="{C62137D5-CB1D-491B-B009-E17868A290BF}">
+      <dgm14:recolorImg xmlns:dgm14="http://schemas.microsoft.com/office/drawing/2010/diagram" val="1"/>
+    </a:ext>
+  </dgm:extLst>
+</dgm:dataModel>
+</file>
+
+<file path=ppt/diagrams/drawing1.xml><?xml version="1.0" encoding="utf-8"?>
+<dsp:drawing xmlns:dgm="http://schemas.openxmlformats.org/drawingml/2006/diagram" xmlns:dsp="http://schemas.microsoft.com/office/drawing/2008/diagram" xmlns:a="http://schemas.openxmlformats.org/drawingml/2006/main">
+  <dsp:spTree>
+    <dsp:nvGrpSpPr>
+      <dsp:cNvPr id="0" name=""/>
+      <dsp:cNvGrpSpPr/>
+    </dsp:nvGrpSpPr>
+    <dsp:grpSpPr/>
+    <dsp:sp modelId="{378453CC-F8F3-4396-B854-7AFC3C5EA6E5}">
+      <dsp:nvSpPr>
+        <dsp:cNvPr id="0" name=""/>
+        <dsp:cNvSpPr/>
+      </dsp:nvSpPr>
+      <dsp:spPr>
+        <a:xfrm>
+          <a:off x="3696" y="216958"/>
+          <a:ext cx="2492374" cy="1495425"/>
+        </a:xfrm>
+        <a:prstGeom prst="rect">
+          <a:avLst/>
+        </a:prstGeom>
+        <a:solidFill>
+          <a:schemeClr val="lt1">
+            <a:hueOff val="0"/>
+            <a:satOff val="0"/>
+            <a:lumOff val="0"/>
+            <a:alpha val="67000"/>
+          </a:schemeClr>
+        </a:solidFill>
+        <a:ln w="12700" cap="flat" cmpd="sng" algn="ctr">
+          <a:solidFill>
+            <a:schemeClr val="accent2">
+              <a:shade val="80000"/>
+              <a:hueOff val="0"/>
+              <a:satOff val="0"/>
+              <a:lumOff val="0"/>
+              <a:alphaOff val="0"/>
+            </a:schemeClr>
+          </a:solidFill>
+          <a:prstDash val="solid"/>
+        </a:ln>
+        <a:effectLst/>
+      </dsp:spPr>
+      <dsp:style>
+        <a:lnRef idx="2">
+          <a:scrgbClr r="0" g="0" b="0"/>
+        </a:lnRef>
+        <a:fillRef idx="1">
+          <a:scrgbClr r="0" g="0" b="0"/>
+        </a:fillRef>
+        <a:effectRef idx="0">
+          <a:scrgbClr r="0" g="0" b="0"/>
+        </a:effectRef>
+        <a:fontRef idx="minor">
+          <a:schemeClr val="lt1"/>
+        </a:fontRef>
+      </dsp:style>
+      <dsp:txBody>
+        <a:bodyPr spcFirstLastPara="0" vert="horz" wrap="square" lIns="53340" tIns="53340" rIns="53340" bIns="53340" numCol="1" spcCol="1270" anchor="ctr" anchorCtr="0">
+          <a:noAutofit/>
+        </a:bodyPr>
+        <a:lstStyle/>
+        <a:p>
+          <a:pPr marL="0" lvl="0" indent="0" algn="ctr" defTabSz="622300">
+            <a:lnSpc>
+              <a:spcPct val="90000"/>
+            </a:lnSpc>
+            <a:spcBef>
+              <a:spcPct val="0"/>
+            </a:spcBef>
+            <a:spcAft>
+              <a:spcPct val="35000"/>
+            </a:spcAft>
+            <a:buNone/>
+          </a:pPr>
+          <a:r>
+            <a:rPr lang="en-CA" sz="1400" kern="1200" dirty="0"/>
+            <a:t>Accident Number</a:t>
+          </a:r>
+        </a:p>
+      </dsp:txBody>
+      <dsp:txXfrm>
+        <a:off x="3696" y="216958"/>
+        <a:ext cx="2492374" cy="1495425"/>
+      </dsp:txXfrm>
+    </dsp:sp>
+    <dsp:sp modelId="{EE671701-410F-475A-87FC-29136C5EA5BD}">
+      <dsp:nvSpPr>
+        <dsp:cNvPr id="0" name=""/>
+        <dsp:cNvSpPr/>
+      </dsp:nvSpPr>
+      <dsp:spPr>
+        <a:xfrm>
+          <a:off x="2745309" y="216958"/>
+          <a:ext cx="2637381" cy="1495425"/>
+        </a:xfrm>
+        <a:prstGeom prst="rect">
+          <a:avLst/>
+        </a:prstGeom>
+        <a:solidFill>
+          <a:schemeClr val="lt1">
+            <a:hueOff val="0"/>
+            <a:satOff val="0"/>
+            <a:lumOff val="0"/>
+            <a:alphaOff val="0"/>
+          </a:schemeClr>
+        </a:solidFill>
+        <a:ln w="12700" cap="flat" cmpd="sng" algn="ctr">
+          <a:solidFill>
+            <a:schemeClr val="accent2">
+              <a:shade val="80000"/>
+              <a:hueOff val="0"/>
+              <a:satOff val="0"/>
+              <a:lumOff val="0"/>
+              <a:alphaOff val="0"/>
+            </a:schemeClr>
+          </a:solidFill>
+          <a:prstDash val="solid"/>
+        </a:ln>
+        <a:effectLst/>
+      </dsp:spPr>
+      <dsp:style>
+        <a:lnRef idx="2">
+          <a:scrgbClr r="0" g="0" b="0"/>
+        </a:lnRef>
+        <a:fillRef idx="1">
+          <a:scrgbClr r="0" g="0" b="0"/>
+        </a:fillRef>
+        <a:effectRef idx="0">
+          <a:scrgbClr r="0" g="0" b="0"/>
+        </a:effectRef>
+        <a:fontRef idx="minor">
+          <a:schemeClr val="lt1"/>
+        </a:fontRef>
+      </dsp:style>
+      <dsp:txBody>
+        <a:bodyPr spcFirstLastPara="0" vert="horz" wrap="square" lIns="53340" tIns="53340" rIns="53340" bIns="53340" numCol="1" spcCol="1270" anchor="t" anchorCtr="0">
+          <a:noAutofit/>
+        </a:bodyPr>
+        <a:lstStyle/>
+        <a:p>
+          <a:pPr marL="0" lvl="0" indent="0" algn="l" defTabSz="622300">
+            <a:lnSpc>
+              <a:spcPct val="90000"/>
+            </a:lnSpc>
+            <a:spcBef>
+              <a:spcPct val="0"/>
+            </a:spcBef>
+            <a:spcAft>
+              <a:spcPct val="35000"/>
+            </a:spcAft>
+            <a:buNone/>
+          </a:pPr>
+          <a:r>
+            <a:rPr lang="en-CA" sz="1400" kern="1200" dirty="0"/>
+            <a:t>Road Class</a:t>
+          </a:r>
+        </a:p>
+        <a:p>
+          <a:pPr marL="57150" lvl="1" indent="-57150" algn="l" defTabSz="488950">
+            <a:lnSpc>
+              <a:spcPct val="90000"/>
+            </a:lnSpc>
+            <a:spcBef>
+              <a:spcPct val="0"/>
+            </a:spcBef>
+            <a:spcAft>
+              <a:spcPct val="15000"/>
+            </a:spcAft>
+            <a:buChar char="•"/>
+          </a:pPr>
+          <a:r>
+            <a:rPr lang="en-CA" sz="1100" kern="1200" dirty="0"/>
+            <a:t>Collector</a:t>
+          </a:r>
+        </a:p>
+        <a:p>
+          <a:pPr marL="57150" lvl="1" indent="-57150" algn="l" defTabSz="488950">
+            <a:lnSpc>
+              <a:spcPct val="90000"/>
+            </a:lnSpc>
+            <a:spcBef>
+              <a:spcPct val="0"/>
+            </a:spcBef>
+            <a:spcAft>
+              <a:spcPct val="15000"/>
+            </a:spcAft>
+            <a:buChar char="•"/>
+          </a:pPr>
+          <a:r>
+            <a:rPr lang="en-CA" sz="1100" kern="1200" dirty="0"/>
+            <a:t>Expressway and ramps</a:t>
+          </a:r>
+        </a:p>
+        <a:p>
+          <a:pPr marL="57150" lvl="1" indent="-57150" algn="l" defTabSz="488950">
+            <a:lnSpc>
+              <a:spcPct val="90000"/>
+            </a:lnSpc>
+            <a:spcBef>
+              <a:spcPct val="0"/>
+            </a:spcBef>
+            <a:spcAft>
+              <a:spcPct val="15000"/>
+            </a:spcAft>
+            <a:buChar char="•"/>
+          </a:pPr>
+          <a:r>
+            <a:rPr lang="en-CA" sz="1100" kern="1200" dirty="0"/>
+            <a:t>Lane</a:t>
+          </a:r>
+        </a:p>
+        <a:p>
+          <a:pPr marL="57150" lvl="1" indent="-57150" algn="l" defTabSz="488950">
+            <a:lnSpc>
+              <a:spcPct val="90000"/>
+            </a:lnSpc>
+            <a:spcBef>
+              <a:spcPct val="0"/>
+            </a:spcBef>
+            <a:spcAft>
+              <a:spcPct val="15000"/>
+            </a:spcAft>
+            <a:buChar char="•"/>
+          </a:pPr>
+          <a:r>
+            <a:rPr lang="en-CA" sz="1100" kern="1200" dirty="0"/>
+            <a:t>Local</a:t>
+          </a:r>
+        </a:p>
+        <a:p>
+          <a:pPr marL="57150" lvl="1" indent="-57150" algn="l" defTabSz="488950">
+            <a:lnSpc>
+              <a:spcPct val="90000"/>
+            </a:lnSpc>
+            <a:spcBef>
+              <a:spcPct val="0"/>
+            </a:spcBef>
+            <a:spcAft>
+              <a:spcPct val="15000"/>
+            </a:spcAft>
+            <a:buChar char="•"/>
+          </a:pPr>
+          <a:r>
+            <a:rPr lang="en-CA" sz="1100" kern="1200" dirty="0"/>
+            <a:t>Major + minor arterials with ramps</a:t>
+          </a:r>
+        </a:p>
+      </dsp:txBody>
+      <dsp:txXfrm>
+        <a:off x="2745309" y="216958"/>
+        <a:ext cx="2637381" cy="1495425"/>
+      </dsp:txXfrm>
+    </dsp:sp>
+    <dsp:sp modelId="{1CFA8E14-865F-4549-8B09-4C44677B50D3}">
+      <dsp:nvSpPr>
+        <dsp:cNvPr id="0" name=""/>
+        <dsp:cNvSpPr/>
+      </dsp:nvSpPr>
+      <dsp:spPr>
+        <a:xfrm>
+          <a:off x="5635625" y="247270"/>
+          <a:ext cx="2492374" cy="1495425"/>
+        </a:xfrm>
+        <a:prstGeom prst="rect">
+          <a:avLst/>
+        </a:prstGeom>
+        <a:solidFill>
+          <a:schemeClr val="lt1">
+            <a:hueOff val="0"/>
+            <a:satOff val="0"/>
+            <a:lumOff val="0"/>
+            <a:alphaOff val="0"/>
+          </a:schemeClr>
+        </a:solidFill>
+        <a:ln w="12700" cap="flat" cmpd="sng" algn="ctr">
+          <a:solidFill>
+            <a:schemeClr val="accent2">
+              <a:shade val="80000"/>
+              <a:hueOff val="0"/>
+              <a:satOff val="0"/>
+              <a:lumOff val="0"/>
+              <a:alphaOff val="0"/>
+            </a:schemeClr>
+          </a:solidFill>
+          <a:prstDash val="solid"/>
+        </a:ln>
+        <a:effectLst/>
+      </dsp:spPr>
+      <dsp:style>
+        <a:lnRef idx="2">
+          <a:scrgbClr r="0" g="0" b="0"/>
+        </a:lnRef>
+        <a:fillRef idx="1">
+          <a:scrgbClr r="0" g="0" b="0"/>
+        </a:fillRef>
+        <a:effectRef idx="0">
+          <a:scrgbClr r="0" g="0" b="0"/>
+        </a:effectRef>
+        <a:fontRef idx="minor">
+          <a:schemeClr val="lt1"/>
+        </a:fontRef>
+      </dsp:style>
+      <dsp:txBody>
+        <a:bodyPr spcFirstLastPara="0" vert="horz" wrap="square" lIns="53340" tIns="53340" rIns="53340" bIns="53340" numCol="1" spcCol="1270" anchor="t" anchorCtr="0">
+          <a:noAutofit/>
+        </a:bodyPr>
+        <a:lstStyle/>
+        <a:p>
+          <a:pPr marL="0" lvl="0" indent="0" algn="l" defTabSz="622300">
+            <a:lnSpc>
+              <a:spcPct val="90000"/>
+            </a:lnSpc>
+            <a:spcBef>
+              <a:spcPct val="0"/>
+            </a:spcBef>
+            <a:spcAft>
+              <a:spcPct val="35000"/>
+            </a:spcAft>
+            <a:buNone/>
+          </a:pPr>
+          <a:r>
+            <a:rPr lang="en-CA" sz="1400" kern="1200" dirty="0"/>
+            <a:t>Time stamp</a:t>
+          </a:r>
+        </a:p>
+        <a:p>
+          <a:pPr marL="57150" lvl="1" indent="-57150" algn="l" defTabSz="488950">
+            <a:lnSpc>
+              <a:spcPct val="90000"/>
+            </a:lnSpc>
+            <a:spcBef>
+              <a:spcPct val="0"/>
+            </a:spcBef>
+            <a:spcAft>
+              <a:spcPct val="15000"/>
+            </a:spcAft>
+            <a:buChar char="•"/>
+          </a:pPr>
+          <a:r>
+            <a:rPr lang="en-CA" sz="1100" kern="1200" dirty="0"/>
+            <a:t>Year </a:t>
+          </a:r>
+        </a:p>
+        <a:p>
+          <a:pPr marL="57150" lvl="1" indent="-57150" algn="l" defTabSz="488950">
+            <a:lnSpc>
+              <a:spcPct val="90000"/>
+            </a:lnSpc>
+            <a:spcBef>
+              <a:spcPct val="0"/>
+            </a:spcBef>
+            <a:spcAft>
+              <a:spcPct val="15000"/>
+            </a:spcAft>
+            <a:buChar char="•"/>
+          </a:pPr>
+          <a:r>
+            <a:rPr lang="en-CA" sz="1100" kern="1200" dirty="0"/>
+            <a:t>Date</a:t>
+          </a:r>
+        </a:p>
+        <a:p>
+          <a:pPr marL="57150" lvl="1" indent="-57150" algn="l" defTabSz="488950">
+            <a:lnSpc>
+              <a:spcPct val="90000"/>
+            </a:lnSpc>
+            <a:spcBef>
+              <a:spcPct val="0"/>
+            </a:spcBef>
+            <a:spcAft>
+              <a:spcPct val="15000"/>
+            </a:spcAft>
+            <a:buChar char="•"/>
+          </a:pPr>
+          <a:r>
+            <a:rPr lang="en-CA" sz="1100" kern="1200" dirty="0"/>
+            <a:t>Time</a:t>
+          </a:r>
+        </a:p>
+      </dsp:txBody>
+      <dsp:txXfrm>
+        <a:off x="5635625" y="247270"/>
+        <a:ext cx="2492374" cy="1495425"/>
+      </dsp:txXfrm>
+    </dsp:sp>
+    <dsp:sp modelId="{72CA5018-0E0F-409F-BF6F-5F8BB2BC2868}">
+      <dsp:nvSpPr>
+        <dsp:cNvPr id="0" name=""/>
+        <dsp:cNvSpPr/>
+      </dsp:nvSpPr>
+      <dsp:spPr>
+        <a:xfrm>
+          <a:off x="76200" y="1961620"/>
+          <a:ext cx="2492374" cy="1495425"/>
+        </a:xfrm>
+        <a:prstGeom prst="rect">
+          <a:avLst/>
+        </a:prstGeom>
+        <a:solidFill>
+          <a:schemeClr val="lt1">
+            <a:hueOff val="0"/>
+            <a:satOff val="0"/>
+            <a:lumOff val="0"/>
+            <a:alphaOff val="0"/>
+          </a:schemeClr>
+        </a:solidFill>
+        <a:ln w="12700" cap="flat" cmpd="sng" algn="ctr">
+          <a:solidFill>
+            <a:schemeClr val="accent2">
+              <a:shade val="80000"/>
+              <a:hueOff val="0"/>
+              <a:satOff val="0"/>
+              <a:lumOff val="0"/>
+              <a:alphaOff val="0"/>
+            </a:schemeClr>
+          </a:solidFill>
+          <a:prstDash val="solid"/>
+        </a:ln>
+        <a:effectLst/>
+      </dsp:spPr>
+      <dsp:style>
+        <a:lnRef idx="2">
+          <a:scrgbClr r="0" g="0" b="0"/>
+        </a:lnRef>
+        <a:fillRef idx="1">
+          <a:scrgbClr r="0" g="0" b="0"/>
+        </a:fillRef>
+        <a:effectRef idx="0">
+          <a:scrgbClr r="0" g="0" b="0"/>
+        </a:effectRef>
+        <a:fontRef idx="minor">
+          <a:schemeClr val="lt1"/>
+        </a:fontRef>
+      </dsp:style>
+      <dsp:txBody>
+        <a:bodyPr spcFirstLastPara="0" vert="horz" wrap="square" lIns="53340" tIns="53340" rIns="53340" bIns="53340" numCol="1" spcCol="1270" anchor="t" anchorCtr="0">
+          <a:noAutofit/>
+        </a:bodyPr>
+        <a:lstStyle/>
+        <a:p>
+          <a:pPr marL="0" lvl="0" indent="0" algn="l" defTabSz="622300">
+            <a:lnSpc>
+              <a:spcPct val="90000"/>
+            </a:lnSpc>
+            <a:spcBef>
+              <a:spcPct val="0"/>
+            </a:spcBef>
+            <a:spcAft>
+              <a:spcPct val="35000"/>
+            </a:spcAft>
+            <a:buNone/>
+          </a:pPr>
+          <a:r>
+            <a:rPr lang="en-CA" sz="1400" kern="1200" dirty="0"/>
+            <a:t>Accident Location</a:t>
+          </a:r>
+        </a:p>
+        <a:p>
+          <a:pPr marL="57150" lvl="1" indent="-57150" algn="l" defTabSz="488950">
+            <a:lnSpc>
+              <a:spcPct val="90000"/>
+            </a:lnSpc>
+            <a:spcBef>
+              <a:spcPct val="0"/>
+            </a:spcBef>
+            <a:spcAft>
+              <a:spcPct val="15000"/>
+            </a:spcAft>
+            <a:buChar char="•"/>
+          </a:pPr>
+          <a:r>
+            <a:rPr lang="en-CA" sz="1100" kern="1200" dirty="0"/>
+            <a:t>Intersection</a:t>
+          </a:r>
+        </a:p>
+        <a:p>
+          <a:pPr marL="57150" lvl="1" indent="-57150" algn="l" defTabSz="488950">
+            <a:lnSpc>
+              <a:spcPct val="90000"/>
+            </a:lnSpc>
+            <a:spcBef>
+              <a:spcPct val="0"/>
+            </a:spcBef>
+            <a:spcAft>
+              <a:spcPct val="15000"/>
+            </a:spcAft>
+            <a:buChar char="•"/>
+          </a:pPr>
+          <a:r>
+            <a:rPr lang="en-CA" sz="1100" kern="1200" dirty="0"/>
+            <a:t>Driveway </a:t>
+          </a:r>
+        </a:p>
+        <a:p>
+          <a:pPr marL="57150" lvl="1" indent="-57150" algn="l" defTabSz="488950">
+            <a:lnSpc>
+              <a:spcPct val="90000"/>
+            </a:lnSpc>
+            <a:spcBef>
+              <a:spcPct val="0"/>
+            </a:spcBef>
+            <a:spcAft>
+              <a:spcPct val="15000"/>
+            </a:spcAft>
+            <a:buChar char="•"/>
+          </a:pPr>
+          <a:r>
+            <a:rPr lang="en-CA" sz="1100" kern="1200" dirty="0"/>
+            <a:t>Overpass or bridge</a:t>
+          </a:r>
+        </a:p>
+        <a:p>
+          <a:pPr marL="57150" lvl="1" indent="-57150" algn="l" defTabSz="488950">
+            <a:lnSpc>
+              <a:spcPct val="90000"/>
+            </a:lnSpc>
+            <a:spcBef>
+              <a:spcPct val="0"/>
+            </a:spcBef>
+            <a:spcAft>
+              <a:spcPct val="15000"/>
+            </a:spcAft>
+            <a:buChar char="•"/>
+          </a:pPr>
+          <a:r>
+            <a:rPr lang="en-CA" sz="1100" kern="1200" dirty="0"/>
+            <a:t>Underpass or tunnel</a:t>
+          </a:r>
+        </a:p>
+        <a:p>
+          <a:pPr marL="57150" lvl="1" indent="-57150" algn="l" defTabSz="488950">
+            <a:lnSpc>
+              <a:spcPct val="90000"/>
+            </a:lnSpc>
+            <a:spcBef>
+              <a:spcPct val="0"/>
+            </a:spcBef>
+            <a:spcAft>
+              <a:spcPct val="15000"/>
+            </a:spcAft>
+            <a:buChar char="•"/>
+          </a:pPr>
+          <a:r>
+            <a:rPr lang="en-CA" sz="1100" kern="1200" dirty="0"/>
+            <a:t>Trail</a:t>
+          </a:r>
+        </a:p>
+        <a:p>
+          <a:pPr marL="57150" lvl="1" indent="-57150" algn="l" defTabSz="488950">
+            <a:lnSpc>
+              <a:spcPct val="90000"/>
+            </a:lnSpc>
+            <a:spcBef>
+              <a:spcPct val="0"/>
+            </a:spcBef>
+            <a:spcAft>
+              <a:spcPct val="15000"/>
+            </a:spcAft>
+            <a:buChar char="•"/>
+          </a:pPr>
+          <a:r>
+            <a:rPr lang="en-CA" sz="1100" kern="1200" dirty="0"/>
+            <a:t>Private driveway</a:t>
+          </a:r>
+        </a:p>
+      </dsp:txBody>
+      <dsp:txXfrm>
+        <a:off x="76200" y="1961620"/>
+        <a:ext cx="2492374" cy="1495425"/>
+      </dsp:txXfrm>
+    </dsp:sp>
+    <dsp:sp modelId="{F73D443F-A3C2-4EC1-B511-D679A25E422B}">
+      <dsp:nvSpPr>
+        <dsp:cNvPr id="0" name=""/>
+        <dsp:cNvSpPr/>
+      </dsp:nvSpPr>
+      <dsp:spPr>
+        <a:xfrm>
+          <a:off x="2817812" y="1961620"/>
+          <a:ext cx="2492374" cy="1495425"/>
+        </a:xfrm>
+        <a:prstGeom prst="rect">
+          <a:avLst/>
+        </a:prstGeom>
+        <a:solidFill>
+          <a:schemeClr val="lt1">
+            <a:hueOff val="0"/>
+            <a:satOff val="0"/>
+            <a:lumOff val="0"/>
+            <a:alphaOff val="0"/>
+          </a:schemeClr>
+        </a:solidFill>
+        <a:ln w="12700" cap="flat" cmpd="sng" algn="ctr">
+          <a:solidFill>
+            <a:schemeClr val="accent2">
+              <a:shade val="80000"/>
+              <a:hueOff val="0"/>
+              <a:satOff val="0"/>
+              <a:lumOff val="0"/>
+              <a:alphaOff val="0"/>
+            </a:schemeClr>
+          </a:solidFill>
+          <a:prstDash val="solid"/>
+        </a:ln>
+        <a:effectLst/>
+      </dsp:spPr>
+      <dsp:style>
+        <a:lnRef idx="2">
+          <a:scrgbClr r="0" g="0" b="0"/>
+        </a:lnRef>
+        <a:fillRef idx="1">
+          <a:scrgbClr r="0" g="0" b="0"/>
+        </a:fillRef>
+        <a:effectRef idx="0">
+          <a:scrgbClr r="0" g="0" b="0"/>
+        </a:effectRef>
+        <a:fontRef idx="minor">
+          <a:schemeClr val="lt1"/>
+        </a:fontRef>
+      </dsp:style>
+      <dsp:txBody>
+        <a:bodyPr spcFirstLastPara="0" vert="horz" wrap="square" lIns="53340" tIns="53340" rIns="53340" bIns="53340" numCol="1" spcCol="1270" anchor="t" anchorCtr="0">
+          <a:noAutofit/>
+        </a:bodyPr>
+        <a:lstStyle/>
+        <a:p>
+          <a:pPr marL="0" lvl="0" indent="0" algn="l" defTabSz="622300">
+            <a:lnSpc>
+              <a:spcPct val="90000"/>
+            </a:lnSpc>
+            <a:spcBef>
+              <a:spcPct val="0"/>
+            </a:spcBef>
+            <a:spcAft>
+              <a:spcPct val="35000"/>
+            </a:spcAft>
+            <a:buNone/>
+          </a:pPr>
+          <a:r>
+            <a:rPr lang="en-CA" sz="1400" kern="1200" dirty="0"/>
+            <a:t>Location</a:t>
+          </a:r>
+        </a:p>
+        <a:p>
+          <a:pPr marL="57150" lvl="1" indent="-57150" algn="l" defTabSz="488950">
+            <a:lnSpc>
+              <a:spcPct val="90000"/>
+            </a:lnSpc>
+            <a:spcBef>
+              <a:spcPct val="0"/>
+            </a:spcBef>
+            <a:spcAft>
+              <a:spcPct val="15000"/>
+            </a:spcAft>
+            <a:buChar char="•"/>
+          </a:pPr>
+          <a:r>
+            <a:rPr lang="en-CA" sz="1100" kern="1200" dirty="0"/>
+            <a:t>Latitude</a:t>
+          </a:r>
+        </a:p>
+        <a:p>
+          <a:pPr marL="57150" lvl="1" indent="-57150" algn="l" defTabSz="488950">
+            <a:lnSpc>
+              <a:spcPct val="90000"/>
+            </a:lnSpc>
+            <a:spcBef>
+              <a:spcPct val="0"/>
+            </a:spcBef>
+            <a:spcAft>
+              <a:spcPct val="15000"/>
+            </a:spcAft>
+            <a:buChar char="•"/>
+          </a:pPr>
+          <a:r>
+            <a:rPr lang="en-CA" sz="1100" kern="1200" dirty="0"/>
+            <a:t>Longitude</a:t>
+          </a:r>
+        </a:p>
+      </dsp:txBody>
+      <dsp:txXfrm>
+        <a:off x="2817812" y="1961620"/>
+        <a:ext cx="2492374" cy="1495425"/>
+      </dsp:txXfrm>
+    </dsp:sp>
+    <dsp:sp modelId="{3586E1C1-6DC8-4E85-8DDF-1DD7486074FA}">
+      <dsp:nvSpPr>
+        <dsp:cNvPr id="0" name=""/>
+        <dsp:cNvSpPr/>
+      </dsp:nvSpPr>
+      <dsp:spPr>
+        <a:xfrm>
+          <a:off x="5559425" y="1961621"/>
+          <a:ext cx="2492374" cy="1495425"/>
+        </a:xfrm>
+        <a:prstGeom prst="rect">
+          <a:avLst/>
+        </a:prstGeom>
+        <a:solidFill>
+          <a:schemeClr val="lt1">
+            <a:hueOff val="0"/>
+            <a:satOff val="0"/>
+            <a:lumOff val="0"/>
+            <a:alphaOff val="0"/>
+          </a:schemeClr>
+        </a:solidFill>
+        <a:ln w="12700" cap="flat" cmpd="sng" algn="ctr">
+          <a:solidFill>
+            <a:schemeClr val="accent2">
+              <a:shade val="80000"/>
+              <a:hueOff val="0"/>
+              <a:satOff val="0"/>
+              <a:lumOff val="0"/>
+              <a:alphaOff val="0"/>
+            </a:schemeClr>
+          </a:solidFill>
+          <a:prstDash val="solid"/>
+        </a:ln>
+        <a:effectLst/>
+      </dsp:spPr>
+      <dsp:style>
+        <a:lnRef idx="2">
+          <a:scrgbClr r="0" g="0" b="0"/>
+        </a:lnRef>
+        <a:fillRef idx="1">
+          <a:scrgbClr r="0" g="0" b="0"/>
+        </a:fillRef>
+        <a:effectRef idx="0">
+          <a:scrgbClr r="0" g="0" b="0"/>
+        </a:effectRef>
+        <a:fontRef idx="minor">
+          <a:schemeClr val="lt1"/>
+        </a:fontRef>
+      </dsp:style>
+      <dsp:txBody>
+        <a:bodyPr spcFirstLastPara="0" vert="horz" wrap="square" lIns="53340" tIns="53340" rIns="53340" bIns="53340" numCol="1" spcCol="1270" anchor="t" anchorCtr="0">
+          <a:noAutofit/>
+        </a:bodyPr>
+        <a:lstStyle/>
+        <a:p>
+          <a:pPr marL="0" lvl="0" indent="0" algn="l" defTabSz="622300">
+            <a:lnSpc>
+              <a:spcPct val="90000"/>
+            </a:lnSpc>
+            <a:spcBef>
+              <a:spcPct val="0"/>
+            </a:spcBef>
+            <a:spcAft>
+              <a:spcPct val="35000"/>
+            </a:spcAft>
+            <a:buNone/>
+          </a:pPr>
+          <a:r>
+            <a:rPr lang="en-CA" sz="1400" kern="1200" dirty="0"/>
+            <a:t>Visibility</a:t>
+          </a:r>
+        </a:p>
+        <a:p>
+          <a:pPr marL="57150" lvl="1" indent="-57150" algn="l" defTabSz="488950">
+            <a:lnSpc>
+              <a:spcPct val="90000"/>
+            </a:lnSpc>
+            <a:spcBef>
+              <a:spcPct val="0"/>
+            </a:spcBef>
+            <a:spcAft>
+              <a:spcPct val="15000"/>
+            </a:spcAft>
+            <a:buChar char="•"/>
+          </a:pPr>
+          <a:r>
+            <a:rPr lang="en-CA" sz="1100" kern="1200" dirty="0"/>
+            <a:t>Clear</a:t>
+          </a:r>
+        </a:p>
+        <a:p>
+          <a:pPr marL="57150" lvl="1" indent="-57150" algn="l" defTabSz="488950">
+            <a:lnSpc>
+              <a:spcPct val="90000"/>
+            </a:lnSpc>
+            <a:spcBef>
+              <a:spcPct val="0"/>
+            </a:spcBef>
+            <a:spcAft>
+              <a:spcPct val="15000"/>
+            </a:spcAft>
+            <a:buChar char="•"/>
+          </a:pPr>
+          <a:r>
+            <a:rPr lang="en-CA" sz="1100" kern="1200" dirty="0"/>
+            <a:t>Fog, mist, smoke and dust</a:t>
+          </a:r>
+        </a:p>
+        <a:p>
+          <a:pPr marL="57150" lvl="1" indent="-57150" algn="l" defTabSz="488950">
+            <a:lnSpc>
+              <a:spcPct val="90000"/>
+            </a:lnSpc>
+            <a:spcBef>
+              <a:spcPct val="0"/>
+            </a:spcBef>
+            <a:spcAft>
+              <a:spcPct val="15000"/>
+            </a:spcAft>
+            <a:buChar char="•"/>
+          </a:pPr>
+          <a:r>
+            <a:rPr lang="en-CA" sz="1100" kern="1200" dirty="0"/>
+            <a:t>Freezing rain</a:t>
+          </a:r>
+        </a:p>
+        <a:p>
+          <a:pPr marL="57150" lvl="1" indent="-57150" algn="l" defTabSz="488950">
+            <a:lnSpc>
+              <a:spcPct val="90000"/>
+            </a:lnSpc>
+            <a:spcBef>
+              <a:spcPct val="0"/>
+            </a:spcBef>
+            <a:spcAft>
+              <a:spcPct val="15000"/>
+            </a:spcAft>
+            <a:buChar char="•"/>
+          </a:pPr>
+          <a:r>
+            <a:rPr lang="en-CA" sz="1100" kern="1200" dirty="0"/>
+            <a:t>Snow and Drifting snow</a:t>
+          </a:r>
+        </a:p>
+        <a:p>
+          <a:pPr marL="57150" lvl="1" indent="-57150" algn="l" defTabSz="488950">
+            <a:lnSpc>
+              <a:spcPct val="90000"/>
+            </a:lnSpc>
+            <a:spcBef>
+              <a:spcPct val="0"/>
+            </a:spcBef>
+            <a:spcAft>
+              <a:spcPct val="15000"/>
+            </a:spcAft>
+            <a:buChar char="•"/>
+          </a:pPr>
+          <a:r>
+            <a:rPr lang="en-CA" sz="1100" kern="1200" dirty="0"/>
+            <a:t>Strong wind</a:t>
+          </a:r>
+        </a:p>
+      </dsp:txBody>
+      <dsp:txXfrm>
+        <a:off x="5559425" y="1961621"/>
+        <a:ext cx="2492374" cy="1495425"/>
+      </dsp:txXfrm>
+    </dsp:sp>
+    <dsp:sp modelId="{6F98CF4E-AA48-4B94-9CFE-AB3FC9D91DA0}">
+      <dsp:nvSpPr>
+        <dsp:cNvPr id="0" name=""/>
+        <dsp:cNvSpPr/>
+      </dsp:nvSpPr>
+      <dsp:spPr>
+        <a:xfrm>
+          <a:off x="76200" y="3706283"/>
+          <a:ext cx="2492374" cy="1495425"/>
+        </a:xfrm>
+        <a:prstGeom prst="rect">
+          <a:avLst/>
+        </a:prstGeom>
+        <a:solidFill>
+          <a:schemeClr val="lt1">
+            <a:hueOff val="0"/>
+            <a:satOff val="0"/>
+            <a:lumOff val="0"/>
+            <a:alphaOff val="0"/>
+          </a:schemeClr>
+        </a:solidFill>
+        <a:ln w="12700" cap="flat" cmpd="sng" algn="ctr">
+          <a:solidFill>
+            <a:schemeClr val="accent2">
+              <a:shade val="80000"/>
+              <a:hueOff val="0"/>
+              <a:satOff val="0"/>
+              <a:lumOff val="0"/>
+              <a:alphaOff val="0"/>
+            </a:schemeClr>
+          </a:solidFill>
+          <a:prstDash val="solid"/>
+        </a:ln>
+        <a:effectLst/>
+      </dsp:spPr>
+      <dsp:style>
+        <a:lnRef idx="2">
+          <a:scrgbClr r="0" g="0" b="0"/>
+        </a:lnRef>
+        <a:fillRef idx="1">
+          <a:scrgbClr r="0" g="0" b="0"/>
+        </a:fillRef>
+        <a:effectRef idx="0">
+          <a:scrgbClr r="0" g="0" b="0"/>
+        </a:effectRef>
+        <a:fontRef idx="minor">
+          <a:schemeClr val="lt1"/>
+        </a:fontRef>
+      </dsp:style>
+      <dsp:txBody>
+        <a:bodyPr spcFirstLastPara="0" vert="horz" wrap="square" lIns="53340" tIns="53340" rIns="53340" bIns="53340" numCol="1" spcCol="1270" anchor="t" anchorCtr="0">
+          <a:noAutofit/>
+        </a:bodyPr>
+        <a:lstStyle/>
+        <a:p>
+          <a:pPr marL="0" lvl="0" indent="0" algn="l" defTabSz="622300">
+            <a:lnSpc>
+              <a:spcPct val="90000"/>
+            </a:lnSpc>
+            <a:spcBef>
+              <a:spcPct val="0"/>
+            </a:spcBef>
+            <a:spcAft>
+              <a:spcPct val="35000"/>
+            </a:spcAft>
+            <a:buNone/>
+          </a:pPr>
+          <a:r>
+            <a:rPr lang="en-CA" sz="1400" kern="1200" dirty="0"/>
+            <a:t>Light</a:t>
+          </a:r>
+        </a:p>
+        <a:p>
+          <a:pPr marL="57150" lvl="1" indent="-57150" algn="l" defTabSz="488950">
+            <a:lnSpc>
+              <a:spcPct val="90000"/>
+            </a:lnSpc>
+            <a:spcBef>
+              <a:spcPct val="0"/>
+            </a:spcBef>
+            <a:spcAft>
+              <a:spcPct val="15000"/>
+            </a:spcAft>
+            <a:buChar char="•"/>
+          </a:pPr>
+          <a:r>
+            <a:rPr lang="en-CA" sz="1100" kern="1200" dirty="0"/>
+            <a:t>Daylight or dark</a:t>
+          </a:r>
+        </a:p>
+        <a:p>
+          <a:pPr marL="57150" lvl="1" indent="-57150" algn="l" defTabSz="488950">
+            <a:lnSpc>
+              <a:spcPct val="90000"/>
+            </a:lnSpc>
+            <a:spcBef>
+              <a:spcPct val="0"/>
+            </a:spcBef>
+            <a:spcAft>
+              <a:spcPct val="15000"/>
+            </a:spcAft>
+            <a:buChar char="•"/>
+          </a:pPr>
+          <a:r>
+            <a:rPr lang="en-CA" sz="1100" kern="1200" dirty="0"/>
+            <a:t>Dawn or dusk </a:t>
+          </a:r>
+        </a:p>
+        <a:p>
+          <a:pPr marL="57150" lvl="1" indent="-57150" algn="l" defTabSz="488950">
+            <a:lnSpc>
+              <a:spcPct val="90000"/>
+            </a:lnSpc>
+            <a:spcBef>
+              <a:spcPct val="0"/>
+            </a:spcBef>
+            <a:spcAft>
+              <a:spcPct val="15000"/>
+            </a:spcAft>
+            <a:buChar char="•"/>
+          </a:pPr>
+          <a:r>
+            <a:rPr lang="en-CA" sz="1100" kern="1200" dirty="0"/>
+            <a:t>Artificial lights</a:t>
+          </a:r>
+        </a:p>
+      </dsp:txBody>
+      <dsp:txXfrm>
+        <a:off x="76200" y="3706283"/>
+        <a:ext cx="2492374" cy="1495425"/>
+      </dsp:txXfrm>
+    </dsp:sp>
+    <dsp:sp modelId="{86261968-46EF-40AD-AD3C-C6300E2397D6}">
+      <dsp:nvSpPr>
+        <dsp:cNvPr id="0" name=""/>
+        <dsp:cNvSpPr/>
+      </dsp:nvSpPr>
+      <dsp:spPr>
+        <a:xfrm>
+          <a:off x="2817812" y="3706283"/>
+          <a:ext cx="2492374" cy="1495425"/>
+        </a:xfrm>
+        <a:prstGeom prst="rect">
+          <a:avLst/>
+        </a:prstGeom>
+        <a:solidFill>
+          <a:schemeClr val="lt1">
+            <a:hueOff val="0"/>
+            <a:satOff val="0"/>
+            <a:lumOff val="0"/>
+            <a:alphaOff val="0"/>
+          </a:schemeClr>
+        </a:solidFill>
+        <a:ln w="12700" cap="flat" cmpd="sng" algn="ctr">
+          <a:solidFill>
+            <a:schemeClr val="accent2">
+              <a:shade val="80000"/>
+              <a:hueOff val="0"/>
+              <a:satOff val="0"/>
+              <a:lumOff val="0"/>
+              <a:alphaOff val="0"/>
+            </a:schemeClr>
+          </a:solidFill>
+          <a:prstDash val="solid"/>
+        </a:ln>
+        <a:effectLst/>
+      </dsp:spPr>
+      <dsp:style>
+        <a:lnRef idx="2">
+          <a:scrgbClr r="0" g="0" b="0"/>
+        </a:lnRef>
+        <a:fillRef idx="1">
+          <a:scrgbClr r="0" g="0" b="0"/>
+        </a:fillRef>
+        <a:effectRef idx="0">
+          <a:scrgbClr r="0" g="0" b="0"/>
+        </a:effectRef>
+        <a:fontRef idx="minor">
+          <a:schemeClr val="lt1"/>
+        </a:fontRef>
+      </dsp:style>
+      <dsp:txBody>
+        <a:bodyPr spcFirstLastPara="0" vert="horz" wrap="square" lIns="53340" tIns="53340" rIns="53340" bIns="53340" numCol="1" spcCol="1270" anchor="ctr" anchorCtr="0">
+          <a:noAutofit/>
+        </a:bodyPr>
+        <a:lstStyle/>
+        <a:p>
+          <a:pPr marL="0" lvl="0" indent="0" algn="ctr" defTabSz="622300">
+            <a:lnSpc>
+              <a:spcPct val="90000"/>
+            </a:lnSpc>
+            <a:spcBef>
+              <a:spcPct val="0"/>
+            </a:spcBef>
+            <a:spcAft>
+              <a:spcPct val="35000"/>
+            </a:spcAft>
+            <a:buNone/>
+          </a:pPr>
+          <a:endParaRPr lang="en-CA" sz="1400" kern="1200" dirty="0"/>
+        </a:p>
+      </dsp:txBody>
+      <dsp:txXfrm>
+        <a:off x="2817812" y="3706283"/>
+        <a:ext cx="2492374" cy="1495425"/>
+      </dsp:txXfrm>
+    </dsp:sp>
+    <dsp:sp modelId="{97D9F168-A75C-47BC-ACF0-5A845B8D6DC0}">
+      <dsp:nvSpPr>
+        <dsp:cNvPr id="0" name=""/>
+        <dsp:cNvSpPr/>
+      </dsp:nvSpPr>
+      <dsp:spPr>
+        <a:xfrm>
+          <a:off x="5559425" y="3706283"/>
+          <a:ext cx="2492374" cy="1495425"/>
+        </a:xfrm>
+        <a:prstGeom prst="rect">
+          <a:avLst/>
+        </a:prstGeom>
+        <a:solidFill>
+          <a:schemeClr val="lt1">
+            <a:hueOff val="0"/>
+            <a:satOff val="0"/>
+            <a:lumOff val="0"/>
+            <a:alphaOff val="0"/>
+          </a:schemeClr>
+        </a:solidFill>
+        <a:ln w="12700" cap="flat" cmpd="sng" algn="ctr">
+          <a:solidFill>
+            <a:schemeClr val="accent2">
+              <a:shade val="80000"/>
+              <a:hueOff val="0"/>
+              <a:satOff val="0"/>
+              <a:lumOff val="0"/>
+              <a:alphaOff val="0"/>
+            </a:schemeClr>
+          </a:solidFill>
+          <a:prstDash val="solid"/>
+        </a:ln>
+        <a:effectLst/>
+      </dsp:spPr>
+      <dsp:style>
+        <a:lnRef idx="2">
+          <a:scrgbClr r="0" g="0" b="0"/>
+        </a:lnRef>
+        <a:fillRef idx="1">
+          <a:scrgbClr r="0" g="0" b="0"/>
+        </a:fillRef>
+        <a:effectRef idx="0">
+          <a:scrgbClr r="0" g="0" b="0"/>
+        </a:effectRef>
+        <a:fontRef idx="minor">
+          <a:schemeClr val="lt1"/>
+        </a:fontRef>
+      </dsp:style>
+      <dsp:txBody>
+        <a:bodyPr spcFirstLastPara="0" vert="horz" wrap="square" lIns="53340" tIns="53340" rIns="53340" bIns="53340" numCol="1" spcCol="1270" anchor="t" anchorCtr="0">
+          <a:noAutofit/>
+        </a:bodyPr>
+        <a:lstStyle/>
+        <a:p>
+          <a:pPr marL="0" lvl="0" indent="0" algn="l" defTabSz="622300">
+            <a:lnSpc>
+              <a:spcPct val="90000"/>
+            </a:lnSpc>
+            <a:spcBef>
+              <a:spcPct val="0"/>
+            </a:spcBef>
+            <a:spcAft>
+              <a:spcPct val="35000"/>
+            </a:spcAft>
+            <a:buNone/>
+          </a:pPr>
+          <a:r>
+            <a:rPr lang="en-CA" sz="1400" kern="1200" dirty="0"/>
+            <a:t>Accident class </a:t>
+          </a:r>
+        </a:p>
+        <a:p>
+          <a:pPr marL="57150" lvl="1" indent="-57150" algn="l" defTabSz="488950">
+            <a:lnSpc>
+              <a:spcPct val="90000"/>
+            </a:lnSpc>
+            <a:spcBef>
+              <a:spcPct val="0"/>
+            </a:spcBef>
+            <a:spcAft>
+              <a:spcPct val="15000"/>
+            </a:spcAft>
+            <a:buChar char="•"/>
+          </a:pPr>
+          <a:r>
+            <a:rPr lang="en-CA" sz="1100" kern="1200" dirty="0"/>
+            <a:t>Fatal </a:t>
+          </a:r>
+        </a:p>
+        <a:p>
+          <a:pPr marL="57150" lvl="1" indent="-57150" algn="l" defTabSz="488950">
+            <a:lnSpc>
+              <a:spcPct val="90000"/>
+            </a:lnSpc>
+            <a:spcBef>
+              <a:spcPct val="0"/>
+            </a:spcBef>
+            <a:spcAft>
+              <a:spcPct val="15000"/>
+            </a:spcAft>
+            <a:buChar char="•"/>
+          </a:pPr>
+          <a:r>
+            <a:rPr lang="en-CA" sz="1100" kern="1200" dirty="0"/>
+            <a:t>Non-fatal injury</a:t>
+          </a:r>
+        </a:p>
+        <a:p>
+          <a:pPr marL="57150" lvl="1" indent="-57150" algn="l" defTabSz="488950">
+            <a:lnSpc>
+              <a:spcPct val="90000"/>
+            </a:lnSpc>
+            <a:spcBef>
+              <a:spcPct val="0"/>
+            </a:spcBef>
+            <a:spcAft>
+              <a:spcPct val="15000"/>
+            </a:spcAft>
+            <a:buChar char="•"/>
+          </a:pPr>
+          <a:r>
+            <a:rPr lang="en-CA" sz="1100" kern="1200" dirty="0"/>
+            <a:t>Property damage</a:t>
+          </a:r>
+        </a:p>
+        <a:p>
+          <a:pPr marL="57150" lvl="1" indent="-57150" algn="l" defTabSz="488950">
+            <a:lnSpc>
+              <a:spcPct val="90000"/>
+            </a:lnSpc>
+            <a:spcBef>
+              <a:spcPct val="0"/>
+            </a:spcBef>
+            <a:spcAft>
+              <a:spcPct val="15000"/>
+            </a:spcAft>
+            <a:buChar char="•"/>
+          </a:pPr>
+          <a:endParaRPr lang="en-CA" sz="1100" kern="1200" dirty="0"/>
+        </a:p>
+      </dsp:txBody>
+      <dsp:txXfrm>
+        <a:off x="5559425" y="3706283"/>
+        <a:ext cx="2492374" cy="1495425"/>
+      </dsp:txXfrm>
+    </dsp:sp>
+  </dsp:spTree>
+</dsp:drawing>
+</file>
+
+<file path=ppt/diagrams/layout1.xml><?xml version="1.0" encoding="utf-8"?>
+<dgm:layoutDef xmlns:dgm="http://schemas.openxmlformats.org/drawingml/2006/diagram" xmlns:a="http://schemas.openxmlformats.org/drawingml/2006/main" uniqueId="urn:microsoft.com/office/officeart/2005/8/layout/default">
+  <dgm:title val=""/>
+  <dgm:desc val=""/>
+  <dgm:catLst>
+    <dgm:cat type="list" pri="400"/>
+  </dgm:catLst>
+  <dgm:sampData>
+    <dgm:dataModel>
+      <dgm:ptLst>
+        <dgm:pt modelId="0" type="doc"/>
+        <dgm:pt modelId="1">
+          <dgm:prSet phldr="1"/>
+        </dgm:pt>
+        <dgm:pt modelId="2">
+          <dgm:prSet phldr="1"/>
+        </dgm:pt>
+        <dgm:pt modelId="3">
+          <dgm:prSet phldr="1"/>
+        </dgm:pt>
+        <dgm:pt modelId="4">
+          <dgm:prSet phldr="1"/>
+        </dgm:pt>
+        <dgm:pt modelId="5">
+          <dgm:prSet phldr="1"/>
+        </dgm:pt>
+      </dgm:ptLst>
+      <dgm:cxnLst>
+        <dgm:cxn modelId="6" srcId="0" destId="1" srcOrd="0" destOrd="0"/>
+        <dgm:cxn modelId="7" srcId="0" destId="2" srcOrd="1" destOrd="0"/>
+        <dgm:cxn modelId="8" srcId="0" destId="3" srcOrd="2" destOrd="0"/>
+        <dgm:cxn modelId="9" srcId="0" destId="4" srcOrd="3" destOrd="0"/>
+        <dgm:cxn modelId="10" srcId="0" destId="5" srcOrd="4" destOrd="0"/>
+      </dgm:cxnLst>
+      <dgm:bg/>
+      <dgm:whole/>
+    </dgm:dataModel>
+  </dgm:sampData>
+  <dgm:styleData>
+    <dgm:dataModel>
+      <dgm:ptLst>
+        <dgm:pt modelId="0" type="doc"/>
+        <dgm:pt modelId="1"/>
+        <dgm:pt modelId="2"/>
+      </dgm:ptLst>
+      <dgm:cxnLst>
+        <dgm:cxn modelId="3" srcId="0" destId="1" srcOrd="0" destOrd="0"/>
+        <dgm:cxn modelId="4" srcId="0" destId="2" srcOrd="1" destOrd="0"/>
+      </dgm:cxnLst>
+      <dgm:bg/>
+      <dgm:whole/>
+    </dgm:dataModel>
+  </dgm:styleData>
+  <dgm:clrData>
+    <dgm:dataModel>
+      <dgm:ptLst>
+        <dgm:pt modelId="0" type="doc"/>
+        <dgm:pt modelId="1"/>
+        <dgm:pt modelId="2"/>
+        <dgm:pt modelId="3"/>
+        <dgm:pt modelId="4"/>
+        <dgm:pt modelId="5"/>
+        <dgm:pt modelId="6"/>
+      </dgm:ptLst>
+      <dgm:cxnLst>
+        <dgm:cxn modelId="7" srcId="0" destId="1" srcOrd="0" destOrd="0"/>
+        <dgm:cxn modelId="8" srcId="0" destId="2" srcOrd="1" destOrd="0"/>
+        <dgm:cxn modelId="9" srcId="0" destId="3" srcOrd="2" destOrd="0"/>
+        <dgm:cxn modelId="10" srcId="0" destId="4" srcOrd="3" destOrd="0"/>
+        <dgm:cxn modelId="11" srcId="0" destId="5" srcOrd="4" destOrd="0"/>
+        <dgm:cxn modelId="12" srcId="0" destId="6" srcOrd="5" destOrd="0"/>
+      </dgm:cxnLst>
+      <dgm:bg/>
+      <dgm:whole/>
+    </dgm:dataModel>
+  </dgm:clrData>
+  <dgm:layoutNode name="diagram">
+    <dgm:varLst>
+      <dgm:dir/>
+      <dgm:resizeHandles val="exact"/>
+    </dgm:varLst>
+    <dgm:choose name="Name0">
+      <dgm:if name="Name1" func="var" arg="dir" op="equ" val="norm">
+        <dgm:alg type="snake">
+          <dgm:param type="grDir" val="tL"/>
+          <dgm:param type="flowDir" val="row"/>
+          <dgm:param type="contDir" val="sameDir"/>
+          <dgm:param type="off" val="ctr"/>
+        </dgm:alg>
+      </dgm:if>
+      <dgm:else name="Name2">
+        <dgm:alg type="snake">
+          <dgm:param type="grDir" val="tR"/>
+          <dgm:param type="flowDir" val="row"/>
+          <dgm:param type="contDir" val="sameDir"/>
+          <dgm:param type="off" val="ctr"/>
+        </dgm:alg>
+      </dgm:else>
+    </dgm:choose>
+    <dgm:shape xmlns:r="http://schemas.openxmlformats.org/officeDocument/2006/relationships" r:blip="">
+      <dgm:adjLst/>
+    </dgm:shape>
+    <dgm:presOf/>
+    <dgm:constrLst>
+      <dgm:constr type="w" for="ch" forName="node" refType="w"/>
+      <dgm:constr type="h" for="ch" forName="node" refType="w" refFor="ch" refForName="node" fact="0.6"/>
+      <dgm:constr type="w" for="ch" forName="sibTrans" refType="w" refFor="ch" refForName="node" fact="0.1"/>
+      <dgm:constr type="sp" refType="w" refFor="ch" refForName="sibTrans"/>
+      <dgm:constr type="primFontSz" for="ch" forName="node" op="equ" val="65"/>
+    </dgm:constrLst>
+    <dgm:ruleLst/>
+    <dgm:forEach name="Name3" axis="ch" ptType="node">
+      <dgm:layoutNode name="node">
+        <dgm:varLst>
+          <dgm:bulletEnabled val="1"/>
+        </dgm:varLst>
+        <dgm:alg type="tx"/>
+        <dgm:shape xmlns:r="http://schemas.openxmlformats.org/officeDocument/2006/relationships" type="rect" r:blip="">
+          <dgm:adjLst/>
+        </dgm:shape>
+        <dgm:presOf axis="desOrSelf" ptType="node"/>
+        <dgm:constrLst>
+          <dgm:constr type="lMarg" refType="primFontSz" fact="0.3"/>
+          <dgm:constr type="rMarg" refType="primFontSz" fact="0.3"/>
+          <dgm:constr type="tMarg" refType="primFontSz" fact="0.3"/>
+          <dgm:constr type="bMarg" refType="primFontSz" fact="0.3"/>
+        </dgm:constrLst>
+        <dgm:ruleLst>
+          <dgm:rule type="primFontSz" val="5" fact="NaN" max="NaN"/>
+        </dgm:ruleLst>
+      </dgm:layoutNode>
+      <dgm:forEach name="Name4" axis="followSib" ptType="sibTrans" cnt="1">
+        <dgm:layoutNode name="sibTrans">
+          <dgm:alg type="sp"/>
+          <dgm:shape xmlns:r="http://schemas.openxmlformats.org/officeDocument/2006/relationships" r:blip="">
+            <dgm:adjLst/>
+          </dgm:shape>
+          <dgm:presOf/>
+          <dgm:constrLst/>
+          <dgm:ruleLst/>
+        </dgm:layoutNode>
+      </dgm:forEach>
+    </dgm:forEach>
+  </dgm:layoutNode>
+</dgm:layoutDef>
+</file>
+
+<file path=ppt/diagrams/quickStyle1.xml><?xml version="1.0" encoding="utf-8"?>
+<dgm:styleDef xmlns:dgm="http://schemas.openxmlformats.org/drawingml/2006/diagram" xmlns:a="http://schemas.openxmlformats.org/drawingml/2006/main" uniqueId="urn:microsoft.com/office/officeart/2005/8/quickstyle/simple1">
+  <dgm:title val=""/>
+  <dgm:desc val=""/>
+  <dgm:catLst>
+    <dgm:cat type="simple" pri="10100"/>
+  </dgm:catLst>
+  <dgm:scene3d>
+    <a:camera prst="orthographicFront"/>
+    <a:lightRig rig="threePt" dir="t"/>
+  </dgm:scene3d>
+  <dgm:styleLbl name="node0">
+    <dgm:scene3d>
+      <a:camera prst="orthographicFront"/>
+      <a:lightRig rig="threePt" dir="t"/>
+    </dgm:scene3d>
+    <dgm:sp3d/>
+    <dgm:txPr/>
+    <dgm:style>
+      <a:lnRef idx="2">
+        <a:scrgbClr r="0" g="0" b="0"/>
+      </a:lnRef>
+      <a:fillRef idx="1">
+        <a:scrgbClr r="0" g="0" b="0"/>
+      </a:fillRef>
+      <a:effectRef idx="0">
+        <a:scrgbClr r="0" g="0" b="0"/>
+      </a:effectRef>
+      <a:fontRef idx="minor">
+        <a:schemeClr val="lt1"/>
+      </a:fontRef>
+    </dgm:style>
+  </dgm:styleLbl>
+  <dgm:styleLbl name="lnNode1">
+    <dgm:scene3d>
+      <a:camera prst="orthographicFront"/>
+      <a:lightRig rig="threePt" dir="t"/>
+    </dgm:scene3d>
+    <dgm:sp3d/>
+    <dgm:txPr/>
+    <dgm:style>
+      <a:lnRef idx="2">
+        <a:scrgbClr r="0" g="0" b="0"/>
+      </a:lnRef>
+      <a:fillRef idx="1">
+        <a:scrgbClr r="0" g="0" b="0"/>
+      </a:fillRef>
+      <a:effectRef idx="0">
+        <a:scrgbClr r="0" g="0" b="0"/>
+      </a:effectRef>
+      <a:fontRef idx="minor">
+        <a:schemeClr val="lt1"/>
+      </a:fontRef>
+    </dgm:style>
+  </dgm:styleLbl>
+  <dgm:styleLbl name="vennNode1">
+    <dgm:scene3d>
+      <a:camera prst="orthographicFront"/>
+      <a:lightRig rig="threePt" dir="t"/>
+    </dgm:scene3d>
+    <dgm:sp3d/>
+    <dgm:txPr/>
+    <dgm:style>
+      <a:lnRef idx="2">
+        <a:scrgbClr r="0" g="0" b="0"/>
+      </a:lnRef>
+      <a:fillRef idx="1">
+        <a:scrgbClr r="0" g="0" b="0"/>
+      </a:fillRef>
+      <a:effectRef idx="0">
+        <a:scrgbClr r="0" g="0" b="0"/>
+      </a:effectRef>
+      <a:fontRef idx="minor">
+        <a:schemeClr val="tx1"/>
+      </a:fontRef>
+    </dgm:style>
+  </dgm:styleLbl>
+  <dgm:styleLbl name="alignNode1">
+    <dgm:scene3d>
+      <a:camera prst="orthographicFront"/>
+      <a:lightRig rig="threePt" dir="t"/>
+    </dgm:scene3d>
+    <dgm:sp3d/>
+    <dgm:txPr/>
+    <dgm:style>
+      <a:lnRef idx="2">
+        <a:scrgbClr r="0" g="0" b="0"/>
+      </a:lnRef>
+      <a:fillRef idx="1">
+        <a:scrgbClr r="0" g="0" b="0"/>
+      </a:fillRef>
+      <a:effectRef idx="0">
+        <a:scrgbClr r="0" g="0" b="0"/>
+      </a:effectRef>
+      <a:fontRef idx="minor">
+        <a:schemeClr val="lt1"/>
+      </a:fontRef>
+    </dgm:style>
+  </dgm:styleLbl>
+  <dgm:styleLbl name="node1">
+    <dgm:scene3d>
+      <a:camera prst="orthographicFront"/>
+      <a:lightRig rig="threePt" dir="t"/>
+    </dgm:scene3d>
+    <dgm:sp3d/>
+    <dgm:txPr/>
+    <dgm:style>
+      <a:lnRef idx="2">
+        <a:scrgbClr r="0" g="0" b="0"/>
+      </a:lnRef>
+      <a:fillRef idx="1">
+        <a:scrgbClr r="0" g="0" b="0"/>
+      </a:fillRef>
+      <a:effectRef idx="0">
+        <a:scrgbClr r="0" g="0" b="0"/>
+      </a:effectRef>
+      <a:fontRef idx="minor">
+        <a:schemeClr val="lt1"/>
+      </a:fontRef>
+    </dgm:style>
+  </dgm:styleLbl>
+  <dgm:styleLbl name="node2">
+    <dgm:scene3d>
+      <a:camera prst="orthographicFront"/>
+      <a:lightRig rig="threePt" dir="t"/>
+    </dgm:scene3d>
+    <dgm:sp3d/>
+    <dgm:txPr/>
+    <dgm:style>
+      <a:lnRef idx="2">
+        <a:scrgbClr r="0" g="0" b="0"/>
+      </a:lnRef>
+      <a:fillRef idx="1">
+        <a:scrgbClr r="0" g="0" b="0"/>
+      </a:fillRef>
+      <a:effectRef idx="0">
+        <a:scrgbClr r="0" g="0" b="0"/>
+      </a:effectRef>
+      <a:fontRef idx="minor">
+        <a:schemeClr val="lt1"/>
+      </a:fontRef>
+    </dgm:style>
+  </dgm:styleLbl>
+  <dgm:styleLbl name="node3">
+    <dgm:scene3d>
+      <a:camera prst="orthographicFront"/>
+      <a:lightRig rig="threePt" dir="t"/>
+    </dgm:scene3d>
+    <dgm:sp3d/>
+    <dgm:txPr/>
+    <dgm:style>
+      <a:lnRef idx="2">
+        <a:scrgbClr r="0" g="0" b="0"/>
+      </a:lnRef>
+      <a:fillRef idx="1">
+        <a:scrgbClr r="0" g="0" b="0"/>
+      </a:fillRef>
+      <a:effectRef idx="0">
+        <a:scrgbClr r="0" g="0" b="0"/>
+      </a:effectRef>
+      <a:fontRef idx="minor">
+        <a:schemeClr val="lt1"/>
+      </a:fontRef>
+    </dgm:style>
+  </dgm:styleLbl>
+  <dgm:styleLbl name="node4">
+    <dgm:scene3d>
+      <a:camera prst="orthographicFront"/>
+      <a:lightRig rig="threePt" dir="t"/>
+    </dgm:scene3d>
+    <dgm:sp3d/>
+    <dgm:txPr/>
+    <dgm:style>
+      <a:lnRef idx="2">
+        <a:scrgbClr r="0" g="0" b="0"/>
+      </a:lnRef>
+      <a:fillRef idx="1">
+        <a:scrgbClr r="0" g="0" b="0"/>
+      </a:fillRef>
+      <a:effectRef idx="0">
+        <a:scrgbClr r="0" g="0" b="0"/>
+      </a:effectRef>
+      <a:fontRef idx="minor">
+        <a:schemeClr val="lt1"/>
+      </a:fontRef>
+    </dgm:style>
+  </dgm:styleLbl>
+  <dgm:styleLbl name="fgImgPlace1">
+    <dgm:scene3d>
+      <a:camera prst="orthographicFront"/>
+      <a:lightRig rig="threePt" dir="t"/>
+    </dgm:scene3d>
+    <dgm:sp3d/>
+    <dgm:txPr/>
+    <dgm:style>
+      <a:lnRef idx="2">
+        <a:scrgbClr r="0" g="0" b="0"/>
+      </a:lnRef>
+      <a:fillRef idx="1">
+        <a:scrgbClr r="0" g="0" b="0"/>
+      </a:fillRef>
+      <a:effectRef idx="0">
+        <a:scrgbClr r="0" g="0" b="0"/>
+      </a:effectRef>
+      <a:fontRef idx="minor"/>
+    </dgm:style>
+  </dgm:styleLbl>
+  <dgm:styleLbl name="alignImgPlace1">
+    <dgm:scene3d>
+      <a:camera prst="orthographicFront"/>
+      <a:lightRig rig="threePt" dir="t"/>
+    </dgm:scene3d>
+    <dgm:sp3d/>
+    <dgm:txPr/>
+    <dgm:style>
+      <a:lnRef idx="2">
+        <a:scrgbClr r="0" g="0" b="0"/>
+      </a:lnRef>
+      <a:fillRef idx="1">
+        <a:scrgbClr r="0" g="0" b="0"/>
+      </a:fillRef>
+      <a:effectRef idx="0">
+        <a:scrgbClr r="0" g="0" b="0"/>
+      </a:effectRef>
+      <a:fontRef idx="minor"/>
+    </dgm:style>
+  </dgm:styleLbl>
+  <dgm:styleLbl name="bgImgPlace1">
+    <dgm:scene3d>
+      <a:camera prst="orthographicFront"/>
+      <a:lightRig rig="threePt" dir="t"/>
+    </dgm:scene3d>
+    <dgm:sp3d/>
+    <dgm:txPr/>
+    <dgm:style>
+      <a:lnRef idx="2">
+        <a:scrgbClr r="0" g="0" b="0"/>
+      </a:lnRef>
+      <a:fillRef idx="1">
+        <a:scrgbClr r="0" g="0" b="0"/>
+      </a:fillRef>
+      <a:effectRef idx="0">
+        <a:scrgbClr r="0" g="0" b="0"/>
+      </a:effectRef>
+      <a:fontRef idx="minor"/>
+    </dgm:style>
+  </dgm:styleLbl>
+  <dgm:styleLbl name="sibTrans2D1">
+    <dgm:scene3d>
+      <a:camera prst="orthographicFront"/>
+      <a:lightRig rig="threePt" dir="t"/>
+    </dgm:scene3d>
+    <dgm:sp3d/>
+    <dgm:txPr/>
+    <dgm:style>
+      <a:lnRef idx="0">
+        <a:scrgbClr r="0" g="0" b="0"/>
+      </a:lnRef>
+      <a:fillRef idx="1">
+        <a:scrgbClr r="0" g="0" b="0"/>
+      </a:fillRef>
+      <a:effectRef idx="0">
+        <a:scrgbClr r="0" g="0" b="0"/>
+      </a:effectRef>
+      <a:fontRef idx="minor">
+        <a:schemeClr val="lt1"/>
+      </a:fontRef>
+    </dgm:style>
+  </dgm:styleLbl>
+  <dgm:styleLbl name="fgSibTrans2D1">
+    <dgm:scene3d>
+      <a:camera prst="orthographicFront"/>
+      <a:lightRig rig="threePt" dir="t"/>
+    </dgm:scene3d>
+    <dgm:sp3d/>
+    <dgm:txPr/>
+    <dgm:style>
+      <a:lnRef idx="0">
+        <a:scrgbClr r="0" g="0" b="0"/>
+      </a:lnRef>
+      <a:fillRef idx="1">
+        <a:scrgbClr r="0" g="0" b="0"/>
+      </a:fillRef>
+      <a:effectRef idx="0">
+        <a:scrgbClr r="0" g="0" b="0"/>
+      </a:effectRef>
+      <a:fontRef idx="minor">
+        <a:schemeClr val="lt1"/>
+      </a:fontRef>
+    </dgm:style>
+  </dgm:styleLbl>
+  <dgm:styleLbl name="bgSibTrans2D1">
+    <dgm:scene3d>
+      <a:camera prst="orthographicFront"/>
+      <a:lightRig rig="threePt" dir="t"/>
+    </dgm:scene3d>
+    <dgm:sp3d/>
+    <dgm:txPr/>
+    <dgm:style>
+      <a:lnRef idx="0">
+        <a:scrgbClr r="0" g="0" b="0"/>
+      </a:lnRef>
+      <a:fillRef idx="1">
+        <a:scrgbClr r="0" g="0" b="0"/>
+      </a:fillRef>
+      <a:effectRef idx="0">
+        <a:scrgbClr r="0" g="0" b="0"/>
+      </a:effectRef>
+      <a:fontRef idx="minor">
+        <a:schemeClr val="lt1"/>
+      </a:fontRef>
+    </dgm:style>
+  </dgm:styleLbl>
+  <dgm:styleLbl name="sibTrans1D1">
+    <dgm:scene3d>
+      <a:camera prst="orthographicFront"/>
+      <a:lightRig rig="threePt" dir="t"/>
+    </dgm:scene3d>
+    <dgm:sp3d/>
+    <dgm:txPr/>
+    <dgm:style>
+      <a:lnRef idx="1">
+        <a:scrgbClr r="0" g="0" b="0"/>
+      </a:lnRef>
+      <a:fillRef idx="0">
+        <a:scrgbClr r="0" g="0" b="0"/>
+      </a:fillRef>
+      <a:effectRef idx="0">
+        <a:scrgbClr r="0" g="0" b="0"/>
+      </a:effectRef>
+      <a:fontRef idx="minor"/>
+    </dgm:style>
+  </dgm:styleLbl>
+  <dgm:styleLbl name="callout">
+    <dgm:scene3d>
+      <a:camera prst="orthographicFront"/>
+      <a:lightRig rig="threePt" dir="t"/>
+    </dgm:scene3d>
+    <dgm:sp3d/>
+    <dgm:txPr/>
+    <dgm:style>
+      <a:lnRef idx="2">
+        <a:scrgbClr r="0" g="0" b="0"/>
+      </a:lnRef>
+      <a:fillRef idx="1">
+        <a:scrgbClr r="0" g="0" b="0"/>
+      </a:fillRef>
+      <a:effectRef idx="0">
+        <a:scrgbClr r="0" g="0" b="0"/>
+      </a:effectRef>
+      <a:fontRef idx="minor"/>
+    </dgm:style>
+  </dgm:styleLbl>
+  <dgm:styleLbl name="asst0">
+    <dgm:scene3d>
+      <a:camera prst="orthographicFront"/>
+      <a:lightRig rig="threePt" dir="t"/>
+    </dgm:scene3d>
+    <dgm:sp3d/>
+    <dgm:txPr/>
+    <dgm:style>
+      <a:lnRef idx="2">
+        <a:scrgbClr r="0" g="0" b="0"/>
+      </a:lnRef>
+      <a:fillRef idx="1">
+        <a:scrgbClr r="0" g="0" b="0"/>
+      </a:fillRef>
+      <a:effectRef idx="0">
+        <a:scrgbClr r="0" g="0" b="0"/>
+      </a:effectRef>
+      <a:fontRef idx="minor">
+        <a:schemeClr val="lt1"/>
+      </a:fontRef>
+    </dgm:style>
+  </dgm:styleLbl>
+  <dgm:styleLbl name="asst1">
+    <dgm:scene3d>
+      <a:camera prst="orthographicFront"/>
+      <a:lightRig rig="threePt" dir="t"/>
+    </dgm:scene3d>
+    <dgm:sp3d/>
+    <dgm:txPr/>
+    <dgm:style>
+      <a:lnRef idx="2">
+        <a:scrgbClr r="0" g="0" b="0"/>
+      </a:lnRef>
+      <a:fillRef idx="1">
+        <a:scrgbClr r="0" g="0" b="0"/>
+      </a:fillRef>
+      <a:effectRef idx="0">
+        <a:scrgbClr r="0" g="0" b="0"/>
+      </a:effectRef>
+      <a:fontRef idx="minor">
+        <a:schemeClr val="lt1"/>
+      </a:fontRef>
+    </dgm:style>
+  </dgm:styleLbl>
+  <dgm:styleLbl name="asst2">
+    <dgm:scene3d>
+      <a:camera prst="orthographicFront"/>
+      <a:lightRig rig="threePt" dir="t"/>
+    </dgm:scene3d>
+    <dgm:sp3d/>
+    <dgm:txPr/>
+    <dgm:style>
+      <a:lnRef idx="2">
+        <a:scrgbClr r="0" g="0" b="0"/>
+      </a:lnRef>
+      <a:fillRef idx="1">
+        <a:scrgbClr r="0" g="0" b="0"/>
+      </a:fillRef>
+      <a:effectRef idx="0">
+        <a:scrgbClr r="0" g="0" b="0"/>
+      </a:effectRef>
+      <a:fontRef idx="minor">
+        <a:schemeClr val="lt1"/>
+      </a:fontRef>
+    </dgm:style>
+  </dgm:styleLbl>
+  <dgm:styleLbl name="asst3">
+    <dgm:scene3d>
+      <a:camera prst="orthographicFront"/>
+      <a:lightRig rig="threePt" dir="t"/>
+    </dgm:scene3d>
+    <dgm:sp3d/>
+    <dgm:txPr/>
+    <dgm:style>
+      <a:lnRef idx="2">
+        <a:scrgbClr r="0" g="0" b="0"/>
+      </a:lnRef>
+      <a:fillRef idx="1">
+        <a:scrgbClr r="0" g="0" b="0"/>
+      </a:fillRef>
+      <a:effectRef idx="0">
+        <a:scrgbClr r="0" g="0" b="0"/>
+      </a:effectRef>
+      <a:fontRef idx="minor">
+        <a:schemeClr val="lt1"/>
+      </a:fontRef>
+    </dgm:style>
+  </dgm:styleLbl>
+  <dgm:styleLbl name="asst4">
+    <dgm:scene3d>
+      <a:camera prst="orthographicFront"/>
+      <a:lightRig rig="threePt" dir="t"/>
+    </dgm:scene3d>
+    <dgm:sp3d/>
+    <dgm:txPr/>
+    <dgm:style>
+      <a:lnRef idx="2">
+        <a:scrgbClr r="0" g="0" b="0"/>
+      </a:lnRef>
+      <a:fillRef idx="1">
+        <a:scrgbClr r="0" g="0" b="0"/>
+      </a:fillRef>
+      <a:effectRef idx="0">
+        <a:scrgbClr r="0" g="0" b="0"/>
+      </a:effectRef>
+      <a:fontRef idx="minor">
+        <a:schemeClr val="lt1"/>
+      </a:fontRef>
+    </dgm:style>
+  </dgm:styleLbl>
+  <dgm:styleLbl name="parChTrans2D1">
+    <dgm:scene3d>
+      <a:camera prst="orthographicFront"/>
+      <a:lightRig rig="threePt" dir="t"/>
+    </dgm:scene3d>
+    <dgm:sp3d/>
+    <dgm:txPr/>
+    <dgm:style>
+      <a:lnRef idx="2">
+        <a:scrgbClr r="0" g="0" b="0"/>
+      </a:lnRef>
+      <a:fillRef idx="1">
+        <a:scrgbClr r="0" g="0" b="0"/>
+      </a:fillRef>
+      <a:effectRef idx="0">
+        <a:scrgbClr r="0" g="0" b="0"/>
+      </a:effectRef>
+      <a:fontRef idx="minor">
+        <a:schemeClr val="lt1"/>
+      </a:fontRef>
+    </dgm:style>
+  </dgm:styleLbl>
+  <dgm:styleLbl name="parChTrans2D2">
+    <dgm:scene3d>
+      <a:camera prst="orthographicFront"/>
+      <a:lightRig rig="threePt" dir="t"/>
+    </dgm:scene3d>
+    <dgm:sp3d/>
+    <dgm:txPr/>
+    <dgm:style>
+      <a:lnRef idx="2">
+        <a:scrgbClr r="0" g="0" b="0"/>
+      </a:lnRef>
+      <a:fillRef idx="1">
+        <a:scrgbClr r="0" g="0" b="0"/>
+      </a:fillRef>
+      <a:effectRef idx="0">
+        <a:scrgbClr r="0" g="0" b="0"/>
+      </a:effectRef>
+      <a:fontRef idx="minor">
+        <a:schemeClr val="lt1"/>
+      </a:fontRef>
+    </dgm:style>
+  </dgm:styleLbl>
+  <dgm:styleLbl name="parChTrans2D3">
+    <dgm:scene3d>
+      <a:camera prst="orthographicFront"/>
+      <a:lightRig rig="threePt" dir="t"/>
+    </dgm:scene3d>
+    <dgm:sp3d/>
+    <dgm:txPr/>
+    <dgm:style>
+      <a:lnRef idx="2">
+        <a:scrgbClr r="0" g="0" b="0"/>
+      </a:lnRef>
+      <a:fillRef idx="1">
+        <a:scrgbClr r="0" g="0" b="0"/>
+      </a:fillRef>
+      <a:effectRef idx="0">
+        <a:scrgbClr r="0" g="0" b="0"/>
+      </a:effectRef>
+      <a:fontRef idx="minor">
+        <a:schemeClr val="lt1"/>
+      </a:fontRef>
+    </dgm:style>
+  </dgm:styleLbl>
+  <dgm:styleLbl name="parChTrans2D4">
+    <dgm:scene3d>
+      <a:camera prst="orthographicFront"/>
+      <a:lightRig rig="threePt" dir="t"/>
+    </dgm:scene3d>
+    <dgm:sp3d/>
+    <dgm:txPr/>
+    <dgm:style>
+      <a:lnRef idx="2">
+        <a:scrgbClr r="0" g="0" b="0"/>
+      </a:lnRef>
+      <a:fillRef idx="1">
+        <a:scrgbClr r="0" g="0" b="0"/>
+      </a:fillRef>
+      <a:effectRef idx="0">
+        <a:scrgbClr r="0" g="0" b="0"/>
+      </a:effectRef>
+      <a:fontRef idx="minor">
+        <a:schemeClr val="lt1"/>
+      </a:fontRef>
+    </dgm:style>
+  </dgm:styleLbl>
+  <dgm:styleLbl name="parChTrans1D1">
+    <dgm:scene3d>
+      <a:camera prst="orthographicFront"/>
+      <a:lightRig rig="threePt" dir="t"/>
+    </dgm:scene3d>
+    <dgm:sp3d/>
+    <dgm:txPr/>
+    <dgm:style>
+      <a:lnRef idx="2">
+        <a:scrgbClr r="0" g="0" b="0"/>
+      </a:lnRef>
+      <a:fillRef idx="0">
+        <a:scrgbClr r="0" g="0" b="0"/>
+      </a:fillRef>
+      <a:effectRef idx="0">
+        <a:scrgbClr r="0" g="0" b="0"/>
+      </a:effectRef>
+      <a:fontRef idx="minor"/>
+    </dgm:style>
+  </dgm:styleLbl>
+  <dgm:styleLbl name="parChTrans1D2">
+    <dgm:scene3d>
+      <a:camera prst="orthographicFront"/>
+      <a:lightRig rig="threePt" dir="t"/>
+    </dgm:scene3d>
+    <dgm:sp3d/>
+    <dgm:txPr/>
+    <dgm:style>
+      <a:lnRef idx="2">
+        <a:scrgbClr r="0" g="0" b="0"/>
+      </a:lnRef>
+      <a:fillRef idx="0">
+        <a:scrgbClr r="0" g="0" b="0"/>
+      </a:fillRef>
+      <a:effectRef idx="0">
+        <a:scrgbClr r="0" g="0" b="0"/>
+      </a:effectRef>
+      <a:fontRef idx="minor"/>
+    </dgm:style>
+  </dgm:styleLbl>
+  <dgm:styleLbl name="parChTrans1D3">
+    <dgm:scene3d>
+      <a:camera prst="orthographicFront"/>
+      <a:lightRig rig="threePt" dir="t"/>
+    </dgm:scene3d>
+    <dgm:sp3d/>
+    <dgm:txPr/>
+    <dgm:style>
+      <a:lnRef idx="2">
+        <a:scrgbClr r="0" g="0" b="0"/>
+      </a:lnRef>
+      <a:fillRef idx="0">
+        <a:scrgbClr r="0" g="0" b="0"/>
+      </a:fillRef>
+      <a:effectRef idx="0">
+        <a:scrgbClr r="0" g="0" b="0"/>
+      </a:effectRef>
+      <a:fontRef idx="minor"/>
+    </dgm:style>
+  </dgm:styleLbl>
+  <dgm:styleLbl name="parChTrans1D4">
+    <dgm:scene3d>
+      <a:camera prst="orthographicFront"/>
+      <a:lightRig rig="threePt" dir="t"/>
+    </dgm:scene3d>
+    <dgm:sp3d/>
+    <dgm:txPr/>
+    <dgm:style>
+      <a:lnRef idx="2">
+        <a:scrgbClr r="0" g="0" b="0"/>
+      </a:lnRef>
+      <a:fillRef idx="0">
+        <a:scrgbClr r="0" g="0" b="0"/>
+      </a:fillRef>
+      <a:effectRef idx="0">
+        <a:scrgbClr r="0" g="0" b="0"/>
+      </a:effectRef>
+      <a:fontRef idx="minor"/>
+    </dgm:style>
+  </dgm:styleLbl>
+  <dgm:styleLbl name="fgAcc1">
+    <dgm:scene3d>
+      <a:camera prst="orthographicFront"/>
+      <a:lightRig rig="threePt" dir="t"/>
+    </dgm:scene3d>
+    <dgm:sp3d/>
+    <dgm:txPr/>
+    <dgm:style>
+      <a:lnRef idx="2">
+        <a:scrgbClr r="0" g="0" b="0"/>
+      </a:lnRef>
+      <a:fillRef idx="1">
+        <a:scrgbClr r="0" g="0" b="0"/>
+      </a:fillRef>
+      <a:effectRef idx="0">
+        <a:scrgbClr r="0" g="0" b="0"/>
+      </a:effectRef>
+      <a:fontRef idx="minor"/>
+    </dgm:style>
+  </dgm:styleLbl>
+  <dgm:styleLbl name="conFgAcc1">
+    <dgm:scene3d>
+      <a:camera prst="orthographicFront"/>
+      <a:lightRig rig="threePt" dir="t"/>
+    </dgm:scene3d>
+    <dgm:sp3d/>
+    <dgm:txPr/>
+    <dgm:style>
+      <a:lnRef idx="2">
+        <a:scrgbClr r="0" g="0" b="0"/>
+      </a:lnRef>
+      <a:fillRef idx="1">
+        <a:scrgbClr r="0" g="0" b="0"/>
+      </a:fillRef>
+      <a:effectRef idx="0">
+        <a:scrgbClr r="0" g="0" b="0"/>
+      </a:effectRef>
+      <a:fontRef idx="minor"/>
+    </dgm:style>
+  </dgm:styleLbl>
+  <dgm:styleLbl name="alignAcc1">
+    <dgm:scene3d>
+      <a:camera prst="orthographicFront"/>
+      <a:lightRig rig="threePt" dir="t"/>
+    </dgm:scene3d>
+    <dgm:sp3d/>
+    <dgm:txPr/>
+    <dgm:style>
+      <a:lnRef idx="2">
+        <a:scrgbClr r="0" g="0" b="0"/>
+      </a:lnRef>
+      <a:fillRef idx="1">
+        <a:scrgbClr r="0" g="0" b="0"/>
+      </a:fillRef>
+      <a:effectRef idx="0">
+        <a:scrgbClr r="0" g="0" b="0"/>
+      </a:effectRef>
+      <a:fontRef idx="minor"/>
+    </dgm:style>
+  </dgm:styleLbl>
+  <dgm:styleLbl name="trAlignAcc1">
+    <dgm:scene3d>
+      <a:camera prst="orthographicFront"/>
+      <a:lightRig rig="threePt" dir="t"/>
+    </dgm:scene3d>
+    <dgm:sp3d/>
+    <dgm:txPr/>
+    <dgm:style>
+      <a:lnRef idx="1">
+        <a:scrgbClr r="0" g="0" b="0"/>
+      </a:lnRef>
+      <a:fillRef idx="1">
+        <a:scrgbClr r="0" g="0" b="0"/>
+      </a:fillRef>
+      <a:effectRef idx="0">
+        <a:scrgbClr r="0" g="0" b="0"/>
+      </a:effectRef>
+      <a:fontRef idx="minor"/>
+    </dgm:style>
+  </dgm:styleLbl>
+  <dgm:styleLbl name="bgAcc1">
+    <dgm:scene3d>
+      <a:camera prst="orthographicFront"/>
+      <a:lightRig rig="threePt" dir="t"/>
+    </dgm:scene3d>
+    <dgm:sp3d/>
+    <dgm:txPr/>
+    <dgm:style>
+      <a:lnRef idx="2">
+        <a:scrgbClr r="0" g="0" b="0"/>
+      </a:lnRef>
+      <a:fillRef idx="1">
+        <a:scrgbClr r="0" g="0" b="0"/>
+      </a:fillRef>
+      <a:effectRef idx="0">
+        <a:scrgbClr r="0" g="0" b="0"/>
+      </a:effectRef>
+      <a:fontRef idx="minor"/>
+    </dgm:style>
+  </dgm:styleLbl>
+  <dgm:styleLbl name="solidFgAcc1">
+    <dgm:scene3d>
+      <a:camera prst="orthographicFront"/>
+      <a:lightRig rig="threePt" dir="t"/>
+    </dgm:scene3d>
+    <dgm:sp3d/>
+    <dgm:txPr/>
+    <dgm:style>
+      <a:lnRef idx="2">
+        <a:scrgbClr r="0" g="0" b="0"/>
+      </a:lnRef>
+      <a:fillRef idx="1">
+        <a:scrgbClr r="0" g="0" b="0"/>
+      </a:fillRef>
+      <a:effectRef idx="0">
+        <a:scrgbClr r="0" g="0" b="0"/>
+      </a:effectRef>
+      <a:fontRef idx="minor"/>
+    </dgm:style>
+  </dgm:styleLbl>
+  <dgm:styleLbl name="solidAlignAcc1">
+    <dgm:scene3d>
+      <a:camera prst="orthographicFront"/>
+      <a:lightRig rig="threePt" dir="t"/>
+    </dgm:scene3d>
+    <dgm:sp3d/>
+    <dgm:txPr/>
+    <dgm:style>
+      <a:lnRef idx="2">
+        <a:scrgbClr r="0" g="0" b="0"/>
+      </a:lnRef>
+      <a:fillRef idx="1">
+        <a:scrgbClr r="0" g="0" b="0"/>
+      </a:fillRef>
+      <a:effectRef idx="0">
+        <a:scrgbClr r="0" g="0" b="0"/>
+      </a:effectRef>
+      <a:fontRef idx="minor"/>
+    </dgm:style>
+  </dgm:styleLbl>
+  <dgm:styleLbl name="solidBgAcc1">
+    <dgm:scene3d>
+      <a:camera prst="orthographicFront"/>
+      <a:lightRig rig="threePt" dir="t"/>
+    </dgm:scene3d>
+    <dgm:sp3d/>
+    <dgm:txPr/>
+    <dgm:style>
+      <a:lnRef idx="2">
+        <a:scrgbClr r="0" g="0" b="0"/>
+      </a:lnRef>
+      <a:fillRef idx="1">
+        <a:scrgbClr r="0" g="0" b="0"/>
+      </a:fillRef>
+      <a:effectRef idx="0">
+        <a:scrgbClr r="0" g="0" b="0"/>
+      </a:effectRef>
+      <a:fontRef idx="minor"/>
+    </dgm:style>
+  </dgm:styleLbl>
+  <dgm:styleLbl name="fgAccFollowNode1">
+    <dgm:scene3d>
+      <a:camera prst="orthographicFront"/>
+      <a:lightRig rig="threePt" dir="t"/>
+    </dgm:scene3d>
+    <dgm:sp3d/>
+    <dgm:txPr/>
+    <dgm:style>
+      <a:lnRef idx="2">
+        <a:scrgbClr r="0" g="0" b="0"/>
+      </a:lnRef>
+      <a:fillRef idx="1">
+        <a:scrgbClr r="0" g="0" b="0"/>
+      </a:fillRef>
+      <a:effectRef idx="0">
+        <a:scrgbClr r="0" g="0" b="0"/>
+      </a:effectRef>
+      <a:fontRef idx="minor"/>
+    </dgm:style>
+  </dgm:styleLbl>
+  <dgm:styleLbl name="alignAccFollowNode1">
+    <dgm:scene3d>
+      <a:camera prst="orthographicFront"/>
+      <a:lightRig rig="threePt" dir="t"/>
+    </dgm:scene3d>
+    <dgm:sp3d/>
+    <dgm:txPr/>
+    <dgm:style>
+      <a:lnRef idx="2">
+        <a:scrgbClr r="0" g="0" b="0"/>
+      </a:lnRef>
+      <a:fillRef idx="1">
+        <a:scrgbClr r="0" g="0" b="0"/>
+      </a:fillRef>
+      <a:effectRef idx="0">
+        <a:scrgbClr r="0" g="0" b="0"/>
+      </a:effectRef>
+      <a:fontRef idx="minor"/>
+    </dgm:style>
+  </dgm:styleLbl>
+  <dgm:styleLbl name="bgAccFollowNode1">
+    <dgm:scene3d>
+      <a:camera prst="orthographicFront"/>
+      <a:lightRig rig="threePt" dir="t"/>
+    </dgm:scene3d>
+    <dgm:sp3d/>
+    <dgm:txPr/>
+    <dgm:style>
+      <a:lnRef idx="2">
+        <a:scrgbClr r="0" g="0" b="0"/>
+      </a:lnRef>
+      <a:fillRef idx="1">
+        <a:scrgbClr r="0" g="0" b="0"/>
+      </a:fillRef>
+      <a:effectRef idx="0">
+        <a:scrgbClr r="0" g="0" b="0"/>
+      </a:effectRef>
+      <a:fontRef idx="minor"/>
+    </dgm:style>
+  </dgm:styleLbl>
+  <dgm:styleLbl name="fgAcc0">
+    <dgm:scene3d>
+      <a:camera prst="orthographicFront"/>
+      <a:lightRig rig="threePt" dir="t"/>
+    </dgm:scene3d>
+    <dgm:sp3d/>
+    <dgm:txPr/>
+    <dgm:style>
+      <a:lnRef idx="2">
+        <a:scrgbClr r="0" g="0" b="0"/>
+      </a:lnRef>
+      <a:fillRef idx="1">
+        <a:scrgbClr r="0" g="0" b="0"/>
+      </a:fillRef>
+      <a:effectRef idx="0">
+        <a:scrgbClr r="0" g="0" b="0"/>
+      </a:effectRef>
+      <a:fontRef idx="minor"/>
+    </dgm:style>
+  </dgm:styleLbl>
+  <dgm:styleLbl name="fgAcc2">
+    <dgm:scene3d>
+      <a:camera prst="orthographicFront"/>
+      <a:lightRig rig="threePt" dir="t"/>
+    </dgm:scene3d>
+    <dgm:sp3d/>
+    <dgm:txPr/>
+    <dgm:style>
+      <a:lnRef idx="2">
+        <a:scrgbClr r="0" g="0" b="0"/>
+      </a:lnRef>
+      <a:fillRef idx="1">
+        <a:scrgbClr r="0" g="0" b="0"/>
+      </a:fillRef>
+      <a:effectRef idx="0">
+        <a:scrgbClr r="0" g="0" b="0"/>
+      </a:effectRef>
+      <a:fontRef idx="minor"/>
+    </dgm:style>
+  </dgm:styleLbl>
+  <dgm:styleLbl name="fgAcc3">
+    <dgm:scene3d>
+      <a:camera prst="orthographicFront"/>
+      <a:lightRig rig="threePt" dir="t"/>
+    </dgm:scene3d>
+    <dgm:sp3d/>
+    <dgm:txPr/>
+    <dgm:style>
+      <a:lnRef idx="2">
+        <a:scrgbClr r="0" g="0" b="0"/>
+      </a:lnRef>
+      <a:fillRef idx="1">
+        <a:scrgbClr r="0" g="0" b="0"/>
+      </a:fillRef>
+      <a:effectRef idx="0">
+        <a:scrgbClr r="0" g="0" b="0"/>
+      </a:effectRef>
+      <a:fontRef idx="minor"/>
+    </dgm:style>
+  </dgm:styleLbl>
+  <dgm:styleLbl name="fgAcc4">
+    <dgm:scene3d>
+      <a:camera prst="orthographicFront"/>
+      <a:lightRig rig="threePt" dir="t"/>
+    </dgm:scene3d>
+    <dgm:sp3d/>
+    <dgm:txPr/>
+    <dgm:style>
+      <a:lnRef idx="2">
+        <a:scrgbClr r="0" g="0" b="0"/>
+      </a:lnRef>
+      <a:fillRef idx="1">
+        <a:scrgbClr r="0" g="0" b="0"/>
+      </a:fillRef>
+      <a:effectRef idx="0">
+        <a:scrgbClr r="0" g="0" b="0"/>
+      </a:effectRef>
+      <a:fontRef idx="minor"/>
+    </dgm:style>
+  </dgm:styleLbl>
+  <dgm:styleLbl name="bgShp">
+    <dgm:scene3d>
+      <a:camera prst="orthographicFront"/>
+      <a:lightRig rig="threePt" dir="t"/>
+    </dgm:scene3d>
+    <dgm:sp3d/>
+    <dgm:txPr/>
+    <dgm:style>
+      <a:lnRef idx="0">
+        <a:scrgbClr r="0" g="0" b="0"/>
+      </a:lnRef>
+      <a:fillRef idx="1">
+        <a:scrgbClr r="0" g="0" b="0"/>
+      </a:fillRef>
+      <a:effectRef idx="0">
+        <a:scrgbClr r="0" g="0" b="0"/>
+      </a:effectRef>
+      <a:fontRef idx="minor"/>
+    </dgm:style>
+  </dgm:styleLbl>
+  <dgm:styleLbl name="dkBgShp">
+    <dgm:scene3d>
+      <a:camera prst="orthographicFront"/>
+      <a:lightRig rig="threePt" dir="t"/>
+    </dgm:scene3d>
+    <dgm:sp3d/>
+    <dgm:txPr/>
+    <dgm:style>
+      <a:lnRef idx="0">
+        <a:scrgbClr r="0" g="0" b="0"/>
+      </a:lnRef>
+      <a:fillRef idx="1">
+        <a:scrgbClr r="0" g="0" b="0"/>
+      </a:fillRef>
+      <a:effectRef idx="0">
+        <a:scrgbClr r="0" g="0" b="0"/>
+      </a:effectRef>
+      <a:fontRef idx="minor"/>
+    </dgm:style>
+  </dgm:styleLbl>
+  <dgm:styleLbl name="trBgShp">
+    <dgm:scene3d>
+      <a:camera prst="orthographicFront"/>
+      <a:lightRig rig="threePt" dir="t"/>
+    </dgm:scene3d>
+    <dgm:sp3d/>
+    <dgm:txPr/>
+    <dgm:style>
+      <a:lnRef idx="0">
+        <a:scrgbClr r="0" g="0" b="0"/>
+      </a:lnRef>
+      <a:fillRef idx="1">
+        <a:scrgbClr r="0" g="0" b="0"/>
+      </a:fillRef>
+      <a:effectRef idx="0">
+        <a:scrgbClr r="0" g="0" b="0"/>
+      </a:effectRef>
+      <a:fontRef idx="minor"/>
+    </dgm:style>
+  </dgm:styleLbl>
+  <dgm:styleLbl name="fgShp">
+    <dgm:scene3d>
+      <a:camera prst="orthographicFront"/>
+      <a:lightRig rig="threePt" dir="t"/>
+    </dgm:scene3d>
+    <dgm:sp3d/>
+    <dgm:txPr/>
+    <dgm:style>
+      <a:lnRef idx="2">
+        <a:scrgbClr r="0" g="0" b="0"/>
+      </a:lnRef>
+      <a:fillRef idx="1">
+        <a:scrgbClr r="0" g="0" b="0"/>
+      </a:fillRef>
+      <a:effectRef idx="0">
+        <a:scrgbClr r="0" g="0" b="0"/>
+      </a:effectRef>
+      <a:fontRef idx="minor"/>
+    </dgm:style>
+  </dgm:styleLbl>
+  <dgm:styleLbl name="revTx">
+    <dgm:scene3d>
+      <a:camera prst="orthographicFront"/>
+      <a:lightRig rig="threePt" dir="t"/>
+    </dgm:scene3d>
+    <dgm:sp3d/>
+    <dgm:txPr/>
+    <dgm:style>
+      <a:lnRef idx="0">
+        <a:scrgbClr r="0" g="0" b="0"/>
+      </a:lnRef>
+      <a:fillRef idx="0">
+        <a:scrgbClr r="0" g="0" b="0"/>
+      </a:fillRef>
+      <a:effectRef idx="0">
+        <a:scrgbClr r="0" g="0" b="0"/>
+      </a:effectRef>
+      <a:fontRef idx="minor"/>
+    </dgm:style>
+  </dgm:styleLbl>
+</dgm:styleDef>
 </file>
 
 <file path=ppt/notesMasters/notesMaster1.xml><?xml version="1.0" encoding="utf-8"?>
@@ -5666,19 +10677,24 @@
                             </p:stCondLst>
                             <p:childTnLst>
                               <p:par>
-                                <p:cTn id="5" presetID="10" presetClass="entr" presetSubtype="0" fill="hold" grpId="0" nodeType="withEffect">
+                                <p:cTn id="5" presetID="10" presetClass="exit" presetSubtype="0" fill="hold" grpId="0" nodeType="withEffect">
                                   <p:stCondLst>
                                     <p:cond delay="1000"/>
                                   </p:stCondLst>
-                                  <p:iterate type="lt">
-                                    <p:tmPct val="10000"/>
-                                  </p:iterate>
                                   <p:childTnLst>
+                                    <p:animEffect transition="out" filter="fade">
+                                      <p:cBhvr>
+                                        <p:cTn id="6" dur="500"/>
+                                        <p:tgtEl>
+                                          <p:spTgt spid="2"/>
+                                        </p:tgtEl>
+                                      </p:cBhvr>
+                                    </p:animEffect>
                                     <p:set>
                                       <p:cBhvr>
-                                        <p:cTn id="6" dur="1" fill="hold">
+                                        <p:cTn id="7" dur="1" fill="hold">
                                           <p:stCondLst>
-                                            <p:cond delay="0"/>
+                                            <p:cond delay="499"/>
                                           </p:stCondLst>
                                         </p:cTn>
                                         <p:tgtEl>
@@ -5689,17 +10705,9 @@
                                         </p:attrNameLst>
                                       </p:cBhvr>
                                       <p:to>
-                                        <p:strVal val="visible"/>
+                                        <p:strVal val="hidden"/>
                                       </p:to>
                                     </p:set>
-                                    <p:animEffect transition="in" filter="fade">
-                                      <p:cBhvr>
-                                        <p:cTn id="7" dur="400"/>
-                                        <p:tgtEl>
-                                          <p:spTgt spid="2"/>
-                                        </p:tgtEl>
-                                      </p:cBhvr>
-                                    </p:animEffect>
                                   </p:childTnLst>
                                 </p:cTn>
                               </p:par>
@@ -5956,6 +10964,39 @@
             <a:endParaRPr lang="en-US" dirty="0"/>
           </a:p>
           <a:p>
+            <a:pPr marL="0" indent="0">
+              <a:buNone/>
+            </a:pPr>
+            <a:r>
+              <a:rPr lang="en-US" dirty="0"/>
+              <a:t>          GIT HUB : </a:t>
+            </a:r>
+          </a:p>
+          <a:p>
+            <a:pPr marL="0" indent="0">
+              <a:buNone/>
+            </a:pPr>
+            <a:r>
+              <a:rPr lang="en-US" dirty="0">
+                <a:hlinkClick r:id="rId3"/>
+              </a:rPr>
+              <a:t>https://github.com/barharding/Crash-Detectives</a:t>
+            </a:r>
+            <a:endParaRPr lang="en-US" dirty="0"/>
+          </a:p>
+          <a:p>
+            <a:pPr marL="0" indent="0">
+              <a:buNone/>
+            </a:pPr>
+            <a:endParaRPr lang="en-US" dirty="0"/>
+          </a:p>
+          <a:p>
+            <a:endParaRPr lang="en-US" dirty="0"/>
+          </a:p>
+          <a:p>
+            <a:endParaRPr lang="en-US" dirty="0"/>
+          </a:p>
+          <a:p>
             <a:endParaRPr lang="en-US" dirty="0"/>
           </a:p>
           <a:p>
@@ -6022,13 +11063,13 @@
           <p:nvPr/>
         </p:nvPicPr>
         <p:blipFill>
-          <a:blip r:embed="rId3">
+          <a:blip r:embed="rId4">
             <a:extLst>
               <a:ext uri="{28A0092B-C50C-407E-A947-70E740481C1C}">
                 <a14:useLocalDpi xmlns:a14="http://schemas.microsoft.com/office/drawing/2010/main" val="0"/>
               </a:ext>
               <a:ext uri="{96DAC541-7B7A-43D3-8B79-37D633B846F1}">
-                <asvg:svgBlip xmlns:asvg="http://schemas.microsoft.com/office/drawing/2016/SVG/main" r:embed="rId4"/>
+                <asvg:svgBlip xmlns:asvg="http://schemas.microsoft.com/office/drawing/2016/SVG/main" r:embed="rId5"/>
               </a:ext>
             </a:extLst>
           </a:blip>
@@ -6038,8 +11079,38 @@
         </p:blipFill>
         <p:spPr>
           <a:xfrm>
-            <a:off x="7882467" y="687057"/>
+            <a:off x="6469303" y="822960"/>
             <a:ext cx="914400" cy="914400"/>
+          </a:xfrm>
+          <a:prstGeom prst="rect">
+            <a:avLst/>
+          </a:prstGeom>
+        </p:spPr>
+      </p:pic>
+      <p:pic>
+        <p:nvPicPr>
+          <p:cNvPr id="10" name="Picture 9">
+            <a:extLst>
+              <a:ext uri="{FF2B5EF4-FFF2-40B4-BE49-F238E27FC236}">
+                <a16:creationId xmlns:a16="http://schemas.microsoft.com/office/drawing/2014/main" id="{96405B42-9587-B82C-E0B4-AB7BE24CAEAF}"/>
+              </a:ext>
+            </a:extLst>
+          </p:cNvPr>
+          <p:cNvPicPr>
+            <a:picLocks noChangeAspect="1"/>
+          </p:cNvPicPr>
+          <p:nvPr/>
+        </p:nvPicPr>
+        <p:blipFill>
+          <a:blip r:embed="rId6"/>
+          <a:stretch>
+            <a:fillRect/>
+          </a:stretch>
+        </p:blipFill>
+        <p:spPr>
+          <a:xfrm>
+            <a:off x="1181230" y="4719973"/>
+            <a:ext cx="436105" cy="417293"/>
           </a:xfrm>
           <a:prstGeom prst="rect">
             <a:avLst/>
@@ -6056,6 +11127,852 @@
   <p:clrMapOvr>
     <a:overrideClrMapping bg1="dk1" tx1="lt1" bg2="dk2" tx2="lt2" accent1="accent1" accent2="accent2" accent3="accent3" accent4="accent4" accent5="accent5" accent6="accent6" hlink="hlink" folHlink="folHlink"/>
   </p:clrMapOvr>
+  <p:timing>
+    <p:tnLst>
+      <p:par>
+        <p:cTn id="1" dur="indefinite" restart="never" nodeType="tmRoot">
+          <p:childTnLst>
+            <p:seq concurrent="1" nextAc="seek">
+              <p:cTn id="2" dur="indefinite" nodeType="mainSeq">
+                <p:childTnLst>
+                  <p:par>
+                    <p:cTn id="3" fill="hold">
+                      <p:stCondLst>
+                        <p:cond delay="indefinite"/>
+                      </p:stCondLst>
+                      <p:childTnLst>
+                        <p:par>
+                          <p:cTn id="4" fill="hold">
+                            <p:stCondLst>
+                              <p:cond delay="0"/>
+                            </p:stCondLst>
+                            <p:childTnLst>
+                              <p:par>
+                                <p:cTn id="5" presetID="10" presetClass="entr" presetSubtype="0" fill="hold" grpId="0" nodeType="clickEffect">
+                                  <p:stCondLst>
+                                    <p:cond delay="0"/>
+                                  </p:stCondLst>
+                                  <p:childTnLst>
+                                    <p:set>
+                                      <p:cBhvr>
+                                        <p:cTn id="6" dur="1" fill="hold">
+                                          <p:stCondLst>
+                                            <p:cond delay="0"/>
+                                          </p:stCondLst>
+                                        </p:cTn>
+                                        <p:tgtEl>
+                                          <p:spTgt spid="2"/>
+                                        </p:tgtEl>
+                                        <p:attrNameLst>
+                                          <p:attrName>style.visibility</p:attrName>
+                                        </p:attrNameLst>
+                                      </p:cBhvr>
+                                      <p:to>
+                                        <p:strVal val="visible"/>
+                                      </p:to>
+                                    </p:set>
+                                    <p:animEffect transition="in" filter="fade">
+                                      <p:cBhvr>
+                                        <p:cTn id="7" dur="500"/>
+                                        <p:tgtEl>
+                                          <p:spTgt spid="2"/>
+                                        </p:tgtEl>
+                                      </p:cBhvr>
+                                    </p:animEffect>
+                                  </p:childTnLst>
+                                </p:cTn>
+                              </p:par>
+                              <p:par>
+                                <p:cTn id="8" presetID="2" presetClass="entr" presetSubtype="4" fill="hold" nodeType="withEffect">
+                                  <p:stCondLst>
+                                    <p:cond delay="0"/>
+                                  </p:stCondLst>
+                                  <p:childTnLst>
+                                    <p:set>
+                                      <p:cBhvr>
+                                        <p:cTn id="9" dur="1" fill="hold">
+                                          <p:stCondLst>
+                                            <p:cond delay="0"/>
+                                          </p:stCondLst>
+                                        </p:cTn>
+                                        <p:tgtEl>
+                                          <p:spTgt spid="6"/>
+                                        </p:tgtEl>
+                                        <p:attrNameLst>
+                                          <p:attrName>style.visibility</p:attrName>
+                                        </p:attrNameLst>
+                                      </p:cBhvr>
+                                      <p:to>
+                                        <p:strVal val="visible"/>
+                                      </p:to>
+                                    </p:set>
+                                    <p:anim calcmode="lin" valueType="num">
+                                      <p:cBhvr additive="base">
+                                        <p:cTn id="10" dur="500" fill="hold"/>
+                                        <p:tgtEl>
+                                          <p:spTgt spid="6"/>
+                                        </p:tgtEl>
+                                        <p:attrNameLst>
+                                          <p:attrName>ppt_x</p:attrName>
+                                        </p:attrNameLst>
+                                      </p:cBhvr>
+                                      <p:tavLst>
+                                        <p:tav tm="0">
+                                          <p:val>
+                                            <p:strVal val="#ppt_x"/>
+                                          </p:val>
+                                        </p:tav>
+                                        <p:tav tm="100000">
+                                          <p:val>
+                                            <p:strVal val="#ppt_x"/>
+                                          </p:val>
+                                        </p:tav>
+                                      </p:tavLst>
+                                    </p:anim>
+                                    <p:anim calcmode="lin" valueType="num">
+                                      <p:cBhvr additive="base">
+                                        <p:cTn id="11" dur="500" fill="hold"/>
+                                        <p:tgtEl>
+                                          <p:spTgt spid="6"/>
+                                        </p:tgtEl>
+                                        <p:attrNameLst>
+                                          <p:attrName>ppt_y</p:attrName>
+                                        </p:attrNameLst>
+                                      </p:cBhvr>
+                                      <p:tavLst>
+                                        <p:tav tm="0">
+                                          <p:val>
+                                            <p:strVal val="1+#ppt_h/2"/>
+                                          </p:val>
+                                        </p:tav>
+                                        <p:tav tm="100000">
+                                          <p:val>
+                                            <p:strVal val="#ppt_y"/>
+                                          </p:val>
+                                        </p:tav>
+                                      </p:tavLst>
+                                    </p:anim>
+                                  </p:childTnLst>
+                                </p:cTn>
+                              </p:par>
+                            </p:childTnLst>
+                          </p:cTn>
+                        </p:par>
+                      </p:childTnLst>
+                    </p:cTn>
+                  </p:par>
+                  <p:par>
+                    <p:cTn id="12" fill="hold">
+                      <p:stCondLst>
+                        <p:cond delay="indefinite"/>
+                      </p:stCondLst>
+                      <p:childTnLst>
+                        <p:par>
+                          <p:cTn id="13" fill="hold">
+                            <p:stCondLst>
+                              <p:cond delay="0"/>
+                            </p:stCondLst>
+                            <p:childTnLst>
+                              <p:par>
+                                <p:cTn id="14" presetID="2" presetClass="entr" presetSubtype="4" fill="hold" grpId="0" nodeType="clickEffect">
+                                  <p:stCondLst>
+                                    <p:cond delay="0"/>
+                                  </p:stCondLst>
+                                  <p:childTnLst>
+                                    <p:set>
+                                      <p:cBhvr>
+                                        <p:cTn id="15" dur="1" fill="hold">
+                                          <p:stCondLst>
+                                            <p:cond delay="0"/>
+                                          </p:stCondLst>
+                                        </p:cTn>
+                                        <p:tgtEl>
+                                          <p:spTgt spid="3">
+                                            <p:txEl>
+                                              <p:pRg st="0" end="0"/>
+                                            </p:txEl>
+                                          </p:spTgt>
+                                        </p:tgtEl>
+                                        <p:attrNameLst>
+                                          <p:attrName>style.visibility</p:attrName>
+                                        </p:attrNameLst>
+                                      </p:cBhvr>
+                                      <p:to>
+                                        <p:strVal val="visible"/>
+                                      </p:to>
+                                    </p:set>
+                                    <p:anim calcmode="lin" valueType="num">
+                                      <p:cBhvr additive="base">
+                                        <p:cTn id="16" dur="500" fill="hold"/>
+                                        <p:tgtEl>
+                                          <p:spTgt spid="3">
+                                            <p:txEl>
+                                              <p:pRg st="0" end="0"/>
+                                            </p:txEl>
+                                          </p:spTgt>
+                                        </p:tgtEl>
+                                        <p:attrNameLst>
+                                          <p:attrName>ppt_x</p:attrName>
+                                        </p:attrNameLst>
+                                      </p:cBhvr>
+                                      <p:tavLst>
+                                        <p:tav tm="0">
+                                          <p:val>
+                                            <p:strVal val="#ppt_x"/>
+                                          </p:val>
+                                        </p:tav>
+                                        <p:tav tm="100000">
+                                          <p:val>
+                                            <p:strVal val="#ppt_x"/>
+                                          </p:val>
+                                        </p:tav>
+                                      </p:tavLst>
+                                    </p:anim>
+                                    <p:anim calcmode="lin" valueType="num">
+                                      <p:cBhvr additive="base">
+                                        <p:cTn id="17" dur="500" fill="hold"/>
+                                        <p:tgtEl>
+                                          <p:spTgt spid="3">
+                                            <p:txEl>
+                                              <p:pRg st="0" end="0"/>
+                                            </p:txEl>
+                                          </p:spTgt>
+                                        </p:tgtEl>
+                                        <p:attrNameLst>
+                                          <p:attrName>ppt_y</p:attrName>
+                                        </p:attrNameLst>
+                                      </p:cBhvr>
+                                      <p:tavLst>
+                                        <p:tav tm="0">
+                                          <p:val>
+                                            <p:strVal val="1+#ppt_h/2"/>
+                                          </p:val>
+                                        </p:tav>
+                                        <p:tav tm="100000">
+                                          <p:val>
+                                            <p:strVal val="#ppt_y"/>
+                                          </p:val>
+                                        </p:tav>
+                                      </p:tavLst>
+                                    </p:anim>
+                                  </p:childTnLst>
+                                </p:cTn>
+                              </p:par>
+                              <p:par>
+                                <p:cTn id="18" presetID="2" presetClass="entr" presetSubtype="4" fill="hold" grpId="0" nodeType="withEffect">
+                                  <p:stCondLst>
+                                    <p:cond delay="0"/>
+                                  </p:stCondLst>
+                                  <p:childTnLst>
+                                    <p:set>
+                                      <p:cBhvr>
+                                        <p:cTn id="19" dur="1" fill="hold">
+                                          <p:stCondLst>
+                                            <p:cond delay="0"/>
+                                          </p:stCondLst>
+                                        </p:cTn>
+                                        <p:tgtEl>
+                                          <p:spTgt spid="3">
+                                            <p:txEl>
+                                              <p:pRg st="1" end="1"/>
+                                            </p:txEl>
+                                          </p:spTgt>
+                                        </p:tgtEl>
+                                        <p:attrNameLst>
+                                          <p:attrName>style.visibility</p:attrName>
+                                        </p:attrNameLst>
+                                      </p:cBhvr>
+                                      <p:to>
+                                        <p:strVal val="visible"/>
+                                      </p:to>
+                                    </p:set>
+                                    <p:anim calcmode="lin" valueType="num">
+                                      <p:cBhvr additive="base">
+                                        <p:cTn id="20" dur="500" fill="hold"/>
+                                        <p:tgtEl>
+                                          <p:spTgt spid="3">
+                                            <p:txEl>
+                                              <p:pRg st="1" end="1"/>
+                                            </p:txEl>
+                                          </p:spTgt>
+                                        </p:tgtEl>
+                                        <p:attrNameLst>
+                                          <p:attrName>ppt_x</p:attrName>
+                                        </p:attrNameLst>
+                                      </p:cBhvr>
+                                      <p:tavLst>
+                                        <p:tav tm="0">
+                                          <p:val>
+                                            <p:strVal val="#ppt_x"/>
+                                          </p:val>
+                                        </p:tav>
+                                        <p:tav tm="100000">
+                                          <p:val>
+                                            <p:strVal val="#ppt_x"/>
+                                          </p:val>
+                                        </p:tav>
+                                      </p:tavLst>
+                                    </p:anim>
+                                    <p:anim calcmode="lin" valueType="num">
+                                      <p:cBhvr additive="base">
+                                        <p:cTn id="21" dur="500" fill="hold"/>
+                                        <p:tgtEl>
+                                          <p:spTgt spid="3">
+                                            <p:txEl>
+                                              <p:pRg st="1" end="1"/>
+                                            </p:txEl>
+                                          </p:spTgt>
+                                        </p:tgtEl>
+                                        <p:attrNameLst>
+                                          <p:attrName>ppt_y</p:attrName>
+                                        </p:attrNameLst>
+                                      </p:cBhvr>
+                                      <p:tavLst>
+                                        <p:tav tm="0">
+                                          <p:val>
+                                            <p:strVal val="1+#ppt_h/2"/>
+                                          </p:val>
+                                        </p:tav>
+                                        <p:tav tm="100000">
+                                          <p:val>
+                                            <p:strVal val="#ppt_y"/>
+                                          </p:val>
+                                        </p:tav>
+                                      </p:tavLst>
+                                    </p:anim>
+                                  </p:childTnLst>
+                                </p:cTn>
+                              </p:par>
+                              <p:par>
+                                <p:cTn id="22" presetID="2" presetClass="entr" presetSubtype="4" fill="hold" grpId="0" nodeType="withEffect">
+                                  <p:stCondLst>
+                                    <p:cond delay="0"/>
+                                  </p:stCondLst>
+                                  <p:childTnLst>
+                                    <p:set>
+                                      <p:cBhvr>
+                                        <p:cTn id="23" dur="1" fill="hold">
+                                          <p:stCondLst>
+                                            <p:cond delay="0"/>
+                                          </p:stCondLst>
+                                        </p:cTn>
+                                        <p:tgtEl>
+                                          <p:spTgt spid="3">
+                                            <p:txEl>
+                                              <p:pRg st="2" end="2"/>
+                                            </p:txEl>
+                                          </p:spTgt>
+                                        </p:tgtEl>
+                                        <p:attrNameLst>
+                                          <p:attrName>style.visibility</p:attrName>
+                                        </p:attrNameLst>
+                                      </p:cBhvr>
+                                      <p:to>
+                                        <p:strVal val="visible"/>
+                                      </p:to>
+                                    </p:set>
+                                    <p:anim calcmode="lin" valueType="num">
+                                      <p:cBhvr additive="base">
+                                        <p:cTn id="24" dur="500" fill="hold"/>
+                                        <p:tgtEl>
+                                          <p:spTgt spid="3">
+                                            <p:txEl>
+                                              <p:pRg st="2" end="2"/>
+                                            </p:txEl>
+                                          </p:spTgt>
+                                        </p:tgtEl>
+                                        <p:attrNameLst>
+                                          <p:attrName>ppt_x</p:attrName>
+                                        </p:attrNameLst>
+                                      </p:cBhvr>
+                                      <p:tavLst>
+                                        <p:tav tm="0">
+                                          <p:val>
+                                            <p:strVal val="#ppt_x"/>
+                                          </p:val>
+                                        </p:tav>
+                                        <p:tav tm="100000">
+                                          <p:val>
+                                            <p:strVal val="#ppt_x"/>
+                                          </p:val>
+                                        </p:tav>
+                                      </p:tavLst>
+                                    </p:anim>
+                                    <p:anim calcmode="lin" valueType="num">
+                                      <p:cBhvr additive="base">
+                                        <p:cTn id="25" dur="500" fill="hold"/>
+                                        <p:tgtEl>
+                                          <p:spTgt spid="3">
+                                            <p:txEl>
+                                              <p:pRg st="2" end="2"/>
+                                            </p:txEl>
+                                          </p:spTgt>
+                                        </p:tgtEl>
+                                        <p:attrNameLst>
+                                          <p:attrName>ppt_y</p:attrName>
+                                        </p:attrNameLst>
+                                      </p:cBhvr>
+                                      <p:tavLst>
+                                        <p:tav tm="0">
+                                          <p:val>
+                                            <p:strVal val="1+#ppt_h/2"/>
+                                          </p:val>
+                                        </p:tav>
+                                        <p:tav tm="100000">
+                                          <p:val>
+                                            <p:strVal val="#ppt_y"/>
+                                          </p:val>
+                                        </p:tav>
+                                      </p:tavLst>
+                                    </p:anim>
+                                  </p:childTnLst>
+                                </p:cTn>
+                              </p:par>
+                              <p:par>
+                                <p:cTn id="26" presetID="2" presetClass="entr" presetSubtype="4" fill="hold" grpId="0" nodeType="withEffect">
+                                  <p:stCondLst>
+                                    <p:cond delay="0"/>
+                                  </p:stCondLst>
+                                  <p:childTnLst>
+                                    <p:set>
+                                      <p:cBhvr>
+                                        <p:cTn id="27" dur="1" fill="hold">
+                                          <p:stCondLst>
+                                            <p:cond delay="0"/>
+                                          </p:stCondLst>
+                                        </p:cTn>
+                                        <p:tgtEl>
+                                          <p:spTgt spid="3">
+                                            <p:txEl>
+                                              <p:pRg st="3" end="3"/>
+                                            </p:txEl>
+                                          </p:spTgt>
+                                        </p:tgtEl>
+                                        <p:attrNameLst>
+                                          <p:attrName>style.visibility</p:attrName>
+                                        </p:attrNameLst>
+                                      </p:cBhvr>
+                                      <p:to>
+                                        <p:strVal val="visible"/>
+                                      </p:to>
+                                    </p:set>
+                                    <p:anim calcmode="lin" valueType="num">
+                                      <p:cBhvr additive="base">
+                                        <p:cTn id="28" dur="500" fill="hold"/>
+                                        <p:tgtEl>
+                                          <p:spTgt spid="3">
+                                            <p:txEl>
+                                              <p:pRg st="3" end="3"/>
+                                            </p:txEl>
+                                          </p:spTgt>
+                                        </p:tgtEl>
+                                        <p:attrNameLst>
+                                          <p:attrName>ppt_x</p:attrName>
+                                        </p:attrNameLst>
+                                      </p:cBhvr>
+                                      <p:tavLst>
+                                        <p:tav tm="0">
+                                          <p:val>
+                                            <p:strVal val="#ppt_x"/>
+                                          </p:val>
+                                        </p:tav>
+                                        <p:tav tm="100000">
+                                          <p:val>
+                                            <p:strVal val="#ppt_x"/>
+                                          </p:val>
+                                        </p:tav>
+                                      </p:tavLst>
+                                    </p:anim>
+                                    <p:anim calcmode="lin" valueType="num">
+                                      <p:cBhvr additive="base">
+                                        <p:cTn id="29" dur="500" fill="hold"/>
+                                        <p:tgtEl>
+                                          <p:spTgt spid="3">
+                                            <p:txEl>
+                                              <p:pRg st="3" end="3"/>
+                                            </p:txEl>
+                                          </p:spTgt>
+                                        </p:tgtEl>
+                                        <p:attrNameLst>
+                                          <p:attrName>ppt_y</p:attrName>
+                                        </p:attrNameLst>
+                                      </p:cBhvr>
+                                      <p:tavLst>
+                                        <p:tav tm="0">
+                                          <p:val>
+                                            <p:strVal val="1+#ppt_h/2"/>
+                                          </p:val>
+                                        </p:tav>
+                                        <p:tav tm="100000">
+                                          <p:val>
+                                            <p:strVal val="#ppt_y"/>
+                                          </p:val>
+                                        </p:tav>
+                                      </p:tavLst>
+                                    </p:anim>
+                                  </p:childTnLst>
+                                </p:cTn>
+                              </p:par>
+                              <p:par>
+                                <p:cTn id="30" presetID="2" presetClass="entr" presetSubtype="4" fill="hold" grpId="0" nodeType="withEffect">
+                                  <p:stCondLst>
+                                    <p:cond delay="0"/>
+                                  </p:stCondLst>
+                                  <p:childTnLst>
+                                    <p:set>
+                                      <p:cBhvr>
+                                        <p:cTn id="31" dur="1" fill="hold">
+                                          <p:stCondLst>
+                                            <p:cond delay="0"/>
+                                          </p:stCondLst>
+                                        </p:cTn>
+                                        <p:tgtEl>
+                                          <p:spTgt spid="3">
+                                            <p:txEl>
+                                              <p:pRg st="4" end="4"/>
+                                            </p:txEl>
+                                          </p:spTgt>
+                                        </p:tgtEl>
+                                        <p:attrNameLst>
+                                          <p:attrName>style.visibility</p:attrName>
+                                        </p:attrNameLst>
+                                      </p:cBhvr>
+                                      <p:to>
+                                        <p:strVal val="visible"/>
+                                      </p:to>
+                                    </p:set>
+                                    <p:anim calcmode="lin" valueType="num">
+                                      <p:cBhvr additive="base">
+                                        <p:cTn id="32" dur="500" fill="hold"/>
+                                        <p:tgtEl>
+                                          <p:spTgt spid="3">
+                                            <p:txEl>
+                                              <p:pRg st="4" end="4"/>
+                                            </p:txEl>
+                                          </p:spTgt>
+                                        </p:tgtEl>
+                                        <p:attrNameLst>
+                                          <p:attrName>ppt_x</p:attrName>
+                                        </p:attrNameLst>
+                                      </p:cBhvr>
+                                      <p:tavLst>
+                                        <p:tav tm="0">
+                                          <p:val>
+                                            <p:strVal val="#ppt_x"/>
+                                          </p:val>
+                                        </p:tav>
+                                        <p:tav tm="100000">
+                                          <p:val>
+                                            <p:strVal val="#ppt_x"/>
+                                          </p:val>
+                                        </p:tav>
+                                      </p:tavLst>
+                                    </p:anim>
+                                    <p:anim calcmode="lin" valueType="num">
+                                      <p:cBhvr additive="base">
+                                        <p:cTn id="33" dur="500" fill="hold"/>
+                                        <p:tgtEl>
+                                          <p:spTgt spid="3">
+                                            <p:txEl>
+                                              <p:pRg st="4" end="4"/>
+                                            </p:txEl>
+                                          </p:spTgt>
+                                        </p:tgtEl>
+                                        <p:attrNameLst>
+                                          <p:attrName>ppt_y</p:attrName>
+                                        </p:attrNameLst>
+                                      </p:cBhvr>
+                                      <p:tavLst>
+                                        <p:tav tm="0">
+                                          <p:val>
+                                            <p:strVal val="1+#ppt_h/2"/>
+                                          </p:val>
+                                        </p:tav>
+                                        <p:tav tm="100000">
+                                          <p:val>
+                                            <p:strVal val="#ppt_y"/>
+                                          </p:val>
+                                        </p:tav>
+                                      </p:tavLst>
+                                    </p:anim>
+                                  </p:childTnLst>
+                                </p:cTn>
+                              </p:par>
+                              <p:par>
+                                <p:cTn id="34" presetID="2" presetClass="entr" presetSubtype="4" fill="hold" grpId="0" nodeType="withEffect">
+                                  <p:stCondLst>
+                                    <p:cond delay="0"/>
+                                  </p:stCondLst>
+                                  <p:childTnLst>
+                                    <p:set>
+                                      <p:cBhvr>
+                                        <p:cTn id="35" dur="1" fill="hold">
+                                          <p:stCondLst>
+                                            <p:cond delay="0"/>
+                                          </p:stCondLst>
+                                        </p:cTn>
+                                        <p:tgtEl>
+                                          <p:spTgt spid="3">
+                                            <p:txEl>
+                                              <p:pRg st="7" end="7"/>
+                                            </p:txEl>
+                                          </p:spTgt>
+                                        </p:tgtEl>
+                                        <p:attrNameLst>
+                                          <p:attrName>style.visibility</p:attrName>
+                                        </p:attrNameLst>
+                                      </p:cBhvr>
+                                      <p:to>
+                                        <p:strVal val="visible"/>
+                                      </p:to>
+                                    </p:set>
+                                    <p:anim calcmode="lin" valueType="num">
+                                      <p:cBhvr additive="base">
+                                        <p:cTn id="36" dur="500" fill="hold"/>
+                                        <p:tgtEl>
+                                          <p:spTgt spid="3">
+                                            <p:txEl>
+                                              <p:pRg st="7" end="7"/>
+                                            </p:txEl>
+                                          </p:spTgt>
+                                        </p:tgtEl>
+                                        <p:attrNameLst>
+                                          <p:attrName>ppt_x</p:attrName>
+                                        </p:attrNameLst>
+                                      </p:cBhvr>
+                                      <p:tavLst>
+                                        <p:tav tm="0">
+                                          <p:val>
+                                            <p:strVal val="#ppt_x"/>
+                                          </p:val>
+                                        </p:tav>
+                                        <p:tav tm="100000">
+                                          <p:val>
+                                            <p:strVal val="#ppt_x"/>
+                                          </p:val>
+                                        </p:tav>
+                                      </p:tavLst>
+                                    </p:anim>
+                                    <p:anim calcmode="lin" valueType="num">
+                                      <p:cBhvr additive="base">
+                                        <p:cTn id="37" dur="500" fill="hold"/>
+                                        <p:tgtEl>
+                                          <p:spTgt spid="3">
+                                            <p:txEl>
+                                              <p:pRg st="7" end="7"/>
+                                            </p:txEl>
+                                          </p:spTgt>
+                                        </p:tgtEl>
+                                        <p:attrNameLst>
+                                          <p:attrName>ppt_y</p:attrName>
+                                        </p:attrNameLst>
+                                      </p:cBhvr>
+                                      <p:tavLst>
+                                        <p:tav tm="0">
+                                          <p:val>
+                                            <p:strVal val="1+#ppt_h/2"/>
+                                          </p:val>
+                                        </p:tav>
+                                        <p:tav tm="100000">
+                                          <p:val>
+                                            <p:strVal val="#ppt_y"/>
+                                          </p:val>
+                                        </p:tav>
+                                      </p:tavLst>
+                                    </p:anim>
+                                  </p:childTnLst>
+                                </p:cTn>
+                              </p:par>
+                              <p:par>
+                                <p:cTn id="38" presetID="2" presetClass="entr" presetSubtype="4" fill="hold" grpId="0" nodeType="withEffect">
+                                  <p:stCondLst>
+                                    <p:cond delay="0"/>
+                                  </p:stCondLst>
+                                  <p:childTnLst>
+                                    <p:set>
+                                      <p:cBhvr>
+                                        <p:cTn id="39" dur="1" fill="hold">
+                                          <p:stCondLst>
+                                            <p:cond delay="0"/>
+                                          </p:stCondLst>
+                                        </p:cTn>
+                                        <p:tgtEl>
+                                          <p:spTgt spid="3">
+                                            <p:txEl>
+                                              <p:pRg st="8" end="8"/>
+                                            </p:txEl>
+                                          </p:spTgt>
+                                        </p:tgtEl>
+                                        <p:attrNameLst>
+                                          <p:attrName>style.visibility</p:attrName>
+                                        </p:attrNameLst>
+                                      </p:cBhvr>
+                                      <p:to>
+                                        <p:strVal val="visible"/>
+                                      </p:to>
+                                    </p:set>
+                                    <p:anim calcmode="lin" valueType="num">
+                                      <p:cBhvr additive="base">
+                                        <p:cTn id="40" dur="500" fill="hold"/>
+                                        <p:tgtEl>
+                                          <p:spTgt spid="3">
+                                            <p:txEl>
+                                              <p:pRg st="8" end="8"/>
+                                            </p:txEl>
+                                          </p:spTgt>
+                                        </p:tgtEl>
+                                        <p:attrNameLst>
+                                          <p:attrName>ppt_x</p:attrName>
+                                        </p:attrNameLst>
+                                      </p:cBhvr>
+                                      <p:tavLst>
+                                        <p:tav tm="0">
+                                          <p:val>
+                                            <p:strVal val="#ppt_x"/>
+                                          </p:val>
+                                        </p:tav>
+                                        <p:tav tm="100000">
+                                          <p:val>
+                                            <p:strVal val="#ppt_x"/>
+                                          </p:val>
+                                        </p:tav>
+                                      </p:tavLst>
+                                    </p:anim>
+                                    <p:anim calcmode="lin" valueType="num">
+                                      <p:cBhvr additive="base">
+                                        <p:cTn id="41" dur="500" fill="hold"/>
+                                        <p:tgtEl>
+                                          <p:spTgt spid="3">
+                                            <p:txEl>
+                                              <p:pRg st="8" end="8"/>
+                                            </p:txEl>
+                                          </p:spTgt>
+                                        </p:tgtEl>
+                                        <p:attrNameLst>
+                                          <p:attrName>ppt_y</p:attrName>
+                                        </p:attrNameLst>
+                                      </p:cBhvr>
+                                      <p:tavLst>
+                                        <p:tav tm="0">
+                                          <p:val>
+                                            <p:strVal val="1+#ppt_h/2"/>
+                                          </p:val>
+                                        </p:tav>
+                                        <p:tav tm="100000">
+                                          <p:val>
+                                            <p:strVal val="#ppt_y"/>
+                                          </p:val>
+                                        </p:tav>
+                                      </p:tavLst>
+                                    </p:anim>
+                                  </p:childTnLst>
+                                </p:cTn>
+                              </p:par>
+                              <p:par>
+                                <p:cTn id="42" presetID="2" presetClass="entr" presetSubtype="4" fill="hold" nodeType="withEffect">
+                                  <p:stCondLst>
+                                    <p:cond delay="0"/>
+                                  </p:stCondLst>
+                                  <p:childTnLst>
+                                    <p:set>
+                                      <p:cBhvr>
+                                        <p:cTn id="43" dur="1" fill="hold">
+                                          <p:stCondLst>
+                                            <p:cond delay="0"/>
+                                          </p:stCondLst>
+                                        </p:cTn>
+                                        <p:tgtEl>
+                                          <p:spTgt spid="10"/>
+                                        </p:tgtEl>
+                                        <p:attrNameLst>
+                                          <p:attrName>style.visibility</p:attrName>
+                                        </p:attrNameLst>
+                                      </p:cBhvr>
+                                      <p:to>
+                                        <p:strVal val="visible"/>
+                                      </p:to>
+                                    </p:set>
+                                    <p:anim calcmode="lin" valueType="num">
+                                      <p:cBhvr additive="base">
+                                        <p:cTn id="44" dur="500" fill="hold"/>
+                                        <p:tgtEl>
+                                          <p:spTgt spid="10"/>
+                                        </p:tgtEl>
+                                        <p:attrNameLst>
+                                          <p:attrName>ppt_x</p:attrName>
+                                        </p:attrNameLst>
+                                      </p:cBhvr>
+                                      <p:tavLst>
+                                        <p:tav tm="0">
+                                          <p:val>
+                                            <p:strVal val="#ppt_x"/>
+                                          </p:val>
+                                        </p:tav>
+                                        <p:tav tm="100000">
+                                          <p:val>
+                                            <p:strVal val="#ppt_x"/>
+                                          </p:val>
+                                        </p:tav>
+                                      </p:tavLst>
+                                    </p:anim>
+                                    <p:anim calcmode="lin" valueType="num">
+                                      <p:cBhvr additive="base">
+                                        <p:cTn id="45" dur="500" fill="hold"/>
+                                        <p:tgtEl>
+                                          <p:spTgt spid="10"/>
+                                        </p:tgtEl>
+                                        <p:attrNameLst>
+                                          <p:attrName>ppt_y</p:attrName>
+                                        </p:attrNameLst>
+                                      </p:cBhvr>
+                                      <p:tavLst>
+                                        <p:tav tm="0">
+                                          <p:val>
+                                            <p:strVal val="1+#ppt_h/2"/>
+                                          </p:val>
+                                        </p:tav>
+                                        <p:tav tm="100000">
+                                          <p:val>
+                                            <p:strVal val="#ppt_y"/>
+                                          </p:val>
+                                        </p:tav>
+                                      </p:tavLst>
+                                    </p:anim>
+                                  </p:childTnLst>
+                                </p:cTn>
+                              </p:par>
+                            </p:childTnLst>
+                          </p:cTn>
+                        </p:par>
+                      </p:childTnLst>
+                    </p:cTn>
+                  </p:par>
+                </p:childTnLst>
+              </p:cTn>
+              <p:prevCondLst>
+                <p:cond evt="onPrev" delay="0">
+                  <p:tgtEl>
+                    <p:sldTgt/>
+                  </p:tgtEl>
+                </p:cond>
+              </p:prevCondLst>
+              <p:nextCondLst>
+                <p:cond evt="onNext" delay="0">
+                  <p:tgtEl>
+                    <p:sldTgt/>
+                  </p:tgtEl>
+                </p:cond>
+              </p:nextCondLst>
+            </p:seq>
+          </p:childTnLst>
+        </p:cTn>
+      </p:par>
+    </p:tnLst>
+    <p:bldLst>
+      <p:bldP spid="2" grpId="0"/>
+      <p:bldP spid="3" grpId="0" uiExpand="1" build="p"/>
+    </p:bldLst>
+  </p:timing>
 </p:sld>
 </file>
 
@@ -6279,7 +12196,7 @@
         <p:spPr>
           <a:xfrm>
             <a:off x="6846137" y="1629295"/>
-            <a:ext cx="4602152" cy="606829"/>
+            <a:ext cx="4829396" cy="3787832"/>
           </a:xfrm>
         </p:spPr>
         <p:txBody>
@@ -6288,15 +12205,110 @@
           </a:bodyPr>
           <a:lstStyle/>
           <a:p>
+            <a:pPr marL="0" indent="0">
+              <a:spcAft>
+                <a:spcPts val="1800"/>
+              </a:spcAft>
+              <a:buNone/>
+            </a:pPr>
             <a:r>
               <a:rPr lang="en-US" b="0" i="0" dirty="0">
                 <a:effectLst/>
                 <a:latin typeface="Montserrat" panose="020B0604020202020204" pitchFamily="2" charset="0"/>
               </a:rPr>
-              <a:t>City of Toronto's Open Data Portal</a:t>
+              <a:t>         City of Toronto's Open Data Portal (</a:t>
             </a:r>
-          </a:p>
-          <a:p>
+            <a:r>
+              <a:rPr lang="en-US" b="0" i="0" dirty="0">
+                <a:effectLst/>
+                <a:latin typeface="Montserrat" panose="020B0604020202020204" pitchFamily="2" charset="0"/>
+                <a:hlinkClick r:id="rId3"/>
+              </a:rPr>
+              <a:t>https://open.toronto.ca/dataset/motor-vehicle-collisions-involving-killed-or-seriously-injured-persons/</a:t>
+            </a:r>
+            <a:r>
+              <a:rPr lang="en-US" b="0" i="0" dirty="0">
+                <a:effectLst/>
+                <a:latin typeface="Montserrat" panose="020B0604020202020204" pitchFamily="2" charset="0"/>
+              </a:rPr>
+              <a:t>)</a:t>
+            </a:r>
+          </a:p>
+          <a:p>
+            <a:pPr marL="0" indent="0">
+              <a:buNone/>
+            </a:pPr>
+            <a:r>
+              <a:rPr lang="en-US" dirty="0">
+                <a:latin typeface="Montserrat" panose="020B0604020202020204" pitchFamily="2" charset="0"/>
+              </a:rPr>
+              <a:t>          On </a:t>
+            </a:r>
+            <a:r>
+              <a:rPr lang="en-US" b="0" i="0" dirty="0">
+                <a:effectLst/>
+                <a:latin typeface="Montserrat" panose="020B0604020202020204" pitchFamily="2" charset="0"/>
+              </a:rPr>
+              <a:t>Git hub - </a:t>
+            </a:r>
+            <a:r>
+              <a:rPr lang="en-US" dirty="0">
+                <a:latin typeface="Montserrat" panose="020B0604020202020204" pitchFamily="2" charset="0"/>
+                <a:hlinkClick r:id="rId4"/>
+              </a:rPr>
+              <a:t> </a:t>
+            </a:r>
+            <a:r>
+              <a:rPr lang="en-US" b="0" i="0" dirty="0">
+                <a:effectLst/>
+                <a:latin typeface="Montserrat" panose="020B0604020202020204" pitchFamily="2" charset="0"/>
+                <a:hlinkClick r:id="rId4"/>
+              </a:rPr>
+              <a:t>https://github.com/barharding/Crash-Detectives/tree/main/Dataset</a:t>
+            </a:r>
+            <a:endParaRPr lang="en-US" dirty="0">
+              <a:latin typeface="Montserrat" panose="020B0604020202020204" pitchFamily="2" charset="0"/>
+            </a:endParaRPr>
+          </a:p>
+          <a:p>
+            <a:pPr marL="0" indent="0">
+              <a:buNone/>
+            </a:pPr>
+            <a:endParaRPr lang="en-US" b="0" i="0" dirty="0">
+              <a:effectLst/>
+              <a:latin typeface="Montserrat" panose="020B0604020202020204" pitchFamily="2" charset="0"/>
+            </a:endParaRPr>
+          </a:p>
+          <a:p>
+            <a:pPr marL="0" indent="0">
+              <a:buNone/>
+            </a:pPr>
+            <a:endParaRPr lang="en-US" dirty="0">
+              <a:latin typeface="Montserrat" panose="020B0604020202020204" pitchFamily="2" charset="0"/>
+            </a:endParaRPr>
+          </a:p>
+          <a:p>
+            <a:pPr marL="0" indent="0">
+              <a:buNone/>
+            </a:pPr>
+            <a:endParaRPr lang="en-US" b="0" i="0" dirty="0">
+              <a:effectLst/>
+              <a:latin typeface="Montserrat" panose="020B0604020202020204" pitchFamily="2" charset="0"/>
+            </a:endParaRPr>
+          </a:p>
+          <a:p>
+            <a:pPr marL="0" indent="0">
+              <a:buNone/>
+            </a:pPr>
+            <a:endParaRPr lang="en-US" b="0" i="0" dirty="0">
+              <a:effectLst/>
+              <a:latin typeface="Montserrat" panose="020B0604020202020204" pitchFamily="2" charset="0"/>
+            </a:endParaRPr>
+          </a:p>
+          <a:p>
+            <a:pPr marL="0" indent="0">
+              <a:buNone/>
+            </a:pPr>
             <a:endParaRPr lang="en-CA" dirty="0"/>
           </a:p>
         </p:txBody>
@@ -6371,13 +12383,13 @@
           <p:nvPr/>
         </p:nvPicPr>
         <p:blipFill>
-          <a:blip r:embed="rId3">
+          <a:blip r:embed="rId5">
             <a:extLst>
               <a:ext uri="{28A0092B-C50C-407E-A947-70E740481C1C}">
                 <a14:useLocalDpi xmlns:a14="http://schemas.microsoft.com/office/drawing/2010/main" val="0"/>
               </a:ext>
               <a:ext uri="{96DAC541-7B7A-43D3-8B79-37D633B846F1}">
-                <asvg:svgBlip xmlns:asvg="http://schemas.microsoft.com/office/drawing/2016/SVG/main" r:embed="rId4"/>
+                <asvg:svgBlip xmlns:asvg="http://schemas.microsoft.com/office/drawing/2016/SVG/main" r:embed="rId6"/>
               </a:ext>
             </a:extLst>
           </a:blip>
@@ -6387,8 +12399,68 @@
         </p:blipFill>
         <p:spPr>
           <a:xfrm>
-            <a:off x="10904935" y="387665"/>
-            <a:ext cx="914400" cy="914400"/>
+            <a:off x="6259227" y="178986"/>
+            <a:ext cx="734240" cy="734240"/>
+          </a:xfrm>
+          <a:prstGeom prst="rect">
+            <a:avLst/>
+          </a:prstGeom>
+        </p:spPr>
+      </p:pic>
+      <p:pic>
+        <p:nvPicPr>
+          <p:cNvPr id="9" name="Picture 8">
+            <a:extLst>
+              <a:ext uri="{FF2B5EF4-FFF2-40B4-BE49-F238E27FC236}">
+                <a16:creationId xmlns:a16="http://schemas.microsoft.com/office/drawing/2014/main" id="{2922D2AF-4F6B-B9B9-B515-ADD91BF21F38}"/>
+              </a:ext>
+            </a:extLst>
+          </p:cNvPr>
+          <p:cNvPicPr>
+            <a:picLocks noChangeAspect="1"/>
+          </p:cNvPicPr>
+          <p:nvPr/>
+        </p:nvPicPr>
+        <p:blipFill>
+          <a:blip r:embed="rId7"/>
+          <a:stretch>
+            <a:fillRect/>
+          </a:stretch>
+        </p:blipFill>
+        <p:spPr>
+          <a:xfrm>
+            <a:off x="7077753" y="3002854"/>
+            <a:ext cx="387442" cy="370729"/>
+          </a:xfrm>
+          <a:prstGeom prst="rect">
+            <a:avLst/>
+          </a:prstGeom>
+        </p:spPr>
+      </p:pic>
+      <p:pic>
+        <p:nvPicPr>
+          <p:cNvPr id="5" name="Picture 4">
+            <a:extLst>
+              <a:ext uri="{FF2B5EF4-FFF2-40B4-BE49-F238E27FC236}">
+                <a16:creationId xmlns:a16="http://schemas.microsoft.com/office/drawing/2014/main" id="{3FD9BF75-B970-A3B7-2F0D-3D4D90502DE9}"/>
+              </a:ext>
+            </a:extLst>
+          </p:cNvPr>
+          <p:cNvPicPr>
+            <a:picLocks noChangeAspect="1"/>
+          </p:cNvPicPr>
+          <p:nvPr/>
+        </p:nvPicPr>
+        <p:blipFill>
+          <a:blip r:embed="rId8"/>
+          <a:stretch>
+            <a:fillRect/>
+          </a:stretch>
+        </p:blipFill>
+        <p:spPr>
+          <a:xfrm>
+            <a:off x="6993467" y="1473355"/>
+            <a:ext cx="385990" cy="504000"/>
           </a:xfrm>
           <a:prstGeom prst="rect">
             <a:avLst/>
@@ -6411,6 +12483,17 @@
 <file path=ppt/slides/slide4.xml><?xml version="1.0" encoding="utf-8"?>
 <p:sld xmlns:a="http://schemas.openxmlformats.org/drawingml/2006/main" xmlns:r="http://schemas.openxmlformats.org/officeDocument/2006/relationships" xmlns:p="http://schemas.openxmlformats.org/presentationml/2006/main">
   <p:cSld>
+    <p:bg>
+      <p:bgPr>
+        <a:solidFill>
+          <a:schemeClr val="bg1">
+            <a:lumMod val="95000"/>
+            <a:lumOff val="5000"/>
+          </a:schemeClr>
+        </a:solidFill>
+        <a:effectLst/>
+      </p:bgPr>
+    </p:bg>
     <p:spTree>
       <p:nvGrpSpPr>
         <p:cNvPr id="1" name=""/>
@@ -6425,6 +12508,97 @@
           <a:chExt cx="0" cy="0"/>
         </a:xfrm>
       </p:grpSpPr>
+      <p:sp useBgFill="1">
+        <p:nvSpPr>
+          <p:cNvPr id="9" name="Rectangle 8">
+            <a:extLst>
+              <a:ext uri="{FF2B5EF4-FFF2-40B4-BE49-F238E27FC236}">
+                <a16:creationId xmlns:a16="http://schemas.microsoft.com/office/drawing/2014/main" id="{E192707B-B929-41A7-9B41-E959A1C689E4}"/>
+              </a:ext>
+              <a:ext uri="{C183D7F6-B498-43B3-948B-1728B52AA6E4}">
+                <adec:decorative xmlns:adec="http://schemas.microsoft.com/office/drawing/2017/decorative" val="1"/>
+              </a:ext>
+            </a:extLst>
+          </p:cNvPr>
+          <p:cNvSpPr>
+            <a:spLocks noGrp="1" noRot="1" noChangeAspect="1" noMove="1" noResize="1" noEditPoints="1" noAdjustHandles="1" noChangeArrowheads="1" noChangeShapeType="1" noTextEdit="1"/>
+          </p:cNvSpPr>
+          <p:nvPr>
+            <p:extLst>
+              <p:ext uri="{386F3935-93C4-4BCD-93E2-E3B085C9AB24}">
+                <p16:designElem xmlns:p16="http://schemas.microsoft.com/office/powerpoint/2015/main" val="1"/>
+              </p:ext>
+            </p:extLst>
+          </p:nvPr>
+        </p:nvSpPr>
+        <p:spPr>
+          <a:xfrm>
+            <a:off x="0" y="0"/>
+            <a:ext cx="12192000" cy="6858000"/>
+          </a:xfrm>
+          <a:prstGeom prst="rect">
+            <a:avLst/>
+          </a:prstGeom>
+          <a:ln>
+            <a:noFill/>
+          </a:ln>
+        </p:spPr>
+        <p:style>
+          <a:lnRef idx="2">
+            <a:schemeClr val="accent1">
+              <a:shade val="50000"/>
+            </a:schemeClr>
+          </a:lnRef>
+          <a:fillRef idx="1">
+            <a:schemeClr val="accent1"/>
+          </a:fillRef>
+          <a:effectRef idx="0">
+            <a:schemeClr val="accent1"/>
+          </a:effectRef>
+          <a:fontRef idx="minor">
+            <a:schemeClr val="lt1"/>
+          </a:fontRef>
+        </p:style>
+        <p:txBody>
+          <a:bodyPr rtlCol="0" anchor="ctr"/>
+          <a:lstStyle/>
+          <a:p>
+            <a:pPr algn="ctr"/>
+            <a:endParaRPr lang="en-US"/>
+          </a:p>
+        </p:txBody>
+      </p:sp>
+      <p:pic>
+        <p:nvPicPr>
+          <p:cNvPr id="5" name="Picture 4" descr="Red alarm light with people on the background">
+            <a:extLst>
+              <a:ext uri="{FF2B5EF4-FFF2-40B4-BE49-F238E27FC236}">
+                <a16:creationId xmlns:a16="http://schemas.microsoft.com/office/drawing/2014/main" id="{DBDB8E54-560A-644C-AC29-6086CCD63A48}"/>
+              </a:ext>
+            </a:extLst>
+          </p:cNvPr>
+          <p:cNvPicPr>
+            <a:picLocks noChangeAspect="1"/>
+          </p:cNvPicPr>
+          <p:nvPr/>
+        </p:nvPicPr>
+        <p:blipFill rotWithShape="1">
+          <a:blip r:embed="rId2">
+            <a:alphaModFix amt="35000"/>
+          </a:blip>
+          <a:srcRect b="15730"/>
+          <a:stretch/>
+        </p:blipFill>
+        <p:spPr>
+          <a:xfrm>
+            <a:off x="20" y="10"/>
+            <a:ext cx="12191980" cy="6857990"/>
+          </a:xfrm>
+          <a:prstGeom prst="rect">
+            <a:avLst/>
+          </a:prstGeom>
+        </p:spPr>
+      </p:pic>
       <p:sp>
         <p:nvSpPr>
           <p:cNvPr id="2" name="Title 1">
@@ -6441,12 +12615,22 @@
             <p:ph type="title"/>
           </p:nvPr>
         </p:nvSpPr>
-        <p:spPr/>
+        <p:spPr>
+          <a:xfrm>
+            <a:off x="1066800" y="642594"/>
+            <a:ext cx="10058400" cy="1371600"/>
+          </a:xfrm>
+        </p:spPr>
         <p:txBody>
-          <a:bodyPr/>
+          <a:bodyPr>
+            <a:normAutofit/>
+          </a:bodyPr>
           <a:lstStyle/>
           <a:p>
-            <a:endParaRPr lang="en-CA"/>
+            <a:r>
+              <a:rPr lang="en-CA" dirty="0"/>
+              <a:t>Questions to be answered</a:t>
+            </a:r>
           </a:p>
         </p:txBody>
       </p:sp>
@@ -6466,14 +12650,83 @@
             <p:ph idx="1"/>
           </p:nvPr>
         </p:nvSpPr>
-        <p:spPr/>
+        <p:spPr>
+          <a:xfrm>
+            <a:off x="1066800" y="2103120"/>
+            <a:ext cx="10058400" cy="2655147"/>
+          </a:xfrm>
+        </p:spPr>
         <p:txBody>
-          <a:bodyPr/>
+          <a:bodyPr>
+            <a:normAutofit/>
+          </a:bodyPr>
           <a:lstStyle/>
           <a:p>
-            <a:endParaRPr lang="en-CA"/>
+            <a:r>
+              <a:rPr lang="en-CA" dirty="0"/>
+              <a:t>Factors affecting Accident severity</a:t>
+            </a:r>
+          </a:p>
+          <a:p>
+            <a:r>
+              <a:rPr lang="en-CA" dirty="0"/>
+              <a:t>Red light camera installation correlation with incidents</a:t>
+            </a:r>
+          </a:p>
+          <a:p>
+            <a:r>
+              <a:rPr lang="en-CA" dirty="0"/>
+              <a:t>Predicting if an incident will be fatal/non-fatal on a location?</a:t>
+            </a:r>
+          </a:p>
+          <a:p>
+            <a:endParaRPr lang="en-CA" dirty="0"/>
           </a:p>
         </p:txBody>
+      </p:sp>
+      <p:sp>
+        <p:nvSpPr>
+          <p:cNvPr id="11" name="Rectangle 10">
+            <a:extLst>
+              <a:ext uri="{FF2B5EF4-FFF2-40B4-BE49-F238E27FC236}">
+                <a16:creationId xmlns:a16="http://schemas.microsoft.com/office/drawing/2014/main" id="{8FB4235C-4505-46C7-AD8F-8769A1972FC1}"/>
+              </a:ext>
+              <a:ext uri="{C183D7F6-B498-43B3-948B-1728B52AA6E4}">
+                <adec:decorative xmlns:adec="http://schemas.microsoft.com/office/drawing/2017/decorative" val="1"/>
+              </a:ext>
+            </a:extLst>
+          </p:cNvPr>
+          <p:cNvSpPr>
+            <a:spLocks noGrp="1" noRot="1" noChangeAspect="1" noMove="1" noResize="1" noEditPoints="1" noAdjustHandles="1" noChangeArrowheads="1" noChangeShapeType="1" noTextEdit="1"/>
+          </p:cNvSpPr>
+          <p:nvPr>
+            <p:extLst>
+              <p:ext uri="{386F3935-93C4-4BCD-93E2-E3B085C9AB24}">
+                <p16:designElem xmlns:p16="http://schemas.microsoft.com/office/powerpoint/2015/main" val="1"/>
+              </p:ext>
+            </p:extLst>
+          </p:nvPr>
+        </p:nvSpPr>
+        <p:spPr>
+          <a:xfrm>
+            <a:off x="234696" y="237744"/>
+            <a:ext cx="11722608" cy="6382512"/>
+          </a:xfrm>
+          <a:prstGeom prst="rect">
+            <a:avLst/>
+          </a:prstGeom>
+          <a:noFill/>
+          <a:ln w="6350" cap="sq" cmpd="sng" algn="ctr">
+            <a:solidFill>
+              <a:schemeClr val="tx1"/>
+            </a:solidFill>
+            <a:prstDash val="solid"/>
+            <a:miter lim="800000"/>
+          </a:ln>
+          <a:effectLst>
+            <a:softEdge rad="0"/>
+          </a:effectLst>
+        </p:spPr>
       </p:sp>
     </p:spTree>
     <p:extLst>
@@ -6483,7 +12736,7 @@
     </p:extLst>
   </p:cSld>
   <p:clrMapOvr>
-    <a:masterClrMapping/>
+    <a:overrideClrMapping bg1="dk1" tx1="lt1" bg2="dk2" tx2="lt2" accent1="accent1" accent2="accent2" accent3="accent3" accent4="accent4" accent5="accent5" accent6="accent6" hlink="hlink" folHlink="folHlink"/>
   </p:clrMapOvr>
 </p:sld>
 </file>
@@ -6625,7 +12878,7 @@
         </p:nvSpPr>
         <p:spPr>
           <a:xfrm>
-            <a:off x="1066800" y="642594"/>
+            <a:off x="357352" y="343049"/>
             <a:ext cx="10058400" cy="1371600"/>
           </a:xfrm>
         </p:spPr>
@@ -6640,38 +12893,6 @@
               <a:t>What’s in the data?</a:t>
             </a:r>
             <a:endParaRPr lang="en-CA" dirty="0"/>
-          </a:p>
-        </p:txBody>
-      </p:sp>
-      <p:sp>
-        <p:nvSpPr>
-          <p:cNvPr id="3" name="Content Placeholder 2">
-            <a:extLst>
-              <a:ext uri="{FF2B5EF4-FFF2-40B4-BE49-F238E27FC236}">
-                <a16:creationId xmlns:a16="http://schemas.microsoft.com/office/drawing/2014/main" id="{73EE0278-CB52-296A-7566-2005D389BEE0}"/>
-              </a:ext>
-            </a:extLst>
-          </p:cNvPr>
-          <p:cNvSpPr>
-            <a:spLocks noGrp="1"/>
-          </p:cNvSpPr>
-          <p:nvPr>
-            <p:ph idx="1"/>
-          </p:nvPr>
-        </p:nvSpPr>
-        <p:spPr>
-          <a:xfrm>
-            <a:off x="1066800" y="2103120"/>
-            <a:ext cx="10058400" cy="3931920"/>
-          </a:xfrm>
-        </p:spPr>
-        <p:txBody>
-          <a:bodyPr>
-            <a:normAutofit/>
-          </a:bodyPr>
-          <a:lstStyle/>
-          <a:p>
-            <a:endParaRPr lang="en-CA"/>
           </a:p>
         </p:txBody>
       </p:sp>
@@ -6719,6 +12940,34 @@
           </a:effectLst>
         </p:spPr>
       </p:sp>
+      <p:graphicFrame>
+        <p:nvGraphicFramePr>
+          <p:cNvPr id="16" name="Diagram 15">
+            <a:extLst>
+              <a:ext uri="{FF2B5EF4-FFF2-40B4-BE49-F238E27FC236}">
+                <a16:creationId xmlns:a16="http://schemas.microsoft.com/office/drawing/2014/main" id="{36492A13-3319-FE3E-2250-23A6966BE6E9}"/>
+              </a:ext>
+            </a:extLst>
+          </p:cNvPr>
+          <p:cNvGraphicFramePr/>
+          <p:nvPr>
+            <p:extLst>
+              <p:ext uri="{D42A27DB-BD31-4B8C-83A1-F6EECF244321}">
+                <p14:modId xmlns:p14="http://schemas.microsoft.com/office/powerpoint/2010/main" val="201325837"/>
+              </p:ext>
+            </p:extLst>
+          </p:nvPr>
+        </p:nvGraphicFramePr>
+        <p:xfrm>
+          <a:off x="2032000" y="1201589"/>
+          <a:ext cx="8128000" cy="5418667"/>
+        </p:xfrm>
+        <a:graphic>
+          <a:graphicData uri="http://schemas.openxmlformats.org/drawingml/2006/diagram">
+            <dgm:relIds xmlns:dgm="http://schemas.openxmlformats.org/drawingml/2006/diagram" xmlns:r="http://schemas.openxmlformats.org/officeDocument/2006/relationships" r:dm="rId3" r:lo="rId4" r:qs="rId5" r:cs="rId6"/>
+          </a:graphicData>
+        </a:graphic>
+      </p:graphicFrame>
     </p:spTree>
     <p:extLst>
       <p:ext uri="{BB962C8B-B14F-4D97-AF65-F5344CB8AC3E}">
@@ -6733,6 +12982,86 @@
 </file>
 
 <file path=ppt/slides/slide6.xml><?xml version="1.0" encoding="utf-8"?>
+<p:sld xmlns:a="http://schemas.openxmlformats.org/drawingml/2006/main" xmlns:r="http://schemas.openxmlformats.org/officeDocument/2006/relationships" xmlns:p="http://schemas.openxmlformats.org/presentationml/2006/main">
+  <p:cSld>
+    <p:spTree>
+      <p:nvGrpSpPr>
+        <p:cNvPr id="1" name=""/>
+        <p:cNvGrpSpPr/>
+        <p:nvPr/>
+      </p:nvGrpSpPr>
+      <p:grpSpPr>
+        <a:xfrm>
+          <a:off x="0" y="0"/>
+          <a:ext cx="0" cy="0"/>
+          <a:chOff x="0" y="0"/>
+          <a:chExt cx="0" cy="0"/>
+        </a:xfrm>
+      </p:grpSpPr>
+      <p:sp>
+        <p:nvSpPr>
+          <p:cNvPr id="2" name="Title 1">
+            <a:extLst>
+              <a:ext uri="{FF2B5EF4-FFF2-40B4-BE49-F238E27FC236}">
+                <a16:creationId xmlns:a16="http://schemas.microsoft.com/office/drawing/2014/main" id="{8B64A01A-6AFE-5F6F-06F6-DF94FAB279A8}"/>
+              </a:ext>
+            </a:extLst>
+          </p:cNvPr>
+          <p:cNvSpPr>
+            <a:spLocks noGrp="1"/>
+          </p:cNvSpPr>
+          <p:nvPr>
+            <p:ph type="title"/>
+          </p:nvPr>
+        </p:nvSpPr>
+        <p:spPr/>
+        <p:txBody>
+          <a:bodyPr/>
+          <a:lstStyle/>
+          <a:p>
+            <a:endParaRPr lang="en-CA"/>
+          </a:p>
+        </p:txBody>
+      </p:sp>
+      <p:sp>
+        <p:nvSpPr>
+          <p:cNvPr id="3" name="Content Placeholder 2">
+            <a:extLst>
+              <a:ext uri="{FF2B5EF4-FFF2-40B4-BE49-F238E27FC236}">
+                <a16:creationId xmlns:a16="http://schemas.microsoft.com/office/drawing/2014/main" id="{03E808AA-D02E-FD5F-97B1-860A5145D56E}"/>
+              </a:ext>
+            </a:extLst>
+          </p:cNvPr>
+          <p:cNvSpPr>
+            <a:spLocks noGrp="1"/>
+          </p:cNvSpPr>
+          <p:nvPr>
+            <p:ph idx="1"/>
+          </p:nvPr>
+        </p:nvSpPr>
+        <p:spPr/>
+        <p:txBody>
+          <a:bodyPr/>
+          <a:lstStyle/>
+          <a:p>
+            <a:endParaRPr lang="en-CA" dirty="0"/>
+          </a:p>
+        </p:txBody>
+      </p:sp>
+    </p:spTree>
+    <p:extLst>
+      <p:ext uri="{BB962C8B-B14F-4D97-AF65-F5344CB8AC3E}">
+        <p14:creationId xmlns:p14="http://schemas.microsoft.com/office/powerpoint/2010/main" val="3280580709"/>
+      </p:ext>
+    </p:extLst>
+  </p:cSld>
+  <p:clrMapOvr>
+    <a:masterClrMapping/>
+  </p:clrMapOvr>
+</p:sld>
+</file>
+
+<file path=ppt/slides/slide7.xml><?xml version="1.0" encoding="utf-8"?>
 <p:sld xmlns:a="http://schemas.openxmlformats.org/drawingml/2006/main" xmlns:r="http://schemas.openxmlformats.org/officeDocument/2006/relationships" xmlns:p="http://schemas.openxmlformats.org/presentationml/2006/main">
   <p:cSld>
     <p:bg>

--- a/Crash_Dectectives.pptx
+++ b/Crash_Dectectives.pptx
@@ -5,7 +5,7 @@
     <p:sldMasterId id="2147483672" r:id="rId1"/>
   </p:sldMasterIdLst>
   <p:notesMasterIdLst>
-    <p:notesMasterId r:id="rId12"/>
+    <p:notesMasterId r:id="rId14"/>
   </p:notesMasterIdLst>
   <p:sldIdLst>
     <p:sldId id="256" r:id="rId2"/>
@@ -17,7 +17,9 @@
     <p:sldId id="262" r:id="rId8"/>
     <p:sldId id="263" r:id="rId9"/>
     <p:sldId id="264" r:id="rId10"/>
-    <p:sldId id="259" r:id="rId11"/>
+    <p:sldId id="267" r:id="rId11"/>
+    <p:sldId id="259" r:id="rId12"/>
+    <p:sldId id="266" r:id="rId13"/>
   </p:sldIdLst>
   <p:sldSz cx="12192000" cy="6858000"/>
   <p:notesSz cx="6858000" cy="9144000"/>
@@ -127,8 +129,8 @@
 <file path=ppt/revisionInfo.xml><?xml version="1.0" encoding="utf-8"?>
 <p1510:revInfo xmlns:a="http://schemas.openxmlformats.org/drawingml/2006/main" xmlns:r="http://schemas.openxmlformats.org/officeDocument/2006/relationships" xmlns:p1510="http://schemas.microsoft.com/office/powerpoint/2015/10/main">
   <p1510:revLst>
-    <p1510:client id="{20854ADB-59A1-493D-9435-9219F24ADA32}" v="682" dt="2022-05-14T05:00:50.466"/>
-    <p1510:client id="{2CE6346F-8B59-4A71-AFEE-C619A1FF23EF}" v="843" dt="2022-05-13T21:06:25.378"/>
+    <p1510:client id="{20854ADB-59A1-493D-9435-9219F24ADA32}" v="1048" dt="2022-05-25T20:38:32.731"/>
+    <p1510:client id="{37526190-487B-4D64-84FD-9EFE361ADFB8}" v="2" dt="2022-05-28T17:14:21.825"/>
   </p1510:revLst>
 </p1510:revInfo>
 </file>
@@ -138,7 +140,7 @@
   <pc:docChgLst>
     <pc:chgData name="16479132604" userId="2b8b334a7726c1f8" providerId="LiveId" clId="{20854ADB-59A1-493D-9435-9219F24ADA32}"/>
     <pc:docChg chg="undo redo custSel addSld delSld modSld sldOrd">
-      <pc:chgData name="16479132604" userId="2b8b334a7726c1f8" providerId="LiveId" clId="{20854ADB-59A1-493D-9435-9219F24ADA32}" dt="2022-05-14T05:00:50.466" v="1783"/>
+      <pc:chgData name="16479132604" userId="2b8b334a7726c1f8" providerId="LiveId" clId="{20854ADB-59A1-493D-9435-9219F24ADA32}" dt="2022-05-28T18:44:43.398" v="2381" actId="20577"/>
       <pc:docMkLst>
         <pc:docMk/>
       </pc:docMkLst>
@@ -1109,6 +1111,164 @@
             <pc:docMk/>
             <pc:sldMk cId="2704028374" sldId="265"/>
             <ac:spMk id="3" creationId="{B1910B8A-F8F7-E736-CE46-72A3A6185362}"/>
+          </ac:spMkLst>
+        </pc:spChg>
+      </pc:sldChg>
+      <pc:sldChg chg="addSp delSp modSp new mod setBg setClrOvrMap">
+        <pc:chgData name="16479132604" userId="2b8b334a7726c1f8" providerId="LiveId" clId="{20854ADB-59A1-493D-9435-9219F24ADA32}" dt="2022-05-18T16:50:05.344" v="1848" actId="5793"/>
+        <pc:sldMkLst>
+          <pc:docMk/>
+          <pc:sldMk cId="1687622035" sldId="266"/>
+        </pc:sldMkLst>
+        <pc:spChg chg="mod">
+          <ac:chgData name="16479132604" userId="2b8b334a7726c1f8" providerId="LiveId" clId="{20854ADB-59A1-493D-9435-9219F24ADA32}" dt="2022-05-18T16:42:24.139" v="1802" actId="26606"/>
+          <ac:spMkLst>
+            <pc:docMk/>
+            <pc:sldMk cId="1687622035" sldId="266"/>
+            <ac:spMk id="2" creationId="{10317031-B367-DB06-07FF-49ABB894C921}"/>
+          </ac:spMkLst>
+        </pc:spChg>
+        <pc:spChg chg="mod">
+          <ac:chgData name="16479132604" userId="2b8b334a7726c1f8" providerId="LiveId" clId="{20854ADB-59A1-493D-9435-9219F24ADA32}" dt="2022-05-18T16:50:05.344" v="1848" actId="5793"/>
+          <ac:spMkLst>
+            <pc:docMk/>
+            <pc:sldMk cId="1687622035" sldId="266"/>
+            <ac:spMk id="3" creationId="{0ABBBAA5-EA8A-2364-F01A-62400F5F0581}"/>
+          </ac:spMkLst>
+        </pc:spChg>
+        <pc:spChg chg="add del">
+          <ac:chgData name="16479132604" userId="2b8b334a7726c1f8" providerId="LiveId" clId="{20854ADB-59A1-493D-9435-9219F24ADA32}" dt="2022-05-18T16:42:24.128" v="1801" actId="26606"/>
+          <ac:spMkLst>
+            <pc:docMk/>
+            <pc:sldMk cId="1687622035" sldId="266"/>
+            <ac:spMk id="9" creationId="{E192707B-B929-41A7-9B41-E959A1C689E4}"/>
+          </ac:spMkLst>
+        </pc:spChg>
+        <pc:spChg chg="add del">
+          <ac:chgData name="16479132604" userId="2b8b334a7726c1f8" providerId="LiveId" clId="{20854ADB-59A1-493D-9435-9219F24ADA32}" dt="2022-05-18T16:42:24.128" v="1801" actId="26606"/>
+          <ac:spMkLst>
+            <pc:docMk/>
+            <pc:sldMk cId="1687622035" sldId="266"/>
+            <ac:spMk id="11" creationId="{8FB4235C-4505-46C7-AD8F-8769A1972FC1}"/>
+          </ac:spMkLst>
+        </pc:spChg>
+        <pc:picChg chg="add del">
+          <ac:chgData name="16479132604" userId="2b8b334a7726c1f8" providerId="LiveId" clId="{20854ADB-59A1-493D-9435-9219F24ADA32}" dt="2022-05-18T16:42:24.128" v="1801" actId="26606"/>
+          <ac:picMkLst>
+            <pc:docMk/>
+            <pc:sldMk cId="1687622035" sldId="266"/>
+            <ac:picMk id="5" creationId="{5BA779F3-29B7-E785-042A-D0FB5C3FCCCE}"/>
+          </ac:picMkLst>
+        </pc:picChg>
+        <pc:picChg chg="add">
+          <ac:chgData name="16479132604" userId="2b8b334a7726c1f8" providerId="LiveId" clId="{20854ADB-59A1-493D-9435-9219F24ADA32}" dt="2022-05-18T16:42:24.139" v="1802" actId="26606"/>
+          <ac:picMkLst>
+            <pc:docMk/>
+            <pc:sldMk cId="1687622035" sldId="266"/>
+            <ac:picMk id="13" creationId="{7B56CDA3-B6B4-4E77-19E6-0E018CD6351E}"/>
+          </ac:picMkLst>
+        </pc:picChg>
+      </pc:sldChg>
+      <pc:sldChg chg="addSp delSp modSp new mod setBg setClrOvrMap">
+        <pc:chgData name="16479132604" userId="2b8b334a7726c1f8" providerId="LiveId" clId="{20854ADB-59A1-493D-9435-9219F24ADA32}" dt="2022-05-28T18:44:43.398" v="2381" actId="20577"/>
+        <pc:sldMkLst>
+          <pc:docMk/>
+          <pc:sldMk cId="3995222830" sldId="267"/>
+        </pc:sldMkLst>
+        <pc:spChg chg="mod">
+          <ac:chgData name="16479132604" userId="2b8b334a7726c1f8" providerId="LiveId" clId="{20854ADB-59A1-493D-9435-9219F24ADA32}" dt="2022-05-28T18:44:43.398" v="2381" actId="20577"/>
+          <ac:spMkLst>
+            <pc:docMk/>
+            <pc:sldMk cId="3995222830" sldId="267"/>
+            <ac:spMk id="2" creationId="{C3C101A1-9025-8906-21FF-545142D48276}"/>
+          </ac:spMkLst>
+        </pc:spChg>
+        <pc:spChg chg="del mod">
+          <ac:chgData name="16479132604" userId="2b8b334a7726c1f8" providerId="LiveId" clId="{20854ADB-59A1-493D-9435-9219F24ADA32}" dt="2022-05-27T16:12:24.171" v="2246" actId="22"/>
+          <ac:spMkLst>
+            <pc:docMk/>
+            <pc:sldMk cId="3995222830" sldId="267"/>
+            <ac:spMk id="3" creationId="{8B174699-3222-163B-F417-AF82BEB7021C}"/>
+          </ac:spMkLst>
+        </pc:spChg>
+        <pc:spChg chg="add">
+          <ac:chgData name="16479132604" userId="2b8b334a7726c1f8" providerId="LiveId" clId="{20854ADB-59A1-493D-9435-9219F24ADA32}" dt="2022-05-25T20:36:54.267" v="1875" actId="26606"/>
+          <ac:spMkLst>
+            <pc:docMk/>
+            <pc:sldMk cId="3995222830" sldId="267"/>
+            <ac:spMk id="9" creationId="{E192707B-B929-41A7-9B41-E959A1C689E4}"/>
+          </ac:spMkLst>
+        </pc:spChg>
+        <pc:spChg chg="add">
+          <ac:chgData name="16479132604" userId="2b8b334a7726c1f8" providerId="LiveId" clId="{20854ADB-59A1-493D-9435-9219F24ADA32}" dt="2022-05-25T20:36:54.267" v="1875" actId="26606"/>
+          <ac:spMkLst>
+            <pc:docMk/>
+            <pc:sldMk cId="3995222830" sldId="267"/>
+            <ac:spMk id="11" creationId="{8FB4235C-4505-46C7-AD8F-8769A1972FC1}"/>
+          </ac:spMkLst>
+        </pc:spChg>
+        <pc:picChg chg="add mod">
+          <ac:chgData name="16479132604" userId="2b8b334a7726c1f8" providerId="LiveId" clId="{20854ADB-59A1-493D-9435-9219F24ADA32}" dt="2022-05-28T03:56:54.453" v="2363" actId="14100"/>
+          <ac:picMkLst>
+            <pc:docMk/>
+            <pc:sldMk cId="3995222830" sldId="267"/>
+            <ac:picMk id="4" creationId="{2871B7B2-8767-2F8B-21AE-0624414C0DCC}"/>
+          </ac:picMkLst>
+        </pc:picChg>
+        <pc:picChg chg="add mod">
+          <ac:chgData name="16479132604" userId="2b8b334a7726c1f8" providerId="LiveId" clId="{20854ADB-59A1-493D-9435-9219F24ADA32}" dt="2022-05-26T15:11:48.138" v="2244" actId="1076"/>
+          <ac:picMkLst>
+            <pc:docMk/>
+            <pc:sldMk cId="3995222830" sldId="267"/>
+            <ac:picMk id="5" creationId="{40FA4201-4F15-7B20-335A-AA42F565835E}"/>
+          </ac:picMkLst>
+        </pc:picChg>
+        <pc:picChg chg="add mod ord">
+          <ac:chgData name="16479132604" userId="2b8b334a7726c1f8" providerId="LiveId" clId="{20854ADB-59A1-493D-9435-9219F24ADA32}" dt="2022-05-27T16:12:34.567" v="2247" actId="1076"/>
+          <ac:picMkLst>
+            <pc:docMk/>
+            <pc:sldMk cId="3995222830" sldId="267"/>
+            <ac:picMk id="6" creationId="{DFEE222A-2081-9C80-C154-EBFF94D82B01}"/>
+          </ac:picMkLst>
+        </pc:picChg>
+        <pc:picChg chg="add del mod modCrop">
+          <ac:chgData name="16479132604" userId="2b8b334a7726c1f8" providerId="LiveId" clId="{20854ADB-59A1-493D-9435-9219F24ADA32}" dt="2022-05-27T16:18:18.851" v="2254" actId="478"/>
+          <ac:picMkLst>
+            <pc:docMk/>
+            <pc:sldMk cId="3995222830" sldId="267"/>
+            <ac:picMk id="8" creationId="{7087EB77-8A0F-4CAE-A525-24039BFCE87A}"/>
+          </ac:picMkLst>
+        </pc:picChg>
+        <pc:picChg chg="add del mod">
+          <ac:chgData name="16479132604" userId="2b8b334a7726c1f8" providerId="LiveId" clId="{20854ADB-59A1-493D-9435-9219F24ADA32}" dt="2022-05-28T03:56:37.780" v="2358" actId="478"/>
+          <ac:picMkLst>
+            <pc:docMk/>
+            <pc:sldMk cId="3995222830" sldId="267"/>
+            <ac:picMk id="12" creationId="{8D326665-0AAB-5021-C79D-CD040B25278C}"/>
+          </ac:picMkLst>
+        </pc:picChg>
+      </pc:sldChg>
+    </pc:docChg>
+  </pc:docChgLst>
+  <pc:docChgLst>
+    <pc:chgData name="Qin Richelle" userId="8c8fc80d10a85a95" providerId="Windows Live" clId="Web-{37526190-487B-4D64-84FD-9EFE361ADFB8}"/>
+    <pc:docChg chg="modSld">
+      <pc:chgData name="Qin Richelle" userId="8c8fc80d10a85a95" providerId="Windows Live" clId="Web-{37526190-487B-4D64-84FD-9EFE361ADFB8}" dt="2022-05-28T17:14:21.825" v="1" actId="20577"/>
+      <pc:docMkLst>
+        <pc:docMk/>
+      </pc:docMkLst>
+      <pc:sldChg chg="modSp">
+        <pc:chgData name="Qin Richelle" userId="8c8fc80d10a85a95" providerId="Windows Live" clId="Web-{37526190-487B-4D64-84FD-9EFE361ADFB8}" dt="2022-05-28T17:14:21.825" v="1" actId="20577"/>
+        <pc:sldMkLst>
+          <pc:docMk/>
+          <pc:sldMk cId="2704028374" sldId="265"/>
+        </pc:sldMkLst>
+        <pc:spChg chg="mod">
+          <ac:chgData name="Qin Richelle" userId="8c8fc80d10a85a95" providerId="Windows Live" clId="Web-{37526190-487B-4D64-84FD-9EFE361ADFB8}" dt="2022-05-28T17:14:21.825" v="1" actId="20577"/>
+          <ac:spMkLst>
+            <pc:docMk/>
+            <pc:sldMk cId="2704028374" sldId="265"/>
+            <ac:spMk id="2" creationId="{4E1C5FAE-7400-9BAB-FF7E-A9C1D41DC739}"/>
           </ac:spMkLst>
         </pc:spChg>
       </pc:sldChg>
@@ -9000,7 +9160,7 @@
       </dsp:nvSpPr>
       <dsp:spPr>
         <a:xfrm>
-          <a:off x="938775" y="812201"/>
+          <a:off x="938775" y="825313"/>
           <a:ext cx="926133" cy="926133"/>
         </a:xfrm>
         <a:prstGeom prst="rect">
@@ -9056,8 +9216,8 @@
       </dsp:nvSpPr>
       <dsp:spPr>
         <a:xfrm>
-          <a:off x="372805" y="2084718"/>
-          <a:ext cx="2058075" cy="1035000"/>
+          <a:off x="372805" y="2094106"/>
+          <a:ext cx="2058075" cy="1012500"/>
         </a:xfrm>
         <a:prstGeom prst="rect">
           <a:avLst/>
@@ -9136,8 +9296,8 @@
         </a:p>
       </dsp:txBody>
       <dsp:txXfrm>
-        <a:off x="372805" y="2084718"/>
-        <a:ext cx="2058075" cy="1035000"/>
+        <a:off x="372805" y="2094106"/>
+        <a:ext cx="2058075" cy="1012500"/>
       </dsp:txXfrm>
     </dsp:sp>
     <dsp:sp modelId="{8EAAA964-8E2B-498B-B57F-6600E0E28736}">
@@ -9147,7 +9307,7 @@
       </dsp:nvSpPr>
       <dsp:spPr>
         <a:xfrm>
-          <a:off x="3357014" y="812201"/>
+          <a:off x="3357014" y="825313"/>
           <a:ext cx="926133" cy="926133"/>
         </a:xfrm>
         <a:prstGeom prst="rect">
@@ -9203,8 +9363,8 @@
       </dsp:nvSpPr>
       <dsp:spPr>
         <a:xfrm>
-          <a:off x="2791043" y="2084718"/>
-          <a:ext cx="2058075" cy="1035000"/>
+          <a:off x="2791043" y="2094106"/>
+          <a:ext cx="2058075" cy="1012500"/>
         </a:xfrm>
         <a:prstGeom prst="rect">
           <a:avLst/>
@@ -9257,8 +9417,8 @@
         </a:p>
       </dsp:txBody>
       <dsp:txXfrm>
-        <a:off x="2791043" y="2084718"/>
-        <a:ext cx="2058075" cy="1035000"/>
+        <a:off x="2791043" y="2094106"/>
+        <a:ext cx="2058075" cy="1012500"/>
       </dsp:txXfrm>
     </dsp:sp>
     <dsp:sp modelId="{32B8D066-84EE-49CE-8005-3AED134EEC3C}">
@@ -9268,7 +9428,7 @@
       </dsp:nvSpPr>
       <dsp:spPr>
         <a:xfrm>
-          <a:off x="5775252" y="812201"/>
+          <a:off x="5775252" y="825313"/>
           <a:ext cx="926133" cy="926133"/>
         </a:xfrm>
         <a:prstGeom prst="rect">
@@ -9324,8 +9484,8 @@
       </dsp:nvSpPr>
       <dsp:spPr>
         <a:xfrm>
-          <a:off x="5209281" y="2084718"/>
-          <a:ext cx="2058075" cy="1035000"/>
+          <a:off x="5209281" y="2094106"/>
+          <a:ext cx="2058075" cy="1012500"/>
         </a:xfrm>
         <a:prstGeom prst="rect">
           <a:avLst/>
@@ -9414,8 +9574,8 @@
         </a:p>
       </dsp:txBody>
       <dsp:txXfrm>
-        <a:off x="5209281" y="2084718"/>
-        <a:ext cx="2058075" cy="1035000"/>
+        <a:off x="5209281" y="2094106"/>
+        <a:ext cx="2058075" cy="1012500"/>
       </dsp:txXfrm>
     </dsp:sp>
     <dsp:sp modelId="{75B9D01C-5576-4BF4-929B-54F65585080C}">
@@ -9425,7 +9585,7 @@
       </dsp:nvSpPr>
       <dsp:spPr>
         <a:xfrm>
-          <a:off x="8193490" y="812201"/>
+          <a:off x="8193490" y="825313"/>
           <a:ext cx="926133" cy="926133"/>
         </a:xfrm>
         <a:prstGeom prst="rect">
@@ -9481,8 +9641,8 @@
       </dsp:nvSpPr>
       <dsp:spPr>
         <a:xfrm>
-          <a:off x="7627519" y="2084718"/>
-          <a:ext cx="2058075" cy="1035000"/>
+          <a:off x="7627519" y="2094106"/>
+          <a:ext cx="2058075" cy="1012500"/>
         </a:xfrm>
         <a:prstGeom prst="rect">
           <a:avLst/>
@@ -9553,8 +9713,8 @@
         </a:p>
       </dsp:txBody>
       <dsp:txXfrm>
-        <a:off x="7627519" y="2084718"/>
-        <a:ext cx="2058075" cy="1035000"/>
+        <a:off x="7627519" y="2094106"/>
+        <a:ext cx="2058075" cy="1012500"/>
       </dsp:txXfrm>
     </dsp:sp>
   </dsp:spTree>
@@ -12048,7 +12208,7 @@
           <a:p>
             <a:fld id="{1D22FE4A-D7B1-44C6-B419-3891A711769A}" type="datetimeFigureOut">
               <a:rPr lang="en-CA" smtClean="0"/>
-              <a:t>2022-05-13</a:t>
+              <a:t>2022-05-28</a:t>
             </a:fld>
             <a:endParaRPr lang="en-CA"/>
           </a:p>
@@ -12862,7 +13022,7 @@
           <a:p>
             <a:fld id="{61784475-BEFB-4B4E-885B-3643F77986B9}" type="datetimeFigureOut">
               <a:rPr lang="en-CA" smtClean="0"/>
-              <a:t>2022-05-13</a:t>
+              <a:t>2022-05-28</a:t>
             </a:fld>
             <a:endParaRPr lang="en-CA"/>
           </a:p>
@@ -13064,7 +13224,7 @@
           <a:p>
             <a:fld id="{61784475-BEFB-4B4E-885B-3643F77986B9}" type="datetimeFigureOut">
               <a:rPr lang="en-CA" smtClean="0"/>
-              <a:t>2022-05-13</a:t>
+              <a:t>2022-05-28</a:t>
             </a:fld>
             <a:endParaRPr lang="en-CA"/>
           </a:p>
@@ -13244,7 +13404,7 @@
           <a:p>
             <a:fld id="{61784475-BEFB-4B4E-885B-3643F77986B9}" type="datetimeFigureOut">
               <a:rPr lang="en-CA" smtClean="0"/>
-              <a:t>2022-05-13</a:t>
+              <a:t>2022-05-28</a:t>
             </a:fld>
             <a:endParaRPr lang="en-CA"/>
           </a:p>
@@ -13414,7 +13574,7 @@
           <a:p>
             <a:fld id="{61784475-BEFB-4B4E-885B-3643F77986B9}" type="datetimeFigureOut">
               <a:rPr lang="en-CA" smtClean="0"/>
-              <a:t>2022-05-13</a:t>
+              <a:t>2022-05-28</a:t>
             </a:fld>
             <a:endParaRPr lang="en-CA"/>
           </a:p>
@@ -13985,7 +14145,7 @@
           <a:p>
             <a:fld id="{61784475-BEFB-4B4E-885B-3643F77986B9}" type="datetimeFigureOut">
               <a:rPr lang="en-CA" smtClean="0"/>
-              <a:t>2022-05-13</a:t>
+              <a:t>2022-05-28</a:t>
             </a:fld>
             <a:endParaRPr lang="en-CA"/>
           </a:p>
@@ -14287,7 +14447,7 @@
           <a:p>
             <a:fld id="{61784475-BEFB-4B4E-885B-3643F77986B9}" type="datetimeFigureOut">
               <a:rPr lang="en-CA" smtClean="0"/>
-              <a:t>2022-05-13</a:t>
+              <a:t>2022-05-28</a:t>
             </a:fld>
             <a:endParaRPr lang="en-CA"/>
           </a:p>
@@ -14724,7 +14884,7 @@
           <a:p>
             <a:fld id="{61784475-BEFB-4B4E-885B-3643F77986B9}" type="datetimeFigureOut">
               <a:rPr lang="en-CA" smtClean="0"/>
-              <a:t>2022-05-13</a:t>
+              <a:t>2022-05-28</a:t>
             </a:fld>
             <a:endParaRPr lang="en-CA"/>
           </a:p>
@@ -14842,7 +15002,7 @@
           <a:p>
             <a:fld id="{61784475-BEFB-4B4E-885B-3643F77986B9}" type="datetimeFigureOut">
               <a:rPr lang="en-CA" smtClean="0"/>
-              <a:t>2022-05-13</a:t>
+              <a:t>2022-05-28</a:t>
             </a:fld>
             <a:endParaRPr lang="en-CA"/>
           </a:p>
@@ -14937,7 +15097,7 @@
           <a:p>
             <a:fld id="{61784475-BEFB-4B4E-885B-3643F77986B9}" type="datetimeFigureOut">
               <a:rPr lang="en-CA" smtClean="0"/>
-              <a:t>2022-05-13</a:t>
+              <a:t>2022-05-28</a:t>
             </a:fld>
             <a:endParaRPr lang="en-CA"/>
           </a:p>
@@ -15319,7 +15479,7 @@
           <a:p>
             <a:fld id="{61784475-BEFB-4B4E-885B-3643F77986B9}" type="datetimeFigureOut">
               <a:rPr lang="en-CA" smtClean="0"/>
-              <a:t>2022-05-13</a:t>
+              <a:t>2022-05-28</a:t>
             </a:fld>
             <a:endParaRPr lang="en-CA"/>
           </a:p>
@@ -15713,7 +15873,7 @@
           <a:p>
             <a:fld id="{61784475-BEFB-4B4E-885B-3643F77986B9}" type="datetimeFigureOut">
               <a:rPr lang="en-CA" smtClean="0"/>
-              <a:t>2022-05-13</a:t>
+              <a:t>2022-05-28</a:t>
             </a:fld>
             <a:endParaRPr lang="en-CA"/>
           </a:p>
@@ -16026,7 +16186,7 @@
           <a:p>
             <a:fld id="{61784475-BEFB-4B4E-885B-3643F77986B9}" type="datetimeFigureOut">
               <a:rPr lang="en-CA" smtClean="0"/>
-              <a:t>2022-05-13</a:t>
+              <a:t>2022-05-28</a:t>
             </a:fld>
             <a:endParaRPr lang="en-CA"/>
           </a:p>
@@ -16836,6 +16996,276 @@
       <p:bgPr>
         <a:solidFill>
           <a:schemeClr val="bg1">
+            <a:lumMod val="75000"/>
+            <a:lumOff val="25000"/>
+          </a:schemeClr>
+        </a:solidFill>
+        <a:effectLst/>
+      </p:bgPr>
+    </p:bg>
+    <p:spTree>
+      <p:nvGrpSpPr>
+        <p:cNvPr id="1" name=""/>
+        <p:cNvGrpSpPr/>
+        <p:nvPr/>
+      </p:nvGrpSpPr>
+      <p:grpSpPr>
+        <a:xfrm>
+          <a:off x="0" y="0"/>
+          <a:ext cx="0" cy="0"/>
+          <a:chOff x="0" y="0"/>
+          <a:chExt cx="0" cy="0"/>
+        </a:xfrm>
+      </p:grpSpPr>
+      <p:sp useBgFill="1">
+        <p:nvSpPr>
+          <p:cNvPr id="9" name="Rectangle 8">
+            <a:extLst>
+              <a:ext uri="{FF2B5EF4-FFF2-40B4-BE49-F238E27FC236}">
+                <a16:creationId xmlns:a16="http://schemas.microsoft.com/office/drawing/2014/main" id="{E192707B-B929-41A7-9B41-E959A1C689E4}"/>
+              </a:ext>
+              <a:ext uri="{C183D7F6-B498-43B3-948B-1728B52AA6E4}">
+                <adec:decorative xmlns:adec="http://schemas.microsoft.com/office/drawing/2017/decorative" val="1"/>
+              </a:ext>
+            </a:extLst>
+          </p:cNvPr>
+          <p:cNvSpPr>
+            <a:spLocks noGrp="1" noRot="1" noChangeAspect="1" noMove="1" noResize="1" noEditPoints="1" noAdjustHandles="1" noChangeArrowheads="1" noChangeShapeType="1" noTextEdit="1"/>
+          </p:cNvSpPr>
+          <p:nvPr>
+            <p:extLst>
+              <p:ext uri="{386F3935-93C4-4BCD-93E2-E3B085C9AB24}">
+                <p16:designElem xmlns:p16="http://schemas.microsoft.com/office/powerpoint/2015/main" val="1"/>
+              </p:ext>
+            </p:extLst>
+          </p:nvPr>
+        </p:nvSpPr>
+        <p:spPr>
+          <a:xfrm>
+            <a:off x="0" y="0"/>
+            <a:ext cx="12192000" cy="6858000"/>
+          </a:xfrm>
+          <a:prstGeom prst="rect">
+            <a:avLst/>
+          </a:prstGeom>
+          <a:ln>
+            <a:noFill/>
+          </a:ln>
+        </p:spPr>
+        <p:style>
+          <a:lnRef idx="2">
+            <a:schemeClr val="accent1">
+              <a:shade val="50000"/>
+            </a:schemeClr>
+          </a:lnRef>
+          <a:fillRef idx="1">
+            <a:schemeClr val="accent1"/>
+          </a:fillRef>
+          <a:effectRef idx="0">
+            <a:schemeClr val="accent1"/>
+          </a:effectRef>
+          <a:fontRef idx="minor">
+            <a:schemeClr val="lt1"/>
+          </a:fontRef>
+        </p:style>
+        <p:txBody>
+          <a:bodyPr rtlCol="0" anchor="ctr"/>
+          <a:lstStyle/>
+          <a:p>
+            <a:pPr algn="ctr"/>
+            <a:endParaRPr lang="en-US"/>
+          </a:p>
+        </p:txBody>
+      </p:sp>
+      <p:pic>
+        <p:nvPicPr>
+          <p:cNvPr id="5" name="Picture 4" descr="Speedometer">
+            <a:extLst>
+              <a:ext uri="{FF2B5EF4-FFF2-40B4-BE49-F238E27FC236}">
+                <a16:creationId xmlns:a16="http://schemas.microsoft.com/office/drawing/2014/main" id="{40FA4201-4F15-7B20-335A-AA42F565835E}"/>
+              </a:ext>
+            </a:extLst>
+          </p:cNvPr>
+          <p:cNvPicPr>
+            <a:picLocks noChangeAspect="1"/>
+          </p:cNvPicPr>
+          <p:nvPr/>
+        </p:nvPicPr>
+        <p:blipFill rotWithShape="1">
+          <a:blip r:embed="rId2">
+            <a:alphaModFix amt="35000"/>
+          </a:blip>
+          <a:srcRect t="5645" b="3994"/>
+          <a:stretch/>
+        </p:blipFill>
+        <p:spPr>
+          <a:xfrm>
+            <a:off x="20" y="10"/>
+            <a:ext cx="12191980" cy="6857990"/>
+          </a:xfrm>
+          <a:prstGeom prst="rect">
+            <a:avLst/>
+          </a:prstGeom>
+        </p:spPr>
+      </p:pic>
+      <p:sp>
+        <p:nvSpPr>
+          <p:cNvPr id="2" name="Title 1">
+            <a:extLst>
+              <a:ext uri="{FF2B5EF4-FFF2-40B4-BE49-F238E27FC236}">
+                <a16:creationId xmlns:a16="http://schemas.microsoft.com/office/drawing/2014/main" id="{C3C101A1-9025-8906-21FF-545142D48276}"/>
+              </a:ext>
+            </a:extLst>
+          </p:cNvPr>
+          <p:cNvSpPr>
+            <a:spLocks noGrp="1"/>
+          </p:cNvSpPr>
+          <p:nvPr>
+            <p:ph type="title"/>
+          </p:nvPr>
+        </p:nvSpPr>
+        <p:spPr>
+          <a:xfrm>
+            <a:off x="1066800" y="434776"/>
+            <a:ext cx="10058400" cy="1371600"/>
+          </a:xfrm>
+        </p:spPr>
+        <p:txBody>
+          <a:bodyPr>
+            <a:normAutofit/>
+          </a:bodyPr>
+          <a:lstStyle/>
+          <a:p>
+            <a:r>
+              <a:rPr lang="en-CA" dirty="0"/>
+              <a:t>A glimpse of the Dashboard</a:t>
+            </a:r>
+          </a:p>
+        </p:txBody>
+      </p:sp>
+      <p:pic>
+        <p:nvPicPr>
+          <p:cNvPr id="6" name="Content Placeholder 5">
+            <a:extLst>
+              <a:ext uri="{FF2B5EF4-FFF2-40B4-BE49-F238E27FC236}">
+                <a16:creationId xmlns:a16="http://schemas.microsoft.com/office/drawing/2014/main" id="{DFEE222A-2081-9C80-C154-EBFF94D82B01}"/>
+              </a:ext>
+            </a:extLst>
+          </p:cNvPr>
+          <p:cNvPicPr>
+            <a:picLocks noGrp="1" noChangeAspect="1"/>
+          </p:cNvPicPr>
+          <p:nvPr>
+            <p:ph idx="1"/>
+          </p:nvPr>
+        </p:nvPicPr>
+        <p:blipFill>
+          <a:blip r:embed="rId3"/>
+          <a:stretch>
+            <a:fillRect/>
+          </a:stretch>
+        </p:blipFill>
+        <p:spPr>
+          <a:xfrm>
+            <a:off x="524767" y="2139084"/>
+            <a:ext cx="5190554" cy="3932238"/>
+          </a:xfrm>
+        </p:spPr>
+      </p:pic>
+      <p:sp>
+        <p:nvSpPr>
+          <p:cNvPr id="11" name="Rectangle 10">
+            <a:extLst>
+              <a:ext uri="{FF2B5EF4-FFF2-40B4-BE49-F238E27FC236}">
+                <a16:creationId xmlns:a16="http://schemas.microsoft.com/office/drawing/2014/main" id="{8FB4235C-4505-46C7-AD8F-8769A1972FC1}"/>
+              </a:ext>
+              <a:ext uri="{C183D7F6-B498-43B3-948B-1728B52AA6E4}">
+                <adec:decorative xmlns:adec="http://schemas.microsoft.com/office/drawing/2017/decorative" val="1"/>
+              </a:ext>
+            </a:extLst>
+          </p:cNvPr>
+          <p:cNvSpPr>
+            <a:spLocks noGrp="1" noRot="1" noChangeAspect="1" noMove="1" noResize="1" noEditPoints="1" noAdjustHandles="1" noChangeArrowheads="1" noChangeShapeType="1" noTextEdit="1"/>
+          </p:cNvSpPr>
+          <p:nvPr>
+            <p:extLst>
+              <p:ext uri="{386F3935-93C4-4BCD-93E2-E3B085C9AB24}">
+                <p16:designElem xmlns:p16="http://schemas.microsoft.com/office/powerpoint/2015/main" val="1"/>
+              </p:ext>
+            </p:extLst>
+          </p:nvPr>
+        </p:nvSpPr>
+        <p:spPr>
+          <a:xfrm>
+            <a:off x="234696" y="237744"/>
+            <a:ext cx="11722608" cy="6382512"/>
+          </a:xfrm>
+          <a:prstGeom prst="rect">
+            <a:avLst/>
+          </a:prstGeom>
+          <a:noFill/>
+          <a:ln w="6350" cap="sq" cmpd="sng" algn="ctr">
+            <a:solidFill>
+              <a:schemeClr val="tx1"/>
+            </a:solidFill>
+            <a:prstDash val="solid"/>
+            <a:miter lim="800000"/>
+          </a:ln>
+          <a:effectLst>
+            <a:softEdge rad="0"/>
+          </a:effectLst>
+        </p:spPr>
+      </p:sp>
+      <p:pic>
+        <p:nvPicPr>
+          <p:cNvPr id="4" name="Picture 3">
+            <a:extLst>
+              <a:ext uri="{FF2B5EF4-FFF2-40B4-BE49-F238E27FC236}">
+                <a16:creationId xmlns:a16="http://schemas.microsoft.com/office/drawing/2014/main" id="{2871B7B2-8767-2F8B-21AE-0624414C0DCC}"/>
+              </a:ext>
+            </a:extLst>
+          </p:cNvPr>
+          <p:cNvPicPr>
+            <a:picLocks noChangeAspect="1"/>
+          </p:cNvPicPr>
+          <p:nvPr/>
+        </p:nvPicPr>
+        <p:blipFill>
+          <a:blip r:embed="rId4"/>
+          <a:stretch>
+            <a:fillRect/>
+          </a:stretch>
+        </p:blipFill>
+        <p:spPr>
+          <a:xfrm>
+            <a:off x="6096000" y="2139084"/>
+            <a:ext cx="4951615" cy="3932238"/>
+          </a:xfrm>
+          <a:prstGeom prst="rect">
+            <a:avLst/>
+          </a:prstGeom>
+        </p:spPr>
+      </p:pic>
+    </p:spTree>
+    <p:extLst>
+      <p:ext uri="{BB962C8B-B14F-4D97-AF65-F5344CB8AC3E}">
+        <p14:creationId xmlns:p14="http://schemas.microsoft.com/office/powerpoint/2010/main" val="3995222830"/>
+      </p:ext>
+    </p:extLst>
+  </p:cSld>
+  <p:clrMapOvr>
+    <a:overrideClrMapping bg1="dk1" tx1="lt1" bg2="dk2" tx2="lt2" accent1="accent1" accent2="accent2" accent3="accent3" accent4="accent4" accent5="accent5" accent6="accent6" hlink="hlink" folHlink="folHlink"/>
+  </p:clrMapOvr>
+</p:sld>
+</file>
+
+<file path=ppt/slides/slide11.xml><?xml version="1.0" encoding="utf-8"?>
+<p:sld xmlns:a="http://schemas.openxmlformats.org/drawingml/2006/main" xmlns:r="http://schemas.openxmlformats.org/officeDocument/2006/relationships" xmlns:p="http://schemas.openxmlformats.org/presentationml/2006/main">
+  <p:cSld>
+    <p:bg>
+      <p:bgPr>
+        <a:solidFill>
+          <a:schemeClr val="bg1">
             <a:lumMod val="95000"/>
             <a:lumOff val="5000"/>
           </a:schemeClr>
@@ -17350,8 +17780,8 @@
   <p:clrMapOvr>
     <a:overrideClrMapping bg1="dk1" tx1="lt1" bg2="dk2" tx2="lt2" accent1="accent1" accent2="accent2" accent3="accent3" accent4="accent4" accent5="accent5" accent6="accent6" hlink="hlink" folHlink="folHlink"/>
   </p:clrMapOvr>
-  <mc:AlternateContent xmlns:mc="http://schemas.openxmlformats.org/markup-compatibility/2006">
-    <mc:Choice xmlns:p14="http://schemas.microsoft.com/office/powerpoint/2010/main" Requires="p14">
+  <mc:AlternateContent xmlns:mc="http://schemas.openxmlformats.org/markup-compatibility/2006" xmlns:p14="http://schemas.microsoft.com/office/powerpoint/2010/main">
+    <mc:Choice Requires="p14">
       <p:timing>
         <p:tnLst>
           <p:par>
@@ -17424,7 +17854,7 @@
         </p:tnLst>
       </p:timing>
     </mc:Choice>
-    <mc:Fallback>
+    <mc:Fallback xmlns="">
       <p:timing>
         <p:tnLst>
           <p:par>
@@ -17498,6 +17928,170 @@
       </p:timing>
     </mc:Fallback>
   </mc:AlternateContent>
+</p:sld>
+</file>
+
+<file path=ppt/slides/slide12.xml><?xml version="1.0" encoding="utf-8"?>
+<p:sld xmlns:a="http://schemas.openxmlformats.org/drawingml/2006/main" xmlns:r="http://schemas.openxmlformats.org/officeDocument/2006/relationships" xmlns:p="http://schemas.openxmlformats.org/presentationml/2006/main">
+  <p:cSld>
+    <p:bg>
+      <p:bgPr>
+        <a:solidFill>
+          <a:schemeClr val="bg1"/>
+        </a:solidFill>
+        <a:effectLst/>
+      </p:bgPr>
+    </p:bg>
+    <p:spTree>
+      <p:nvGrpSpPr>
+        <p:cNvPr id="1" name=""/>
+        <p:cNvGrpSpPr/>
+        <p:nvPr/>
+      </p:nvGrpSpPr>
+      <p:grpSpPr>
+        <a:xfrm>
+          <a:off x="0" y="0"/>
+          <a:ext cx="0" cy="0"/>
+          <a:chOff x="0" y="0"/>
+          <a:chExt cx="0" cy="0"/>
+        </a:xfrm>
+      </p:grpSpPr>
+      <p:pic>
+        <p:nvPicPr>
+          <p:cNvPr id="13" name="Picture 4" descr="Files in folders">
+            <a:extLst>
+              <a:ext uri="{FF2B5EF4-FFF2-40B4-BE49-F238E27FC236}">
+                <a16:creationId xmlns:a16="http://schemas.microsoft.com/office/drawing/2014/main" id="{7B56CDA3-B6B4-4E77-19E6-0E018CD6351E}"/>
+              </a:ext>
+            </a:extLst>
+          </p:cNvPr>
+          <p:cNvPicPr>
+            <a:picLocks noChangeAspect="1"/>
+          </p:cNvPicPr>
+          <p:nvPr/>
+        </p:nvPicPr>
+        <p:blipFill rotWithShape="1">
+          <a:blip r:embed="rId2">
+            <a:duotone>
+              <a:schemeClr val="bg2">
+                <a:shade val="45000"/>
+                <a:satMod val="135000"/>
+              </a:schemeClr>
+              <a:prstClr val="white"/>
+            </a:duotone>
+            <a:alphaModFix amt="25000"/>
+          </a:blip>
+          <a:srcRect t="4773" b="10957"/>
+          <a:stretch/>
+        </p:blipFill>
+        <p:spPr>
+          <a:xfrm>
+            <a:off x="20" y="10"/>
+            <a:ext cx="12191980" cy="6857990"/>
+          </a:xfrm>
+          <a:prstGeom prst="rect">
+            <a:avLst/>
+          </a:prstGeom>
+        </p:spPr>
+      </p:pic>
+      <p:sp>
+        <p:nvSpPr>
+          <p:cNvPr id="2" name="Title 1">
+            <a:extLst>
+              <a:ext uri="{FF2B5EF4-FFF2-40B4-BE49-F238E27FC236}">
+                <a16:creationId xmlns:a16="http://schemas.microsoft.com/office/drawing/2014/main" id="{10317031-B367-DB06-07FF-49ABB894C921}"/>
+              </a:ext>
+            </a:extLst>
+          </p:cNvPr>
+          <p:cNvSpPr>
+            <a:spLocks noGrp="1"/>
+          </p:cNvSpPr>
+          <p:nvPr>
+            <p:ph type="title"/>
+          </p:nvPr>
+        </p:nvSpPr>
+        <p:spPr>
+          <a:xfrm>
+            <a:off x="1066800" y="642594"/>
+            <a:ext cx="10058400" cy="1371600"/>
+          </a:xfrm>
+        </p:spPr>
+        <p:txBody>
+          <a:bodyPr>
+            <a:normAutofit/>
+          </a:bodyPr>
+          <a:lstStyle/>
+          <a:p>
+            <a:r>
+              <a:rPr lang="en-CA" dirty="0"/>
+              <a:t>References </a:t>
+            </a:r>
+          </a:p>
+        </p:txBody>
+      </p:sp>
+      <p:sp>
+        <p:nvSpPr>
+          <p:cNvPr id="3" name="Content Placeholder 2">
+            <a:extLst>
+              <a:ext uri="{FF2B5EF4-FFF2-40B4-BE49-F238E27FC236}">
+                <a16:creationId xmlns:a16="http://schemas.microsoft.com/office/drawing/2014/main" id="{0ABBBAA5-EA8A-2364-F01A-62400F5F0581}"/>
+              </a:ext>
+            </a:extLst>
+          </p:cNvPr>
+          <p:cNvSpPr>
+            <a:spLocks noGrp="1"/>
+          </p:cNvSpPr>
+          <p:nvPr>
+            <p:ph idx="1"/>
+          </p:nvPr>
+        </p:nvSpPr>
+        <p:spPr>
+          <a:xfrm>
+            <a:off x="1066800" y="2103120"/>
+            <a:ext cx="10058400" cy="3931920"/>
+          </a:xfrm>
+        </p:spPr>
+        <p:txBody>
+          <a:bodyPr>
+            <a:normAutofit/>
+          </a:bodyPr>
+          <a:lstStyle/>
+          <a:p>
+            <a:r>
+              <a:rPr lang="en-CA" dirty="0"/>
+              <a:t>City of Toronto open data portal - </a:t>
+            </a:r>
+            <a:r>
+              <a:rPr lang="en-US" b="0" i="0">
+                <a:effectLst/>
+                <a:latin typeface="Montserrat" panose="020B0604020202020204" pitchFamily="2" charset="0"/>
+                <a:hlinkClick r:id="rId3"/>
+              </a:rPr>
+              <a:t>Link to portal</a:t>
+            </a:r>
+            <a:endParaRPr lang="en-US" b="0" i="0">
+              <a:effectLst/>
+              <a:latin typeface="Montserrat" panose="020B0604020202020204" pitchFamily="2" charset="0"/>
+            </a:endParaRPr>
+          </a:p>
+          <a:p>
+            <a:pPr marL="0" indent="0">
+              <a:buNone/>
+            </a:pPr>
+            <a:endParaRPr lang="en-CA" dirty="0"/>
+          </a:p>
+        </p:txBody>
+      </p:sp>
+    </p:spTree>
+    <p:extLst>
+      <p:ext uri="{BB962C8B-B14F-4D97-AF65-F5344CB8AC3E}">
+        <p14:creationId xmlns:p14="http://schemas.microsoft.com/office/powerpoint/2010/main" val="1687622035"/>
+      </p:ext>
+    </p:extLst>
+  </p:cSld>
+  <p:clrMapOvr>
+    <a:masterClrMapping/>
+  </p:clrMapOvr>
 </p:sld>
 </file>
 
@@ -19212,8 +19806,8 @@
           <a:lstStyle/>
           <a:p>
             <a:r>
-              <a:rPr lang="en-CA" dirty="0"/>
-              <a:t>Datasets - </a:t>
+              <a:rPr lang="en-CA"/>
+              <a:t>Datasets </a:t>
             </a:r>
           </a:p>
         </p:txBody>
